--- a/files/Presentation.pptx
+++ b/files/Presentation.pptx
@@ -173,9 +173,7 @@
 <file path=ppt/revisionInfo.xml><?xml version="1.0" encoding="utf-8"?>
 <p1510:revInfo xmlns:a="http://schemas.openxmlformats.org/drawingml/2006/main" xmlns:r="http://schemas.openxmlformats.org/officeDocument/2006/relationships" xmlns:p1510="http://schemas.microsoft.com/office/powerpoint/2015/10/main">
   <p1510:revLst>
-    <p1510:client id="{304DB073-F986-494C-B28E-627DAB0DE661}" v="1011" dt="2025-07-21T09:30:43.253"/>
-    <p1510:client id="{773D6D81-A9F5-4DC9-ADD1-5C5B62EB63B1}" v="32" dt="2025-07-21T16:02:17.450"/>
-    <p1510:client id="{7A141031-0306-418F-9899-8E1F935F761E}" v="256" dt="2025-07-21T12:04:54.499"/>
+    <p1510:client id="{7A141031-0306-418F-9899-8E1F935F761E}" v="262" dt="2025-07-22T20:54:01.389"/>
   </p1510:revLst>
 </p1510:revInfo>
 </file>
@@ -184,8 +182,8 @@
 <pc:chgInfo xmlns:a="http://schemas.openxmlformats.org/drawingml/2006/main" xmlns:r="http://schemas.openxmlformats.org/officeDocument/2006/relationships" xmlns:ac="http://schemas.microsoft.com/office/drawing/2013/main/command" xmlns:pc="http://schemas.microsoft.com/office/powerpoint/2013/main/command">
   <pc:docChgLst>
     <pc:chgData name="Sotirios Damouras" userId="7c1f99a4-7f99-452e-ad75-41cee7f4fa00" providerId="ADAL" clId="{7A141031-0306-418F-9899-8E1F935F761E}"/>
-    <pc:docChg chg="undo custSel addSld modSld sldOrd modMainMaster addSection modSection">
-      <pc:chgData name="Sotirios Damouras" userId="7c1f99a4-7f99-452e-ad75-41cee7f4fa00" providerId="ADAL" clId="{7A141031-0306-418F-9899-8E1F935F761E}" dt="2025-07-21T12:04:54.499" v="1387" actId="20577"/>
+    <pc:docChg chg="undo custSel addSld delSld modSld sldOrd modMainMaster addSection modSection">
+      <pc:chgData name="Sotirios Damouras" userId="7c1f99a4-7f99-452e-ad75-41cee7f4fa00" providerId="ADAL" clId="{7A141031-0306-418F-9899-8E1F935F761E}" dt="2025-07-22T20:52:36.350" v="1543" actId="47"/>
       <pc:docMkLst>
         <pc:docMk/>
       </pc:docMkLst>
@@ -710,6 +708,61 @@
           </ac:picMkLst>
         </pc:picChg>
       </pc:sldChg>
+      <pc:sldChg chg="addSp delSp modSp new del mod">
+        <pc:chgData name="Sotirios Damouras" userId="7c1f99a4-7f99-452e-ad75-41cee7f4fa00" providerId="ADAL" clId="{7A141031-0306-418F-9899-8E1F935F761E}" dt="2025-07-22T20:52:36.350" v="1543" actId="47"/>
+        <pc:sldMkLst>
+          <pc:docMk/>
+          <pc:sldMk cId="1733164415" sldId="282"/>
+        </pc:sldMkLst>
+        <pc:spChg chg="mod">
+          <ac:chgData name="Sotirios Damouras" userId="7c1f99a4-7f99-452e-ad75-41cee7f4fa00" providerId="ADAL" clId="{7A141031-0306-418F-9899-8E1F935F761E}" dt="2025-07-21T17:08:45.929" v="1508" actId="20577"/>
+          <ac:spMkLst>
+            <pc:docMk/>
+            <pc:sldMk cId="1733164415" sldId="282"/>
+            <ac:spMk id="2" creationId="{29697690-8928-4C17-D5EF-BCBC34E8639F}"/>
+          </ac:spMkLst>
+        </pc:spChg>
+        <pc:spChg chg="mod">
+          <ac:chgData name="Sotirios Damouras" userId="7c1f99a4-7f99-452e-ad75-41cee7f4fa00" providerId="ADAL" clId="{7A141031-0306-418F-9899-8E1F935F761E}" dt="2025-07-21T17:10:07.981" v="1531" actId="6549"/>
+          <ac:spMkLst>
+            <pc:docMk/>
+            <pc:sldMk cId="1733164415" sldId="282"/>
+            <ac:spMk id="3" creationId="{DC6D906B-A803-9859-4C2E-BE716E61724D}"/>
+          </ac:spMkLst>
+        </pc:spChg>
+        <pc:picChg chg="add del mod">
+          <ac:chgData name="Sotirios Damouras" userId="7c1f99a4-7f99-452e-ad75-41cee7f4fa00" providerId="ADAL" clId="{7A141031-0306-418F-9899-8E1F935F761E}" dt="2025-07-21T17:12:31.733" v="1540" actId="478"/>
+          <ac:picMkLst>
+            <pc:docMk/>
+            <pc:sldMk cId="1733164415" sldId="282"/>
+            <ac:picMk id="6" creationId="{E96A2C9A-632D-DE27-E0E2-A0DB85261799}"/>
+          </ac:picMkLst>
+        </pc:picChg>
+        <pc:picChg chg="add del mod">
+          <ac:chgData name="Sotirios Damouras" userId="7c1f99a4-7f99-452e-ad75-41cee7f4fa00" providerId="ADAL" clId="{7A141031-0306-418F-9899-8E1F935F761E}" dt="2025-07-21T17:12:26" v="1537" actId="478"/>
+          <ac:picMkLst>
+            <pc:docMk/>
+            <pc:sldMk cId="1733164415" sldId="282"/>
+            <ac:picMk id="8" creationId="{43E53907-E30D-D14D-E4A6-B65BCDBE8994}"/>
+          </ac:picMkLst>
+        </pc:picChg>
+        <pc:picChg chg="add mod">
+          <ac:chgData name="Sotirios Damouras" userId="7c1f99a4-7f99-452e-ad75-41cee7f4fa00" providerId="ADAL" clId="{7A141031-0306-418F-9899-8E1F935F761E}" dt="2025-07-21T17:12:30.338" v="1539" actId="1076"/>
+          <ac:picMkLst>
+            <pc:docMk/>
+            <pc:sldMk cId="1733164415" sldId="282"/>
+            <ac:picMk id="10" creationId="{9C177386-62AD-D47D-DA8C-DFFE064D52D5}"/>
+          </ac:picMkLst>
+        </pc:picChg>
+        <pc:picChg chg="add mod">
+          <ac:chgData name="Sotirios Damouras" userId="7c1f99a4-7f99-452e-ad75-41cee7f4fa00" providerId="ADAL" clId="{7A141031-0306-418F-9899-8E1F935F761E}" dt="2025-07-21T17:13:03.140" v="1542" actId="1076"/>
+          <ac:picMkLst>
+            <pc:docMk/>
+            <pc:sldMk cId="1733164415" sldId="282"/>
+            <ac:picMk id="12" creationId="{18985DF6-95E9-9026-5365-2A9048CE2D20}"/>
+          </ac:picMkLst>
+        </pc:picChg>
+      </pc:sldChg>
       <pc:sldMasterChg chg="delSp mod">
         <pc:chgData name="Sotirios Damouras" userId="7c1f99a4-7f99-452e-ad75-41cee7f4fa00" providerId="ADAL" clId="{7A141031-0306-418F-9899-8E1F935F761E}" dt="2025-07-18T18:07:18.411" v="35" actId="21"/>
         <pc:sldMasterMkLst>
@@ -777,22 +830,6 @@
             <pc:docMk/>
             <pc:sldMk cId="889246636" sldId="257"/>
             <ac:picMk id="11" creationId="{56999B94-651E-914A-E55D-71E8B1BBCD5B}"/>
-          </ac:picMkLst>
-        </pc:picChg>
-        <pc:picChg chg="mod">
-          <ac:chgData name="Sotirios Damouras" userId="7c1f99a4-7f99-452e-ad75-41cee7f4fa00" providerId="ADAL" clId="{304DB073-F986-494C-B28E-627DAB0DE661}" dt="2025-07-20T10:23:27.204" v="187" actId="164"/>
-          <ac:picMkLst>
-            <pc:docMk/>
-            <pc:sldMk cId="889246636" sldId="257"/>
-            <ac:picMk id="12" creationId="{148365D5-EEFE-4727-1ECC-B6F792D268F7}"/>
-          </ac:picMkLst>
-        </pc:picChg>
-        <pc:picChg chg="mod">
-          <ac:chgData name="Sotirios Damouras" userId="7c1f99a4-7f99-452e-ad75-41cee7f4fa00" providerId="ADAL" clId="{304DB073-F986-494C-B28E-627DAB0DE661}" dt="2025-07-20T10:23:27.204" v="187" actId="164"/>
-          <ac:picMkLst>
-            <pc:docMk/>
-            <pc:sldMk cId="889246636" sldId="257"/>
-            <ac:picMk id="13" creationId="{7D6261C7-E842-0F36-9436-ADE768E1E897}"/>
           </ac:picMkLst>
         </pc:picChg>
         <pc:picChg chg="mod">
@@ -933,22 +970,6 @@
             <ac:spMk id="3" creationId="{43F3E202-48D1-2051-158A-6A9DCC910B39}"/>
           </ac:spMkLst>
         </pc:spChg>
-        <pc:spChg chg="add">
-          <ac:chgData name="Sotirios Damouras" userId="7c1f99a4-7f99-452e-ad75-41cee7f4fa00" providerId="ADAL" clId="{304DB073-F986-494C-B28E-627DAB0DE661}" dt="2025-07-20T18:36:59.886" v="975"/>
-          <ac:spMkLst>
-            <pc:docMk/>
-            <pc:sldMk cId="1839359121" sldId="264"/>
-            <ac:spMk id="5" creationId="{0D5C2E67-2170-241B-886C-3D525705ED51}"/>
-          </ac:spMkLst>
-        </pc:spChg>
-        <pc:picChg chg="add">
-          <ac:chgData name="Sotirios Damouras" userId="7c1f99a4-7f99-452e-ad75-41cee7f4fa00" providerId="ADAL" clId="{304DB073-F986-494C-B28E-627DAB0DE661}" dt="2025-07-20T18:36:59.886" v="975"/>
-          <ac:picMkLst>
-            <pc:docMk/>
-            <pc:sldMk cId="1839359121" sldId="264"/>
-            <ac:picMk id="1026" creationId="{679684D7-EB8A-8A6F-20EC-0CCFF811DA4E}"/>
-          </ac:picMkLst>
-        </pc:picChg>
         <pc:picChg chg="add mod">
           <ac:chgData name="Sotirios Damouras" userId="7c1f99a4-7f99-452e-ad75-41cee7f4fa00" providerId="ADAL" clId="{304DB073-F986-494C-B28E-627DAB0DE661}" dt="2025-07-20T18:47:58.550" v="1105" actId="1076"/>
           <ac:picMkLst>
@@ -980,14 +1001,6 @@
             <ac:spMk id="3" creationId="{6513EBA6-2619-9BE7-68E8-57B7E2EFE29E}"/>
           </ac:spMkLst>
         </pc:spChg>
-        <pc:picChg chg="add del mod">
-          <ac:chgData name="Sotirios Damouras" userId="7c1f99a4-7f99-452e-ad75-41cee7f4fa00" providerId="ADAL" clId="{304DB073-F986-494C-B28E-627DAB0DE661}" dt="2025-07-20T18:38:43.514" v="1011" actId="21"/>
-          <ac:picMkLst>
-            <pc:docMk/>
-            <pc:sldMk cId="1811066682" sldId="265"/>
-            <ac:picMk id="2050" creationId="{69C2BB44-0432-43E1-E364-C71E96A23789}"/>
-          </ac:picMkLst>
-        </pc:picChg>
       </pc:sldChg>
       <pc:sldChg chg="addSp delSp modSp new mod">
         <pc:chgData name="Sotirios Damouras" userId="7c1f99a4-7f99-452e-ad75-41cee7f4fa00" providerId="ADAL" clId="{304DB073-F986-494C-B28E-627DAB0DE661}" dt="2025-07-21T08:09:26.605" v="2828" actId="20577"/>
@@ -1373,7 +1386,7 @@
   <pc:docChgLst>
     <pc:chgData name="Sotirios Damouras" userId="7c1f99a4-7f99-452e-ad75-41cee7f4fa00" providerId="ADAL" clId="{773D6D81-A9F5-4DC9-ADD1-5C5B62EB63B1}"/>
     <pc:docChg chg="undo custSel addSld delSld modSld sldOrd modMainMaster delSection modSection">
-      <pc:chgData name="Sotirios Damouras" userId="7c1f99a4-7f99-452e-ad75-41cee7f4fa00" providerId="ADAL" clId="{773D6D81-A9F5-4DC9-ADD1-5C5B62EB63B1}" dt="2025-07-21T16:02:17.450" v="2111"/>
+      <pc:chgData name="Sotirios Damouras" userId="7c1f99a4-7f99-452e-ad75-41cee7f4fa00" providerId="ADAL" clId="{773D6D81-A9F5-4DC9-ADD1-5C5B62EB63B1}" dt="2025-07-21T19:35:53.695" v="2259" actId="20577"/>
       <pc:docMkLst>
         <pc:docMk/>
       </pc:docMkLst>
@@ -1781,6 +1794,37 @@
           </ac:spMkLst>
         </pc:spChg>
       </pc:sldChg>
+      <pc:sldChg chg="addSp modSp mod ord">
+        <pc:chgData name="Sotirios Damouras" userId="7c1f99a4-7f99-452e-ad75-41cee7f4fa00" providerId="ADAL" clId="{773D6D81-A9F5-4DC9-ADD1-5C5B62EB63B1}" dt="2025-07-21T19:35:53.695" v="2259" actId="20577"/>
+        <pc:sldMkLst>
+          <pc:docMk/>
+          <pc:sldMk cId="1733164415" sldId="282"/>
+        </pc:sldMkLst>
+        <pc:spChg chg="mod">
+          <ac:chgData name="Sotirios Damouras" userId="7c1f99a4-7f99-452e-ad75-41cee7f4fa00" providerId="ADAL" clId="{773D6D81-A9F5-4DC9-ADD1-5C5B62EB63B1}" dt="2025-07-21T19:35:53.695" v="2259" actId="20577"/>
+          <ac:spMkLst>
+            <pc:docMk/>
+            <pc:sldMk cId="1733164415" sldId="282"/>
+            <ac:spMk id="3" creationId="{DC6D906B-A803-9859-4C2E-BE716E61724D}"/>
+          </ac:spMkLst>
+        </pc:spChg>
+        <pc:spChg chg="add mod">
+          <ac:chgData name="Sotirios Damouras" userId="7c1f99a4-7f99-452e-ad75-41cee7f4fa00" providerId="ADAL" clId="{773D6D81-A9F5-4DC9-ADD1-5C5B62EB63B1}" dt="2025-07-21T19:24:01.610" v="2118" actId="403"/>
+          <ac:spMkLst>
+            <pc:docMk/>
+            <pc:sldMk cId="1733164415" sldId="282"/>
+            <ac:spMk id="5" creationId="{3D787F72-AFB9-9C31-0C91-C2D452035836}"/>
+          </ac:spMkLst>
+        </pc:spChg>
+        <pc:picChg chg="mod">
+          <ac:chgData name="Sotirios Damouras" userId="7c1f99a4-7f99-452e-ad75-41cee7f4fa00" providerId="ADAL" clId="{773D6D81-A9F5-4DC9-ADD1-5C5B62EB63B1}" dt="2025-07-21T19:32:55.737" v="2193" actId="1038"/>
+          <ac:picMkLst>
+            <pc:docMk/>
+            <pc:sldMk cId="1733164415" sldId="282"/>
+            <ac:picMk id="10" creationId="{9C177386-62AD-D47D-DA8C-DFFE064D52D5}"/>
+          </ac:picMkLst>
+        </pc:picChg>
+      </pc:sldChg>
       <pc:sldMasterChg chg="addSp modSp mod">
         <pc:chgData name="Sotirios Damouras" userId="7c1f99a4-7f99-452e-ad75-41cee7f4fa00" providerId="ADAL" clId="{773D6D81-A9F5-4DC9-ADD1-5C5B62EB63B1}" dt="2025-07-18T16:14:05.145" v="468" actId="207"/>
         <pc:sldMasterMkLst>
@@ -2317,6 +2361,90 @@
     <p:extLst>
       <p:ext uri="{BB962C8B-B14F-4D97-AF65-F5344CB8AC3E}">
         <p14:creationId xmlns:p14="http://schemas.microsoft.com/office/powerpoint/2010/main" val="3510925192"/>
+      </p:ext>
+    </p:extLst>
+  </p:cSld>
+  <p:clrMapOvr>
+    <a:masterClrMapping/>
+  </p:clrMapOvr>
+</p:notes>
+</file>
+
+<file path=ppt/notesSlides/notesSlide3.xml><?xml version="1.0" encoding="utf-8"?>
+<p:notes xmlns:a="http://schemas.openxmlformats.org/drawingml/2006/main" xmlns:r="http://schemas.openxmlformats.org/officeDocument/2006/relationships" xmlns:p="http://schemas.openxmlformats.org/presentationml/2006/main">
+  <p:cSld>
+    <p:spTree>
+      <p:nvGrpSpPr>
+        <p:cNvPr id="1" name=""/>
+        <p:cNvGrpSpPr/>
+        <p:nvPr/>
+      </p:nvGrpSpPr>
+      <p:grpSpPr>
+        <a:xfrm>
+          <a:off x="0" y="0"/>
+          <a:ext cx="0" cy="0"/>
+          <a:chOff x="0" y="0"/>
+          <a:chExt cx="0" cy="0"/>
+        </a:xfrm>
+      </p:grpSpPr>
+      <p:sp>
+        <p:nvSpPr>
+          <p:cNvPr id="2" name="Slide Image Placeholder 1"/>
+          <p:cNvSpPr>
+            <a:spLocks noGrp="1" noRot="1" noChangeAspect="1"/>
+          </p:cNvSpPr>
+          <p:nvPr>
+            <p:ph type="sldImg"/>
+          </p:nvPr>
+        </p:nvSpPr>
+        <p:spPr/>
+      </p:sp>
+      <p:sp>
+        <p:nvSpPr>
+          <p:cNvPr id="3" name="Notes Placeholder 2"/>
+          <p:cNvSpPr>
+            <a:spLocks noGrp="1"/>
+          </p:cNvSpPr>
+          <p:nvPr>
+            <p:ph type="body" idx="1"/>
+          </p:nvPr>
+        </p:nvSpPr>
+        <p:spPr/>
+        <p:txBody>
+          <a:bodyPr/>
+          <a:lstStyle/>
+          <a:p>
+            <a:endParaRPr lang="en-US"/>
+          </a:p>
+        </p:txBody>
+      </p:sp>
+      <p:sp>
+        <p:nvSpPr>
+          <p:cNvPr id="4" name="Slide Number Placeholder 3"/>
+          <p:cNvSpPr>
+            <a:spLocks noGrp="1"/>
+          </p:cNvSpPr>
+          <p:nvPr>
+            <p:ph type="sldNum" sz="quarter" idx="5"/>
+          </p:nvPr>
+        </p:nvSpPr>
+        <p:spPr/>
+        <p:txBody>
+          <a:bodyPr/>
+          <a:lstStyle/>
+          <a:p>
+            <a:fld id="{CA0EC183-1CB1-4231-B541-9312820F43C8}" type="slidenum">
+              <a:rPr lang="en-US" smtClean="0"/>
+              <a:t>21</a:t>
+            </a:fld>
+            <a:endParaRPr lang="en-US"/>
+          </a:p>
+        </p:txBody>
+      </p:sp>
+    </p:spTree>
+    <p:extLst>
+      <p:ext uri="{BB962C8B-B14F-4D97-AF65-F5344CB8AC3E}">
+        <p14:creationId xmlns:p14="http://schemas.microsoft.com/office/powerpoint/2010/main" val="323382993"/>
       </p:ext>
     </p:extLst>
   </p:cSld>
@@ -11459,7 +11587,7 @@
             </a:r>
             <a:r>
               <a:rPr lang="en-US">
-                <a:hlinkClick r:id="rId2"/>
+                <a:hlinkClick r:id="rId3"/>
               </a:rPr>
               <a:t>bar chart</a:t>
             </a:r>
@@ -11525,7 +11653,7 @@
           <p:nvPr/>
         </p:nvPicPr>
         <p:blipFill>
-          <a:blip r:embed="rId3"/>
+          <a:blip r:embed="rId4"/>
           <a:stretch>
             <a:fillRect/>
           </a:stretch>
@@ -12609,124 +12737,134 @@
           <a:lstStyle/>
           <a:p>
             <a:r>
-              <a:rPr lang="en-US"/>
+              <a:rPr lang="en-US" dirty="0"/>
               <a:t>Free e-textbooks:</a:t>
             </a:r>
-            <a:endParaRPr lang="en-US">
+            <a:endParaRPr lang="en-US" dirty="0">
               <a:hlinkClick r:id="rId2"/>
             </a:endParaRPr>
           </a:p>
           <a:p>
             <a:pPr lvl="1"/>
             <a:r>
-              <a:rPr lang="en-US">
+              <a:rPr lang="en-US" dirty="0">
                 <a:hlinkClick r:id="rId2"/>
               </a:rPr>
               <a:t>Python 4DS (for Data Science)</a:t>
             </a:r>
-            <a:endParaRPr lang="en-US"/>
+            <a:endParaRPr lang="en-US" dirty="0"/>
           </a:p>
           <a:p>
             <a:pPr lvl="1"/>
             <a:r>
-              <a:rPr lang="en-US">
+              <a:rPr lang="en-US" dirty="0">
                 <a:hlinkClick r:id="rId3"/>
               </a:rPr>
               <a:t>Python Data Science Handbook</a:t>
             </a:r>
             <a:r>
-              <a:rPr lang="en-US"/>
+              <a:rPr lang="en-US" dirty="0"/>
               <a:t> </a:t>
             </a:r>
           </a:p>
           <a:p>
             <a:pPr lvl="4"/>
-            <a:endParaRPr lang="en-US"/>
-          </a:p>
-          <a:p>
-            <a:r>
-              <a:rPr lang="en-US"/>
+            <a:endParaRPr lang="en-US" dirty="0"/>
+          </a:p>
+          <a:p>
+            <a:r>
+              <a:rPr lang="en-US" dirty="0"/>
               <a:t>Library references:</a:t>
             </a:r>
           </a:p>
           <a:p>
             <a:pPr lvl="1"/>
             <a:r>
-              <a:rPr lang="en-US" err="1">
+              <a:rPr lang="en-US" dirty="0" err="1">
                 <a:hlinkClick r:id="rId4"/>
               </a:rPr>
               <a:t>Plotly</a:t>
             </a:r>
             <a:r>
-              <a:rPr lang="en-US">
+              <a:rPr lang="en-US" dirty="0">
                 <a:hlinkClick r:id="rId4"/>
               </a:rPr>
               <a:t> examples</a:t>
             </a:r>
-            <a:endParaRPr lang="en-US"/>
+            <a:endParaRPr lang="en-US" dirty="0"/>
           </a:p>
           <a:p>
             <a:pPr lvl="1"/>
             <a:r>
-              <a:rPr lang="en-US">
+              <a:rPr lang="en-US" dirty="0">
                 <a:hlinkClick r:id="rId5"/>
               </a:rPr>
               <a:t>Pandas tutorials</a:t>
             </a:r>
             <a:r>
-              <a:rPr lang="en-US"/>
+              <a:rPr lang="en-US" dirty="0"/>
               <a:t> (</a:t>
             </a:r>
             <a:r>
-              <a:rPr lang="en-US" err="1"/>
+              <a:rPr lang="en-US" dirty="0" err="1"/>
               <a:t>inlc</a:t>
             </a:r>
             <a:r>
-              <a:rPr lang="en-US"/>
+              <a:rPr lang="en-US" dirty="0"/>
               <a:t>. </a:t>
             </a:r>
             <a:r>
-              <a:rPr lang="en-US">
+              <a:rPr lang="en-US" dirty="0">
                 <a:hlinkClick r:id="rId6"/>
               </a:rPr>
               <a:t>Joyful-Pandas</a:t>
             </a:r>
             <a:r>
-              <a:rPr lang="en-US"/>
+              <a:rPr lang="en-US" dirty="0"/>
               <a:t> in Chinese)</a:t>
             </a:r>
           </a:p>
           <a:p>
             <a:pPr lvl="4"/>
-            <a:endParaRPr lang="en-US"/>
-          </a:p>
-          <a:p>
-            <a:r>
-              <a:rPr lang="en-US"/>
+            <a:endParaRPr lang="en-US" dirty="0"/>
+          </a:p>
+          <a:p>
+            <a:r>
+              <a:rPr lang="en-US" dirty="0"/>
               <a:t>Online courses</a:t>
             </a:r>
           </a:p>
           <a:p>
             <a:pPr lvl="1"/>
             <a:r>
-              <a:rPr lang="en-US"/>
+              <a:rPr lang="en-US" dirty="0"/>
               <a:t>Free versions in </a:t>
             </a:r>
             <a:r>
-              <a:rPr lang="en-US">
+              <a:rPr lang="en-US" dirty="0">
                 <a:hlinkClick r:id="rId7"/>
               </a:rPr>
               <a:t>Kaggle Learn</a:t>
             </a:r>
             <a:r>
-              <a:rPr lang="en-US"/>
-              <a:t>, Data Camp, Coursera, </a:t>
-            </a:r>
-            <a:r>
-              <a:rPr lang="en-US" err="1"/>
+              <a:rPr lang="en-US" dirty="0"/>
+              <a:t>, </a:t>
+            </a:r>
+            <a:r>
+              <a:rPr lang="en-US" dirty="0">
+                <a:hlinkClick r:id="rId8"/>
+              </a:rPr>
+              <a:t>Data Camp</a:t>
+            </a:r>
+            <a:r>
+              <a:rPr lang="en-US" dirty="0"/>
+              <a:t>, Coursera, </a:t>
+            </a:r>
+            <a:r>
+              <a:rPr lang="en-US" dirty="0" err="1"/>
               <a:t>etc</a:t>
             </a:r>
-            <a:endParaRPr lang="en-US"/>
+            <a:endParaRPr lang="en-US" dirty="0"/>
           </a:p>
         </p:txBody>
       </p:sp>

--- a/files/Presentation.pptx
+++ b/files/Presentation.pptx
@@ -173,7 +173,7 @@
 <file path=ppt/revisionInfo.xml><?xml version="1.0" encoding="utf-8"?>
 <p1510:revInfo xmlns:a="http://schemas.openxmlformats.org/drawingml/2006/main" xmlns:r="http://schemas.openxmlformats.org/officeDocument/2006/relationships" xmlns:p1510="http://schemas.microsoft.com/office/powerpoint/2015/10/main">
   <p1510:revLst>
-    <p1510:client id="{7A141031-0306-418F-9899-8E1F935F761E}" v="262" dt="2025-07-22T20:54:01.389"/>
+    <p1510:client id="{7A141031-0306-418F-9899-8E1F935F761E}" v="268" dt="2025-08-01T12:51:36.234"/>
   </p1510:revLst>
 </p1510:revInfo>
 </file>
@@ -183,7 +183,7 @@
   <pc:docChgLst>
     <pc:chgData name="Sotirios Damouras" userId="7c1f99a4-7f99-452e-ad75-41cee7f4fa00" providerId="ADAL" clId="{7A141031-0306-418F-9899-8E1F935F761E}"/>
     <pc:docChg chg="undo custSel addSld delSld modSld sldOrd modMainMaster addSection modSection">
-      <pc:chgData name="Sotirios Damouras" userId="7c1f99a4-7f99-452e-ad75-41cee7f4fa00" providerId="ADAL" clId="{7A141031-0306-418F-9899-8E1F935F761E}" dt="2025-07-22T20:52:36.350" v="1543" actId="47"/>
+      <pc:chgData name="Sotirios Damouras" userId="7c1f99a4-7f99-452e-ad75-41cee7f4fa00" providerId="ADAL" clId="{7A141031-0306-418F-9899-8E1F935F761E}" dt="2025-08-01T12:51:36.234" v="1565" actId="20577"/>
       <pc:docMkLst>
         <pc:docMk/>
       </pc:docMkLst>
@@ -492,38 +492,6 @@
           </ac:spMkLst>
         </pc:spChg>
         <pc:picChg chg="add mod">
-          <ac:chgData name="Sotirios Damouras" userId="7c1f99a4-7f99-452e-ad75-41cee7f4fa00" providerId="ADAL" clId="{7A141031-0306-418F-9899-8E1F935F761E}" dt="2025-07-21T11:28:35.522" v="1142" actId="1076"/>
-          <ac:picMkLst>
-            <pc:docMk/>
-            <pc:sldMk cId="2316608799" sldId="262"/>
-            <ac:picMk id="6" creationId="{704597CD-F1B4-5C27-4150-85347173B9A7}"/>
-          </ac:picMkLst>
-        </pc:picChg>
-        <pc:picChg chg="add mod">
-          <ac:chgData name="Sotirios Damouras" userId="7c1f99a4-7f99-452e-ad75-41cee7f4fa00" providerId="ADAL" clId="{7A141031-0306-418F-9899-8E1F935F761E}" dt="2025-07-21T11:28:35.522" v="1142" actId="1076"/>
-          <ac:picMkLst>
-            <pc:docMk/>
-            <pc:sldMk cId="2316608799" sldId="262"/>
-            <ac:picMk id="8" creationId="{ED9B2DF1-9F7D-ECCE-419C-16B814715B9D}"/>
-          </ac:picMkLst>
-        </pc:picChg>
-        <pc:picChg chg="add mod">
-          <ac:chgData name="Sotirios Damouras" userId="7c1f99a4-7f99-452e-ad75-41cee7f4fa00" providerId="ADAL" clId="{7A141031-0306-418F-9899-8E1F935F761E}" dt="2025-07-21T11:28:35.522" v="1142" actId="1076"/>
-          <ac:picMkLst>
-            <pc:docMk/>
-            <pc:sldMk cId="2316608799" sldId="262"/>
-            <ac:picMk id="10" creationId="{F7820FE5-1364-5FC2-C1BE-AD7549DB787A}"/>
-          </ac:picMkLst>
-        </pc:picChg>
-        <pc:picChg chg="add del mod">
-          <ac:chgData name="Sotirios Damouras" userId="7c1f99a4-7f99-452e-ad75-41cee7f4fa00" providerId="ADAL" clId="{7A141031-0306-418F-9899-8E1F935F761E}" dt="2025-07-21T11:29:37.846" v="1148" actId="478"/>
-          <ac:picMkLst>
-            <pc:docMk/>
-            <pc:sldMk cId="2316608799" sldId="262"/>
-            <ac:picMk id="12" creationId="{51898590-C187-E7C3-D65D-EF954B749D8B}"/>
-          </ac:picMkLst>
-        </pc:picChg>
-        <pc:picChg chg="add mod">
           <ac:chgData name="Sotirios Damouras" userId="7c1f99a4-7f99-452e-ad75-41cee7f4fa00" providerId="ADAL" clId="{7A141031-0306-418F-9899-8E1F935F761E}" dt="2025-07-21T11:30:26.488" v="1163" actId="1076"/>
           <ac:picMkLst>
             <pc:docMk/>
@@ -548,20 +516,36 @@
           </ac:picMkLst>
         </pc:picChg>
       </pc:sldChg>
-      <pc:sldChg chg="modSp mod">
-        <pc:chgData name="Sotirios Damouras" userId="7c1f99a4-7f99-452e-ad75-41cee7f4fa00" providerId="ADAL" clId="{7A141031-0306-418F-9899-8E1F935F761E}" dt="2025-07-21T12:04:54.499" v="1387" actId="20577"/>
+      <pc:sldChg chg="addSp delSp modSp mod">
+        <pc:chgData name="Sotirios Damouras" userId="7c1f99a4-7f99-452e-ad75-41cee7f4fa00" providerId="ADAL" clId="{7A141031-0306-418F-9899-8E1F935F761E}" dt="2025-08-01T12:47:12.862" v="1555" actId="6549"/>
         <pc:sldMkLst>
           <pc:docMk/>
           <pc:sldMk cId="1811066682" sldId="265"/>
         </pc:sldMkLst>
         <pc:spChg chg="mod">
-          <ac:chgData name="Sotirios Damouras" userId="7c1f99a4-7f99-452e-ad75-41cee7f4fa00" providerId="ADAL" clId="{7A141031-0306-418F-9899-8E1F935F761E}" dt="2025-07-21T12:04:54.499" v="1387" actId="20577"/>
+          <ac:chgData name="Sotirios Damouras" userId="7c1f99a4-7f99-452e-ad75-41cee7f4fa00" providerId="ADAL" clId="{7A141031-0306-418F-9899-8E1F935F761E}" dt="2025-08-01T12:47:12.862" v="1555" actId="6549"/>
           <ac:spMkLst>
             <pc:docMk/>
             <pc:sldMk cId="1811066682" sldId="265"/>
             <ac:spMk id="3" creationId="{6513EBA6-2619-9BE7-68E8-57B7E2EFE29E}"/>
           </ac:spMkLst>
         </pc:spChg>
+        <pc:picChg chg="del">
+          <ac:chgData name="Sotirios Damouras" userId="7c1f99a4-7f99-452e-ad75-41cee7f4fa00" providerId="ADAL" clId="{7A141031-0306-418F-9899-8E1F935F761E}" dt="2025-08-01T12:45:41.737" v="1548" actId="478"/>
+          <ac:picMkLst>
+            <pc:docMk/>
+            <pc:sldMk cId="1811066682" sldId="265"/>
+            <ac:picMk id="6" creationId="{D638786B-71C0-1797-62BE-13ED1036E277}"/>
+          </ac:picMkLst>
+        </pc:picChg>
+        <pc:picChg chg="add mod">
+          <ac:chgData name="Sotirios Damouras" userId="7c1f99a4-7f99-452e-ad75-41cee7f4fa00" providerId="ADAL" clId="{7A141031-0306-418F-9899-8E1F935F761E}" dt="2025-08-01T12:47:07.213" v="1553" actId="1076"/>
+          <ac:picMkLst>
+            <pc:docMk/>
+            <pc:sldMk cId="1811066682" sldId="265"/>
+            <ac:picMk id="7" creationId="{F0F73629-9152-2064-8FFF-8023E0E13F03}"/>
+          </ac:picMkLst>
+        </pc:picChg>
       </pc:sldChg>
       <pc:sldChg chg="modAnim">
         <pc:chgData name="Sotirios Damouras" userId="7c1f99a4-7f99-452e-ad75-41cee7f4fa00" providerId="ADAL" clId="{7A141031-0306-418F-9899-8E1F935F761E}" dt="2025-07-21T11:38:33.683" v="1240"/>
@@ -592,7 +576,7 @@
         </pc:sldMkLst>
       </pc:sldChg>
       <pc:sldChg chg="addSp modSp mod addAnim delAnim modAnim">
-        <pc:chgData name="Sotirios Damouras" userId="7c1f99a4-7f99-452e-ad75-41cee7f4fa00" providerId="ADAL" clId="{7A141031-0306-418F-9899-8E1F935F761E}" dt="2025-07-21T11:44:35.407" v="1282" actId="1076"/>
+        <pc:chgData name="Sotirios Damouras" userId="7c1f99a4-7f99-452e-ad75-41cee7f4fa00" providerId="ADAL" clId="{7A141031-0306-418F-9899-8E1F935F761E}" dt="2025-08-01T12:51:36.234" v="1565" actId="20577"/>
         <pc:sldMkLst>
           <pc:docMk/>
           <pc:sldMk cId="4218692669" sldId="279"/>
@@ -606,7 +590,7 @@
           </ac:spMkLst>
         </pc:spChg>
         <pc:spChg chg="add mod">
-          <ac:chgData name="Sotirios Damouras" userId="7c1f99a4-7f99-452e-ad75-41cee7f4fa00" providerId="ADAL" clId="{7A141031-0306-418F-9899-8E1F935F761E}" dt="2025-07-21T11:44:06.534" v="1278" actId="1076"/>
+          <ac:chgData name="Sotirios Damouras" userId="7c1f99a4-7f99-452e-ad75-41cee7f4fa00" providerId="ADAL" clId="{7A141031-0306-418F-9899-8E1F935F761E}" dt="2025-08-01T12:51:27.555" v="1563" actId="20577"/>
           <ac:spMkLst>
             <pc:docMk/>
             <pc:sldMk cId="4218692669" sldId="279"/>
@@ -614,7 +598,7 @@
           </ac:spMkLst>
         </pc:spChg>
         <pc:spChg chg="add mod">
-          <ac:chgData name="Sotirios Damouras" userId="7c1f99a4-7f99-452e-ad75-41cee7f4fa00" providerId="ADAL" clId="{7A141031-0306-418F-9899-8E1F935F761E}" dt="2025-07-21T11:44:35.407" v="1282" actId="1076"/>
+          <ac:chgData name="Sotirios Damouras" userId="7c1f99a4-7f99-452e-ad75-41cee7f4fa00" providerId="ADAL" clId="{7A141031-0306-418F-9899-8E1F935F761E}" dt="2025-08-01T12:51:36.234" v="1565" actId="20577"/>
           <ac:spMkLst>
             <pc:docMk/>
             <pc:sldMk cId="4218692669" sldId="279"/>
@@ -631,7 +615,7 @@
         </pc:picChg>
       </pc:sldChg>
       <pc:sldChg chg="addSp modSp mod modAnim">
-        <pc:chgData name="Sotirios Damouras" userId="7c1f99a4-7f99-452e-ad75-41cee7f4fa00" providerId="ADAL" clId="{7A141031-0306-418F-9899-8E1F935F761E}" dt="2025-07-21T11:45:45.822" v="1304"/>
+        <pc:chgData name="Sotirios Damouras" userId="7c1f99a4-7f99-452e-ad75-41cee7f4fa00" providerId="ADAL" clId="{7A141031-0306-418F-9899-8E1F935F761E}" dt="2025-08-01T12:48:07.957" v="1559" actId="20577"/>
         <pc:sldMkLst>
           <pc:docMk/>
           <pc:sldMk cId="3739608172" sldId="280"/>
@@ -645,7 +629,7 @@
           </ac:spMkLst>
         </pc:spChg>
         <pc:spChg chg="add mod">
-          <ac:chgData name="Sotirios Damouras" userId="7c1f99a4-7f99-452e-ad75-41cee7f4fa00" providerId="ADAL" clId="{7A141031-0306-418F-9899-8E1F935F761E}" dt="2025-07-21T11:45:36.511" v="1301" actId="6549"/>
+          <ac:chgData name="Sotirios Damouras" userId="7c1f99a4-7f99-452e-ad75-41cee7f4fa00" providerId="ADAL" clId="{7A141031-0306-418F-9899-8E1F935F761E}" dt="2025-08-01T12:48:07.957" v="1559" actId="20577"/>
           <ac:spMkLst>
             <pc:docMk/>
             <pc:sldMk cId="3739608172" sldId="280"/>
@@ -670,7 +654,7 @@
         </pc:picChg>
       </pc:sldChg>
       <pc:sldChg chg="addSp modSp mod modAnim">
-        <pc:chgData name="Sotirios Damouras" userId="7c1f99a4-7f99-452e-ad75-41cee7f4fa00" providerId="ADAL" clId="{7A141031-0306-418F-9899-8E1F935F761E}" dt="2025-07-21T11:47:48.423" v="1332"/>
+        <pc:chgData name="Sotirios Damouras" userId="7c1f99a4-7f99-452e-ad75-41cee7f4fa00" providerId="ADAL" clId="{7A141031-0306-418F-9899-8E1F935F761E}" dt="2025-08-01T12:51:12.731" v="1561" actId="20577"/>
         <pc:sldMkLst>
           <pc:docMk/>
           <pc:sldMk cId="2286008129" sldId="281"/>
@@ -684,7 +668,7 @@
           </ac:spMkLst>
         </pc:spChg>
         <pc:spChg chg="add mod">
-          <ac:chgData name="Sotirios Damouras" userId="7c1f99a4-7f99-452e-ad75-41cee7f4fa00" providerId="ADAL" clId="{7A141031-0306-418F-9899-8E1F935F761E}" dt="2025-07-21T11:47:27.233" v="1320" actId="6549"/>
+          <ac:chgData name="Sotirios Damouras" userId="7c1f99a4-7f99-452e-ad75-41cee7f4fa00" providerId="ADAL" clId="{7A141031-0306-418F-9899-8E1F935F761E}" dt="2025-08-01T12:51:12.731" v="1561" actId="20577"/>
           <ac:spMkLst>
             <pc:docMk/>
             <pc:sldMk cId="2286008129" sldId="281"/>
@@ -714,54 +698,6 @@
           <pc:docMk/>
           <pc:sldMk cId="1733164415" sldId="282"/>
         </pc:sldMkLst>
-        <pc:spChg chg="mod">
-          <ac:chgData name="Sotirios Damouras" userId="7c1f99a4-7f99-452e-ad75-41cee7f4fa00" providerId="ADAL" clId="{7A141031-0306-418F-9899-8E1F935F761E}" dt="2025-07-21T17:08:45.929" v="1508" actId="20577"/>
-          <ac:spMkLst>
-            <pc:docMk/>
-            <pc:sldMk cId="1733164415" sldId="282"/>
-            <ac:spMk id="2" creationId="{29697690-8928-4C17-D5EF-BCBC34E8639F}"/>
-          </ac:spMkLst>
-        </pc:spChg>
-        <pc:spChg chg="mod">
-          <ac:chgData name="Sotirios Damouras" userId="7c1f99a4-7f99-452e-ad75-41cee7f4fa00" providerId="ADAL" clId="{7A141031-0306-418F-9899-8E1F935F761E}" dt="2025-07-21T17:10:07.981" v="1531" actId="6549"/>
-          <ac:spMkLst>
-            <pc:docMk/>
-            <pc:sldMk cId="1733164415" sldId="282"/>
-            <ac:spMk id="3" creationId="{DC6D906B-A803-9859-4C2E-BE716E61724D}"/>
-          </ac:spMkLst>
-        </pc:spChg>
-        <pc:picChg chg="add del mod">
-          <ac:chgData name="Sotirios Damouras" userId="7c1f99a4-7f99-452e-ad75-41cee7f4fa00" providerId="ADAL" clId="{7A141031-0306-418F-9899-8E1F935F761E}" dt="2025-07-21T17:12:31.733" v="1540" actId="478"/>
-          <ac:picMkLst>
-            <pc:docMk/>
-            <pc:sldMk cId="1733164415" sldId="282"/>
-            <ac:picMk id="6" creationId="{E96A2C9A-632D-DE27-E0E2-A0DB85261799}"/>
-          </ac:picMkLst>
-        </pc:picChg>
-        <pc:picChg chg="add del mod">
-          <ac:chgData name="Sotirios Damouras" userId="7c1f99a4-7f99-452e-ad75-41cee7f4fa00" providerId="ADAL" clId="{7A141031-0306-418F-9899-8E1F935F761E}" dt="2025-07-21T17:12:26" v="1537" actId="478"/>
-          <ac:picMkLst>
-            <pc:docMk/>
-            <pc:sldMk cId="1733164415" sldId="282"/>
-            <ac:picMk id="8" creationId="{43E53907-E30D-D14D-E4A6-B65BCDBE8994}"/>
-          </ac:picMkLst>
-        </pc:picChg>
-        <pc:picChg chg="add mod">
-          <ac:chgData name="Sotirios Damouras" userId="7c1f99a4-7f99-452e-ad75-41cee7f4fa00" providerId="ADAL" clId="{7A141031-0306-418F-9899-8E1F935F761E}" dt="2025-07-21T17:12:30.338" v="1539" actId="1076"/>
-          <ac:picMkLst>
-            <pc:docMk/>
-            <pc:sldMk cId="1733164415" sldId="282"/>
-            <ac:picMk id="10" creationId="{9C177386-62AD-D47D-DA8C-DFFE064D52D5}"/>
-          </ac:picMkLst>
-        </pc:picChg>
-        <pc:picChg chg="add mod">
-          <ac:chgData name="Sotirios Damouras" userId="7c1f99a4-7f99-452e-ad75-41cee7f4fa00" providerId="ADAL" clId="{7A141031-0306-418F-9899-8E1F935F761E}" dt="2025-07-21T17:13:03.140" v="1542" actId="1076"/>
-          <ac:picMkLst>
-            <pc:docMk/>
-            <pc:sldMk cId="1733164415" sldId="282"/>
-            <ac:picMk id="12" creationId="{18985DF6-95E9-9026-5365-2A9048CE2D20}"/>
-          </ac:picMkLst>
-        </pc:picChg>
       </pc:sldChg>
       <pc:sldMasterChg chg="delSp mod">
         <pc:chgData name="Sotirios Damouras" userId="7c1f99a4-7f99-452e-ad75-41cee7f4fa00" providerId="ADAL" clId="{7A141031-0306-418F-9899-8E1F935F761E}" dt="2025-07-18T18:07:18.411" v="35" actId="21"/>
@@ -1024,14 +960,6 @@
             <ac:spMk id="3" creationId="{42EAFB68-16B0-0AF3-5A19-7DC42DD3B934}"/>
           </ac:spMkLst>
         </pc:spChg>
-        <pc:graphicFrameChg chg="add del mod modGraphic">
-          <ac:chgData name="Sotirios Damouras" userId="7c1f99a4-7f99-452e-ad75-41cee7f4fa00" providerId="ADAL" clId="{304DB073-F986-494C-B28E-627DAB0DE661}" dt="2025-07-21T07:59:51.044" v="2727" actId="478"/>
-          <ac:graphicFrameMkLst>
-            <pc:docMk/>
-            <pc:sldMk cId="3993586631" sldId="266"/>
-            <ac:graphicFrameMk id="5" creationId="{B58AF9D6-6A82-BB26-0052-680E402A6280}"/>
-          </ac:graphicFrameMkLst>
-        </pc:graphicFrameChg>
         <pc:graphicFrameChg chg="add mod modGraphic">
           <ac:chgData name="Sotirios Damouras" userId="7c1f99a4-7f99-452e-ad75-41cee7f4fa00" providerId="ADAL" clId="{304DB073-F986-494C-B28E-627DAB0DE661}" dt="2025-07-21T08:00:20.626" v="2732" actId="1076"/>
           <ac:graphicFrameMkLst>
@@ -1309,30 +1237,6 @@
             <ac:spMk id="3" creationId="{DA62613D-63B9-0752-9C70-1CC7887F0E37}"/>
           </ac:spMkLst>
         </pc:spChg>
-        <pc:spChg chg="add">
-          <ac:chgData name="Sotirios Damouras" userId="7c1f99a4-7f99-452e-ad75-41cee7f4fa00" providerId="ADAL" clId="{304DB073-F986-494C-B28E-627DAB0DE661}" dt="2025-07-21T09:16:14.196" v="3643"/>
-          <ac:spMkLst>
-            <pc:docMk/>
-            <pc:sldMk cId="587449205" sldId="275"/>
-            <ac:spMk id="5" creationId="{F5441148-9D87-536D-2BA6-5240E51C0198}"/>
-          </ac:spMkLst>
-        </pc:spChg>
-        <pc:spChg chg="add">
-          <ac:chgData name="Sotirios Damouras" userId="7c1f99a4-7f99-452e-ad75-41cee7f4fa00" providerId="ADAL" clId="{304DB073-F986-494C-B28E-627DAB0DE661}" dt="2025-07-21T09:16:18.626" v="3644"/>
-          <ac:spMkLst>
-            <pc:docMk/>
-            <pc:sldMk cId="587449205" sldId="275"/>
-            <ac:spMk id="6" creationId="{CC0903C6-5C6E-A65D-DEE7-23720083BEE3}"/>
-          </ac:spMkLst>
-        </pc:spChg>
-        <pc:spChg chg="add">
-          <ac:chgData name="Sotirios Damouras" userId="7c1f99a4-7f99-452e-ad75-41cee7f4fa00" providerId="ADAL" clId="{304DB073-F986-494C-B28E-627DAB0DE661}" dt="2025-07-21T09:16:21.003" v="3645"/>
-          <ac:spMkLst>
-            <pc:docMk/>
-            <pc:sldMk cId="587449205" sldId="275"/>
-            <ac:spMk id="7" creationId="{40E4FF39-35A8-1D9A-12E9-386BD600A3AF}"/>
-          </ac:spMkLst>
-        </pc:spChg>
       </pc:sldChg>
       <pc:sldChg chg="addSp delSp modSp new mod">
         <pc:chgData name="Sotirios Damouras" userId="7c1f99a4-7f99-452e-ad75-41cee7f4fa00" providerId="ADAL" clId="{304DB073-F986-494C-B28E-627DAB0DE661}" dt="2025-07-21T09:33:20.523" v="3875" actId="1076"/>
@@ -1356,22 +1260,6 @@
             <ac:spMk id="3" creationId="{FCAA8D56-DC84-281D-8F84-F84477A3C10A}"/>
           </ac:spMkLst>
         </pc:spChg>
-        <pc:spChg chg="add">
-          <ac:chgData name="Sotirios Damouras" userId="7c1f99a4-7f99-452e-ad75-41cee7f4fa00" providerId="ADAL" clId="{304DB073-F986-494C-B28E-627DAB0DE661}" dt="2025-07-21T09:20:19.635" v="3741"/>
-          <ac:spMkLst>
-            <pc:docMk/>
-            <pc:sldMk cId="2219270712" sldId="276"/>
-            <ac:spMk id="5" creationId="{52F1B1E4-9218-CEF4-4B4D-E56502171104}"/>
-          </ac:spMkLst>
-        </pc:spChg>
-        <pc:picChg chg="add del mod">
-          <ac:chgData name="Sotirios Damouras" userId="7c1f99a4-7f99-452e-ad75-41cee7f4fa00" providerId="ADAL" clId="{304DB073-F986-494C-B28E-627DAB0DE661}" dt="2025-07-21T09:32:24.449" v="3868" actId="22"/>
-          <ac:picMkLst>
-            <pc:docMk/>
-            <pc:sldMk cId="2219270712" sldId="276"/>
-            <ac:picMk id="7" creationId="{2FD9B4C3-A1CB-56E1-5245-01357BCF76CB}"/>
-          </ac:picMkLst>
-        </pc:picChg>
         <pc:picChg chg="add mod ord">
           <ac:chgData name="Sotirios Damouras" userId="7c1f99a4-7f99-452e-ad75-41cee7f4fa00" providerId="ADAL" clId="{304DB073-F986-494C-B28E-627DAB0DE661}" dt="2025-07-21T09:33:20.523" v="3875" actId="1076"/>
           <ac:picMkLst>
@@ -1435,22 +1323,6 @@
             <ac:spMk id="3" creationId="{6E7AA3D4-672D-8EEF-F0B9-36DC16176332}"/>
           </ac:spMkLst>
         </pc:spChg>
-        <pc:picChg chg="del">
-          <ac:chgData name="Sotirios Damouras" userId="7c1f99a4-7f99-452e-ad75-41cee7f4fa00" providerId="ADAL" clId="{773D6D81-A9F5-4DC9-ADD1-5C5B62EB63B1}" dt="2025-07-21T12:45:09.455" v="2052" actId="478"/>
-          <ac:picMkLst>
-            <pc:docMk/>
-            <pc:sldMk cId="889246636" sldId="257"/>
-            <ac:picMk id="12" creationId="{148365D5-EEFE-4727-1ECC-B6F792D268F7}"/>
-          </ac:picMkLst>
-        </pc:picChg>
-        <pc:picChg chg="del">
-          <ac:chgData name="Sotirios Damouras" userId="7c1f99a4-7f99-452e-ad75-41cee7f4fa00" providerId="ADAL" clId="{773D6D81-A9F5-4DC9-ADD1-5C5B62EB63B1}" dt="2025-07-21T12:49:11.836" v="2053" actId="478"/>
-          <ac:picMkLst>
-            <pc:docMk/>
-            <pc:sldMk cId="889246636" sldId="257"/>
-            <ac:picMk id="13" creationId="{7D6261C7-E842-0F36-9436-ADE768E1E897}"/>
-          </ac:picMkLst>
-        </pc:picChg>
       </pc:sldChg>
       <pc:sldChg chg="modSp mod ord">
         <pc:chgData name="Sotirios Damouras" userId="7c1f99a4-7f99-452e-ad75-41cee7f4fa00" providerId="ADAL" clId="{773D6D81-A9F5-4DC9-ADD1-5C5B62EB63B1}" dt="2025-07-18T16:10:22.604" v="371"/>
@@ -1588,14 +1460,6 @@
             <ac:spMk id="3" creationId="{6513EBA6-2619-9BE7-68E8-57B7E2EFE29E}"/>
           </ac:spMkLst>
         </pc:spChg>
-        <pc:picChg chg="add mod">
-          <ac:chgData name="Sotirios Damouras" userId="7c1f99a4-7f99-452e-ad75-41cee7f4fa00" providerId="ADAL" clId="{773D6D81-A9F5-4DC9-ADD1-5C5B62EB63B1}" dt="2025-07-21T13:57:17.638" v="2081" actId="1076"/>
-          <ac:picMkLst>
-            <pc:docMk/>
-            <pc:sldMk cId="1811066682" sldId="265"/>
-            <ac:picMk id="6" creationId="{D638786B-71C0-1797-62BE-13ED1036E277}"/>
-          </ac:picMkLst>
-        </pc:picChg>
       </pc:sldChg>
       <pc:sldChg chg="modSp mod ord">
         <pc:chgData name="Sotirios Damouras" userId="7c1f99a4-7f99-452e-ad75-41cee7f4fa00" providerId="ADAL" clId="{773D6D81-A9F5-4DC9-ADD1-5C5B62EB63B1}" dt="2025-07-21T14:15:39.825" v="2083"/>
@@ -1680,14 +1544,6 @@
             <ac:picMk id="7" creationId="{A553E5E7-27D1-0C89-ACE3-62917C94D5B8}"/>
           </ac:picMkLst>
         </pc:picChg>
-        <pc:inkChg chg="add del">
-          <ac:chgData name="Sotirios Damouras" userId="7c1f99a4-7f99-452e-ad75-41cee7f4fa00" providerId="ADAL" clId="{773D6D81-A9F5-4DC9-ADD1-5C5B62EB63B1}" dt="2025-07-21T16:00:46.900" v="2085" actId="33639"/>
-          <ac:inkMkLst>
-            <pc:docMk/>
-            <pc:sldMk cId="3364095585" sldId="274"/>
-            <ac:inkMk id="6" creationId="{F5DA63CC-7155-991E-95CF-446B8565CEBA}"/>
-          </ac:inkMkLst>
-        </pc:inkChg>
       </pc:sldChg>
       <pc:sldChg chg="ord">
         <pc:chgData name="Sotirios Damouras" userId="7c1f99a4-7f99-452e-ad75-41cee7f4fa00" providerId="ADAL" clId="{773D6D81-A9F5-4DC9-ADD1-5C5B62EB63B1}" dt="2025-07-21T09:55:09.088" v="1588"/>
@@ -1710,14 +1566,6 @@
             <ac:spMk id="3" creationId="{FCAA8D56-DC84-281D-8F84-F84477A3C10A}"/>
           </ac:spMkLst>
         </pc:spChg>
-        <pc:inkChg chg="add del">
-          <ac:chgData name="Sotirios Damouras" userId="7c1f99a4-7f99-452e-ad75-41cee7f4fa00" providerId="ADAL" clId="{773D6D81-A9F5-4DC9-ADD1-5C5B62EB63B1}" dt="2025-07-21T16:00:46.900" v="2085" actId="33639"/>
-          <ac:inkMkLst>
-            <pc:docMk/>
-            <pc:sldMk cId="2219270712" sldId="276"/>
-            <ac:inkMk id="5" creationId="{63E0CD34-1738-FDCA-3FE5-BE9428652206}"/>
-          </ac:inkMkLst>
-        </pc:inkChg>
       </pc:sldChg>
       <pc:sldChg chg="new del ord">
         <pc:chgData name="Sotirios Damouras" userId="7c1f99a4-7f99-452e-ad75-41cee7f4fa00" providerId="ADAL" clId="{773D6D81-A9F5-4DC9-ADD1-5C5B62EB63B1}" dt="2025-07-21T10:23:03.734" v="1975" actId="47"/>
@@ -1800,30 +1648,6 @@
           <pc:docMk/>
           <pc:sldMk cId="1733164415" sldId="282"/>
         </pc:sldMkLst>
-        <pc:spChg chg="mod">
-          <ac:chgData name="Sotirios Damouras" userId="7c1f99a4-7f99-452e-ad75-41cee7f4fa00" providerId="ADAL" clId="{773D6D81-A9F5-4DC9-ADD1-5C5B62EB63B1}" dt="2025-07-21T19:35:53.695" v="2259" actId="20577"/>
-          <ac:spMkLst>
-            <pc:docMk/>
-            <pc:sldMk cId="1733164415" sldId="282"/>
-            <ac:spMk id="3" creationId="{DC6D906B-A803-9859-4C2E-BE716E61724D}"/>
-          </ac:spMkLst>
-        </pc:spChg>
-        <pc:spChg chg="add mod">
-          <ac:chgData name="Sotirios Damouras" userId="7c1f99a4-7f99-452e-ad75-41cee7f4fa00" providerId="ADAL" clId="{773D6D81-A9F5-4DC9-ADD1-5C5B62EB63B1}" dt="2025-07-21T19:24:01.610" v="2118" actId="403"/>
-          <ac:spMkLst>
-            <pc:docMk/>
-            <pc:sldMk cId="1733164415" sldId="282"/>
-            <ac:spMk id="5" creationId="{3D787F72-AFB9-9C31-0C91-C2D452035836}"/>
-          </ac:spMkLst>
-        </pc:spChg>
-        <pc:picChg chg="mod">
-          <ac:chgData name="Sotirios Damouras" userId="7c1f99a4-7f99-452e-ad75-41cee7f4fa00" providerId="ADAL" clId="{773D6D81-A9F5-4DC9-ADD1-5C5B62EB63B1}" dt="2025-07-21T19:32:55.737" v="2193" actId="1038"/>
-          <ac:picMkLst>
-            <pc:docMk/>
-            <pc:sldMk cId="1733164415" sldId="282"/>
-            <ac:picMk id="10" creationId="{9C177386-62AD-D47D-DA8C-DFFE064D52D5}"/>
-          </ac:picMkLst>
-        </pc:picChg>
       </pc:sldChg>
       <pc:sldMasterChg chg="addSp modSp mod">
         <pc:chgData name="Sotirios Damouras" userId="7c1f99a4-7f99-452e-ad75-41cee7f4fa00" providerId="ADAL" clId="{773D6D81-A9F5-4DC9-ADD1-5C5B62EB63B1}" dt="2025-07-18T16:14:05.145" v="468" actId="207"/>
@@ -1935,7 +1759,7 @@
           <a:p>
             <a:fld id="{D358FD74-72D1-404C-94FF-A5CABA798BE9}" type="datetimeFigureOut">
               <a:rPr lang="en-US" smtClean="0"/>
-              <a:t>7/21/2025</a:t>
+              <a:t>8/1/2025</a:t>
             </a:fld>
             <a:endParaRPr lang="en-US"/>
           </a:p>
@@ -2601,7 +2425,7 @@
           <a:p>
             <a:fld id="{09DB7364-8338-4A0C-BF58-E120D01832C7}" type="datetime1">
               <a:rPr lang="en-US" smtClean="0"/>
-              <a:t>7/21/2025</a:t>
+              <a:t>8/1/2025</a:t>
             </a:fld>
             <a:endParaRPr lang="en-US"/>
           </a:p>
@@ -2799,7 +2623,7 @@
           <a:p>
             <a:fld id="{DBA078B2-015F-4668-8930-14678F72E988}" type="datetime1">
               <a:rPr lang="en-US" smtClean="0"/>
-              <a:t>7/21/2025</a:t>
+              <a:t>8/1/2025</a:t>
             </a:fld>
             <a:endParaRPr lang="en-US"/>
           </a:p>
@@ -3007,7 +2831,7 @@
           <a:p>
             <a:fld id="{EAB1050E-1B4A-479B-813D-1F406D56380A}" type="datetime1">
               <a:rPr lang="en-US" smtClean="0"/>
-              <a:t>7/21/2025</a:t>
+              <a:t>8/1/2025</a:t>
             </a:fld>
             <a:endParaRPr lang="en-US"/>
           </a:p>
@@ -3205,7 +3029,7 @@
           <a:p>
             <a:fld id="{90C4993B-EFE2-4349-9348-39D1460A9518}" type="datetime1">
               <a:rPr lang="en-US" smtClean="0"/>
-              <a:t>7/21/2025</a:t>
+              <a:t>8/1/2025</a:t>
             </a:fld>
             <a:endParaRPr lang="en-US"/>
           </a:p>
@@ -3480,7 +3304,7 @@
           <a:p>
             <a:fld id="{9EA8F07E-CBE4-4805-9275-A0D36207EF3B}" type="datetime1">
               <a:rPr lang="en-US" smtClean="0"/>
-              <a:t>7/21/2025</a:t>
+              <a:t>8/1/2025</a:t>
             </a:fld>
             <a:endParaRPr lang="en-US"/>
           </a:p>
@@ -3745,7 +3569,7 @@
           <a:p>
             <a:fld id="{E82BCE76-90A3-4054-80DF-C28080D936BC}" type="datetime1">
               <a:rPr lang="en-US" smtClean="0"/>
-              <a:t>7/21/2025</a:t>
+              <a:t>8/1/2025</a:t>
             </a:fld>
             <a:endParaRPr lang="en-US"/>
           </a:p>
@@ -4157,7 +3981,7 @@
           <a:p>
             <a:fld id="{21380279-FA4F-4779-999B-4A2ECD3A3BBD}" type="datetime1">
               <a:rPr lang="en-US" smtClean="0"/>
-              <a:t>7/21/2025</a:t>
+              <a:t>8/1/2025</a:t>
             </a:fld>
             <a:endParaRPr lang="en-US"/>
           </a:p>
@@ -4298,7 +4122,7 @@
           <a:p>
             <a:fld id="{C80E0D6F-61FE-433E-81CC-82DB7C4F8F84}" type="datetime1">
               <a:rPr lang="en-US" smtClean="0"/>
-              <a:t>7/21/2025</a:t>
+              <a:t>8/1/2025</a:t>
             </a:fld>
             <a:endParaRPr lang="en-US"/>
           </a:p>
@@ -4411,7 +4235,7 @@
           <a:p>
             <a:fld id="{FD4ACB94-8285-4C4A-91EE-A03018A61C3A}" type="datetime1">
               <a:rPr lang="en-US" smtClean="0"/>
-              <a:t>7/21/2025</a:t>
+              <a:t>8/1/2025</a:t>
             </a:fld>
             <a:endParaRPr lang="en-US"/>
           </a:p>
@@ -4722,7 +4546,7 @@
           <a:p>
             <a:fld id="{CADD02F0-40E1-4039-ADD5-748A6E9DA990}" type="datetime1">
               <a:rPr lang="en-US" smtClean="0"/>
-              <a:t>7/21/2025</a:t>
+              <a:t>8/1/2025</a:t>
             </a:fld>
             <a:endParaRPr lang="en-US"/>
           </a:p>
@@ -5010,7 +4834,7 @@
           <a:p>
             <a:fld id="{2036D45F-6777-444F-A932-9179840C3831}" type="datetime1">
               <a:rPr lang="en-US" smtClean="0"/>
-              <a:t>7/21/2025</a:t>
+              <a:t>8/1/2025</a:t>
             </a:fld>
             <a:endParaRPr lang="en-US"/>
           </a:p>
@@ -5251,7 +5075,7 @@
           <a:p>
             <a:fld id="{F94DD8F3-93E5-403A-BB67-403B8F488D04}" type="datetime1">
               <a:rPr lang="en-US" smtClean="0"/>
-              <a:t>7/21/2025</a:t>
+              <a:t>8/1/2025</a:t>
             </a:fld>
             <a:endParaRPr lang="en-US"/>
           </a:p>
@@ -6514,7 +6338,7 @@
             </a:r>
             <a:r>
               <a:rPr lang="en-US" dirty="0"/>
-              <a:t> _data.csv” file from GitHub:</a:t>
+              <a:t> _data.csv” file from:</a:t>
             </a:r>
           </a:p>
           <a:p>
@@ -6529,9 +6353,12 @@
               <a:rPr lang="en-US" dirty="0">
                 <a:hlinkClick r:id="rId2"/>
               </a:rPr>
-              <a:t>https://github.com/damouras/GPSC_Data2Disc/</a:t>
-            </a:r>
-            <a:endParaRPr lang="en-US" dirty="0"/>
+              <a:t>https://damouras.github.io/teaching/</a:t>
+            </a:r>
+            <a:r>
+              <a:rPr lang="en-US" dirty="0"/>
+              <a:t> </a:t>
+            </a:r>
           </a:p>
           <a:p>
             <a:r>
@@ -6692,10 +6519,10 @@
       </p:sp>
       <p:pic>
         <p:nvPicPr>
-          <p:cNvPr id="6" name="Picture 5">
-            <a:extLst>
-              <a:ext uri="{FF2B5EF4-FFF2-40B4-BE49-F238E27FC236}">
-                <a16:creationId xmlns:a16="http://schemas.microsoft.com/office/drawing/2014/main" id="{D638786B-71C0-1797-62BE-13ED1036E277}"/>
+          <p:cNvPr id="7" name="Picture 6">
+            <a:extLst>
+              <a:ext uri="{FF2B5EF4-FFF2-40B4-BE49-F238E27FC236}">
+                <a16:creationId xmlns:a16="http://schemas.microsoft.com/office/drawing/2014/main" id="{F0F73629-9152-2064-8FFF-8023E0E13F03}"/>
               </a:ext>
             </a:extLst>
           </p:cNvPr>
@@ -6712,8 +6539,8 @@
         </p:blipFill>
         <p:spPr>
           <a:xfrm>
-            <a:off x="9694732" y="1357545"/>
-            <a:ext cx="1966130" cy="1958510"/>
+            <a:off x="9305676" y="1089497"/>
+            <a:ext cx="2255467" cy="2259987"/>
           </a:xfrm>
           <a:prstGeom prst="rect">
             <a:avLst/>
@@ -11128,7 +10955,7 @@
           <a:lstStyle/>
           <a:p>
             <a:r>
-              <a:rPr lang="en-US" err="1">
+              <a:rPr lang="en-US" dirty="0" err="1">
                 <a:solidFill>
                   <a:srgbClr val="FF0000"/>
                 </a:solidFill>
@@ -11138,7 +10965,7 @@
               <a:t>gdp_trend</a:t>
             </a:r>
             <a:r>
-              <a:rPr lang="en-US">
+              <a:rPr lang="en-US" dirty="0">
                 <a:solidFill>
                   <a:srgbClr val="FF0000"/>
                 </a:solidFill>
@@ -11148,7 +10975,7 @@
               <a:t> = </a:t>
             </a:r>
             <a:r>
-              <a:rPr lang="en-US" err="1">
+              <a:rPr lang="en-US" dirty="0" err="1">
                 <a:solidFill>
                   <a:srgbClr val="FF0000"/>
                 </a:solidFill>
@@ -11158,19 +10985,19 @@
               <a:t>gapminder_df.query</a:t>
             </a:r>
             <a:r>
-              <a:rPr lang="en-US">
+              <a:rPr lang="en-US" dirty="0">
                 <a:solidFill>
                   <a:srgbClr val="FF0000"/>
                 </a:solidFill>
                 <a:latin typeface="Courier New" panose="02070309020205020404" pitchFamily="49" charset="0"/>
                 <a:cs typeface="Courier New" panose="02070309020205020404" pitchFamily="49" charset="0"/>
               </a:rPr>
-              <a:t>( "Year &gt;= 1800 &amp; Year &lt;= 2023 &amp; " \</a:t>
-            </a:r>
-          </a:p>
-          <a:p>
-            <a:r>
-              <a:rPr lang="en-US">
+              <a:t>( "Year &gt;= 1800 &amp; Year &lt;= 2022 &amp; " \</a:t>
+            </a:r>
+          </a:p>
+          <a:p>
+            <a:r>
+              <a:rPr lang="en-US" dirty="0">
                 <a:solidFill>
                   <a:srgbClr val="FF0000"/>
                 </a:solidFill>
@@ -11181,7 +11008,7 @@
             </a:r>
           </a:p>
           <a:p>
-            <a:endParaRPr lang="en-US">
+            <a:endParaRPr lang="en-US" dirty="0">
               <a:solidFill>
                 <a:srgbClr val="FF0000"/>
               </a:solidFill>
@@ -11220,6 +11047,136 @@
           <a:lstStyle/>
           <a:p>
             <a:r>
+              <a:rPr lang="en-US" dirty="0">
+                <a:solidFill>
+                  <a:srgbClr val="FF0000"/>
+                </a:solidFill>
+                <a:latin typeface="Courier New" panose="02070309020205020404" pitchFamily="49" charset="0"/>
+                <a:cs typeface="Courier New" panose="02070309020205020404" pitchFamily="49" charset="0"/>
+              </a:rPr>
+              <a:t>fig = </a:t>
+            </a:r>
+            <a:r>
+              <a:rPr lang="en-US" dirty="0" err="1">
+                <a:solidFill>
+                  <a:srgbClr val="FF0000"/>
+                </a:solidFill>
+                <a:latin typeface="Courier New" panose="02070309020205020404" pitchFamily="49" charset="0"/>
+                <a:cs typeface="Courier New" panose="02070309020205020404" pitchFamily="49" charset="0"/>
+              </a:rPr>
+              <a:t>px.line</a:t>
+            </a:r>
+            <a:r>
+              <a:rPr lang="en-US" dirty="0">
+                <a:solidFill>
+                  <a:srgbClr val="FF0000"/>
+                </a:solidFill>
+                <a:latin typeface="Courier New" panose="02070309020205020404" pitchFamily="49" charset="0"/>
+                <a:cs typeface="Courier New" panose="02070309020205020404" pitchFamily="49" charset="0"/>
+              </a:rPr>
+              <a:t>(</a:t>
+            </a:r>
+          </a:p>
+          <a:p>
+            <a:r>
+              <a:rPr lang="en-US" dirty="0">
+                <a:solidFill>
+                  <a:srgbClr val="FF0000"/>
+                </a:solidFill>
+                <a:latin typeface="Courier New" panose="02070309020205020404" pitchFamily="49" charset="0"/>
+                <a:cs typeface="Courier New" panose="02070309020205020404" pitchFamily="49" charset="0"/>
+              </a:rPr>
+              <a:t>    </a:t>
+            </a:r>
+            <a:r>
+              <a:rPr lang="en-US" dirty="0" err="1">
+                <a:solidFill>
+                  <a:srgbClr val="FF0000"/>
+                </a:solidFill>
+                <a:latin typeface="Courier New" panose="02070309020205020404" pitchFamily="49" charset="0"/>
+                <a:cs typeface="Courier New" panose="02070309020205020404" pitchFamily="49" charset="0"/>
+              </a:rPr>
+              <a:t>gdp_trend</a:t>
+            </a:r>
+            <a:r>
+              <a:rPr lang="en-US" dirty="0">
+                <a:solidFill>
+                  <a:srgbClr val="FF0000"/>
+                </a:solidFill>
+                <a:latin typeface="Courier New" panose="02070309020205020404" pitchFamily="49" charset="0"/>
+                <a:cs typeface="Courier New" panose="02070309020205020404" pitchFamily="49" charset="0"/>
+              </a:rPr>
+              <a:t>,</a:t>
+            </a:r>
+          </a:p>
+          <a:p>
+            <a:r>
+              <a:rPr lang="en-US" dirty="0">
+                <a:solidFill>
+                  <a:srgbClr val="FF0000"/>
+                </a:solidFill>
+                <a:latin typeface="Courier New" panose="02070309020205020404" pitchFamily="49" charset="0"/>
+                <a:cs typeface="Courier New" panose="02070309020205020404" pitchFamily="49" charset="0"/>
+              </a:rPr>
+              <a:t>    x="Year",</a:t>
+            </a:r>
+          </a:p>
+          <a:p>
+            <a:r>
+              <a:rPr lang="en-US" dirty="0">
+                <a:solidFill>
+                  <a:srgbClr val="FF0000"/>
+                </a:solidFill>
+                <a:latin typeface="Courier New" panose="02070309020205020404" pitchFamily="49" charset="0"/>
+                <a:cs typeface="Courier New" panose="02070309020205020404" pitchFamily="49" charset="0"/>
+              </a:rPr>
+              <a:t>    y="</a:t>
+            </a:r>
+            <a:r>
+              <a:rPr lang="en-US" dirty="0" err="1">
+                <a:solidFill>
+                  <a:srgbClr val="FF0000"/>
+                </a:solidFill>
+                <a:latin typeface="Courier New" panose="02070309020205020404" pitchFamily="49" charset="0"/>
+                <a:cs typeface="Courier New" panose="02070309020205020404" pitchFamily="49" charset="0"/>
+              </a:rPr>
+              <a:t>GDPpcap</a:t>
+            </a:r>
+            <a:r>
+              <a:rPr lang="en-US" dirty="0">
+                <a:solidFill>
+                  <a:srgbClr val="FF0000"/>
+                </a:solidFill>
+                <a:latin typeface="Courier New" panose="02070309020205020404" pitchFamily="49" charset="0"/>
+                <a:cs typeface="Courier New" panose="02070309020205020404" pitchFamily="49" charset="0"/>
+              </a:rPr>
+              <a:t>",</a:t>
+            </a:r>
+          </a:p>
+          <a:p>
+            <a:r>
+              <a:rPr lang="en-US" dirty="0">
+                <a:solidFill>
+                  <a:srgbClr val="FF0000"/>
+                </a:solidFill>
+                <a:latin typeface="Courier New" panose="02070309020205020404" pitchFamily="49" charset="0"/>
+                <a:cs typeface="Courier New" panose="02070309020205020404" pitchFamily="49" charset="0"/>
+              </a:rPr>
+              <a:t>    color="Country",</a:t>
+            </a:r>
+          </a:p>
+          <a:p>
+            <a:r>
+              <a:rPr lang="en-US" dirty="0">
+                <a:solidFill>
+                  <a:srgbClr val="FF0000"/>
+                </a:solidFill>
+                <a:latin typeface="Courier New" panose="02070309020205020404" pitchFamily="49" charset="0"/>
+                <a:cs typeface="Courier New" panose="02070309020205020404" pitchFamily="49" charset="0"/>
+              </a:rPr>
+              <a:t>    title="GDP per Capita Trends </a:t>
+            </a:r>
+            <a:r>
               <a:rPr lang="en-US">
                 <a:solidFill>
                   <a:srgbClr val="FF0000"/>
@@ -11227,32 +11184,19 @@
                 <a:latin typeface="Courier New" panose="02070309020205020404" pitchFamily="49" charset="0"/>
                 <a:cs typeface="Courier New" panose="02070309020205020404" pitchFamily="49" charset="0"/>
               </a:rPr>
-              <a:t>fig = </a:t>
-            </a:r>
-            <a:r>
-              <a:rPr lang="en-US" err="1">
-                <a:solidFill>
-                  <a:srgbClr val="FF0000"/>
-                </a:solidFill>
-                <a:latin typeface="Courier New" panose="02070309020205020404" pitchFamily="49" charset="0"/>
-                <a:cs typeface="Courier New" panose="02070309020205020404" pitchFamily="49" charset="0"/>
-              </a:rPr>
-              <a:t>px.line</a:t>
-            </a:r>
-            <a:r>
-              <a:rPr lang="en-US">
-                <a:solidFill>
-                  <a:srgbClr val="FF0000"/>
-                </a:solidFill>
-                <a:latin typeface="Courier New" panose="02070309020205020404" pitchFamily="49" charset="0"/>
-                <a:cs typeface="Courier New" panose="02070309020205020404" pitchFamily="49" charset="0"/>
-              </a:rPr>
-              <a:t>(</a:t>
-            </a:r>
-          </a:p>
-          <a:p>
-            <a:r>
-              <a:rPr lang="en-US">
+              <a:t>(1800-2022)",</a:t>
+            </a:r>
+            <a:endParaRPr lang="en-US" dirty="0">
+              <a:solidFill>
+                <a:srgbClr val="FF0000"/>
+              </a:solidFill>
+              <a:latin typeface="Courier New" panose="02070309020205020404" pitchFamily="49" charset="0"/>
+              <a:cs typeface="Courier New" panose="02070309020205020404" pitchFamily="49" charset="0"/>
+            </a:endParaRPr>
+          </a:p>
+          <a:p>
+            <a:r>
+              <a:rPr lang="en-US" dirty="0">
                 <a:solidFill>
                   <a:srgbClr val="FF0000"/>
                 </a:solidFill>
@@ -11262,107 +11206,7 @@
               <a:t>    </a:t>
             </a:r>
             <a:r>
-              <a:rPr lang="en-US" err="1">
-                <a:solidFill>
-                  <a:srgbClr val="FF0000"/>
-                </a:solidFill>
-                <a:latin typeface="Courier New" panose="02070309020205020404" pitchFamily="49" charset="0"/>
-                <a:cs typeface="Courier New" panose="02070309020205020404" pitchFamily="49" charset="0"/>
-              </a:rPr>
-              <a:t>gdp_trend</a:t>
-            </a:r>
-            <a:r>
-              <a:rPr lang="en-US">
-                <a:solidFill>
-                  <a:srgbClr val="FF0000"/>
-                </a:solidFill>
-                <a:latin typeface="Courier New" panose="02070309020205020404" pitchFamily="49" charset="0"/>
-                <a:cs typeface="Courier New" panose="02070309020205020404" pitchFamily="49" charset="0"/>
-              </a:rPr>
-              <a:t>,</a:t>
-            </a:r>
-          </a:p>
-          <a:p>
-            <a:r>
-              <a:rPr lang="en-US">
-                <a:solidFill>
-                  <a:srgbClr val="FF0000"/>
-                </a:solidFill>
-                <a:latin typeface="Courier New" panose="02070309020205020404" pitchFamily="49" charset="0"/>
-                <a:cs typeface="Courier New" panose="02070309020205020404" pitchFamily="49" charset="0"/>
-              </a:rPr>
-              <a:t>    x="Year",</a:t>
-            </a:r>
-          </a:p>
-          <a:p>
-            <a:r>
-              <a:rPr lang="en-US">
-                <a:solidFill>
-                  <a:srgbClr val="FF0000"/>
-                </a:solidFill>
-                <a:latin typeface="Courier New" panose="02070309020205020404" pitchFamily="49" charset="0"/>
-                <a:cs typeface="Courier New" panose="02070309020205020404" pitchFamily="49" charset="0"/>
-              </a:rPr>
-              <a:t>    y="</a:t>
-            </a:r>
-            <a:r>
-              <a:rPr lang="en-US" err="1">
-                <a:solidFill>
-                  <a:srgbClr val="FF0000"/>
-                </a:solidFill>
-                <a:latin typeface="Courier New" panose="02070309020205020404" pitchFamily="49" charset="0"/>
-                <a:cs typeface="Courier New" panose="02070309020205020404" pitchFamily="49" charset="0"/>
-              </a:rPr>
-              <a:t>GDPpcap</a:t>
-            </a:r>
-            <a:r>
-              <a:rPr lang="en-US">
-                <a:solidFill>
-                  <a:srgbClr val="FF0000"/>
-                </a:solidFill>
-                <a:latin typeface="Courier New" panose="02070309020205020404" pitchFamily="49" charset="0"/>
-                <a:cs typeface="Courier New" panose="02070309020205020404" pitchFamily="49" charset="0"/>
-              </a:rPr>
-              <a:t>",</a:t>
-            </a:r>
-          </a:p>
-          <a:p>
-            <a:r>
-              <a:rPr lang="en-US">
-                <a:solidFill>
-                  <a:srgbClr val="FF0000"/>
-                </a:solidFill>
-                <a:latin typeface="Courier New" panose="02070309020205020404" pitchFamily="49" charset="0"/>
-                <a:cs typeface="Courier New" panose="02070309020205020404" pitchFamily="49" charset="0"/>
-              </a:rPr>
-              <a:t>    color="Country",</a:t>
-            </a:r>
-          </a:p>
-          <a:p>
-            <a:r>
-              <a:rPr lang="en-US">
-                <a:solidFill>
-                  <a:srgbClr val="FF0000"/>
-                </a:solidFill>
-                <a:latin typeface="Courier New" panose="02070309020205020404" pitchFamily="49" charset="0"/>
-                <a:cs typeface="Courier New" panose="02070309020205020404" pitchFamily="49" charset="0"/>
-              </a:rPr>
-              <a:t>    title="GDP per Capita Trends (1800-2023)",</a:t>
-            </a:r>
-          </a:p>
-          <a:p>
-            <a:r>
-              <a:rPr lang="en-US">
-                <a:solidFill>
-                  <a:srgbClr val="FF0000"/>
-                </a:solidFill>
-                <a:latin typeface="Courier New" panose="02070309020205020404" pitchFamily="49" charset="0"/>
-                <a:cs typeface="Courier New" panose="02070309020205020404" pitchFamily="49" charset="0"/>
-              </a:rPr>
-              <a:t>    </a:t>
-            </a:r>
-            <a:r>
-              <a:rPr lang="en-US" err="1">
+              <a:rPr lang="en-US" dirty="0" err="1">
                 <a:solidFill>
                   <a:srgbClr val="FF0000"/>
                 </a:solidFill>
@@ -11372,7 +11216,7 @@
               <a:t>log_y</a:t>
             </a:r>
             <a:r>
-              <a:rPr lang="en-US">
+              <a:rPr lang="en-US" dirty="0">
                 <a:solidFill>
                   <a:srgbClr val="FF0000"/>
                 </a:solidFill>
@@ -11384,7 +11228,7 @@
           </a:p>
           <a:p>
             <a:r>
-              <a:rPr lang="en-US">
+              <a:rPr lang="en-US" dirty="0">
                 <a:solidFill>
                   <a:srgbClr val="FF0000"/>
                 </a:solidFill>
@@ -11396,7 +11240,7 @@
           </a:p>
           <a:p>
             <a:r>
-              <a:rPr lang="en-US" err="1">
+              <a:rPr lang="en-US" dirty="0" err="1">
                 <a:solidFill>
                   <a:srgbClr val="FF0000"/>
                 </a:solidFill>
@@ -11406,7 +11250,7 @@
               <a:t>fig.show</a:t>
             </a:r>
             <a:r>
-              <a:rPr lang="en-US">
+              <a:rPr lang="en-US" dirty="0">
                 <a:solidFill>
                   <a:srgbClr val="FF0000"/>
                 </a:solidFill>
@@ -11697,7 +11541,7 @@
           <a:lstStyle/>
           <a:p>
             <a:r>
-              <a:rPr lang="en-US" err="1">
+              <a:rPr lang="en-US" dirty="0" err="1">
                 <a:solidFill>
                   <a:srgbClr val="FF0000"/>
                 </a:solidFill>
@@ -11707,7 +11551,7 @@
               <a:t>pop_rank</a:t>
             </a:r>
             <a:r>
-              <a:rPr lang="en-US">
+              <a:rPr lang="en-US" dirty="0">
                 <a:solidFill>
                   <a:srgbClr val="FF0000"/>
                 </a:solidFill>
@@ -11717,7 +11561,7 @@
               <a:t> = </a:t>
             </a:r>
             <a:r>
-              <a:rPr lang="en-US" err="1">
+              <a:rPr lang="en-US" dirty="0" err="1">
                 <a:solidFill>
                   <a:srgbClr val="FF0000"/>
                 </a:solidFill>
@@ -11727,19 +11571,19 @@
               <a:t>gapminder_df.query</a:t>
             </a:r>
             <a:r>
-              <a:rPr lang="en-US">
+              <a:rPr lang="en-US" dirty="0">
                 <a:solidFill>
                   <a:srgbClr val="FF0000"/>
                 </a:solidFill>
                 <a:latin typeface="Courier New" panose="02070309020205020404" pitchFamily="49" charset="0"/>
                 <a:cs typeface="Courier New" panose="02070309020205020404" pitchFamily="49" charset="0"/>
               </a:rPr>
-              <a:t>('Year == 2023’) \</a:t>
-            </a:r>
-          </a:p>
-          <a:p>
-            <a:r>
-              <a:rPr lang="en-US">
+              <a:t>('Year == 2019’) \</a:t>
+            </a:r>
+          </a:p>
+          <a:p>
+            <a:r>
+              <a:rPr lang="en-US" dirty="0">
                 <a:solidFill>
                   <a:srgbClr val="FF0000"/>
                 </a:solidFill>
@@ -11749,7 +11593,7 @@
               <a:t>  .</a:t>
             </a:r>
             <a:r>
-              <a:rPr lang="en-US" err="1">
+              <a:rPr lang="en-US" dirty="0" err="1">
                 <a:solidFill>
                   <a:srgbClr val="FF0000"/>
                 </a:solidFill>
@@ -11759,7 +11603,7 @@
               <a:t>sort_values</a:t>
             </a:r>
             <a:r>
-              <a:rPr lang="en-US">
+              <a:rPr lang="en-US" dirty="0">
                 <a:solidFill>
                   <a:srgbClr val="FF0000"/>
                 </a:solidFill>
@@ -12225,7 +12069,7 @@
           <a:lstStyle/>
           <a:p>
             <a:r>
-              <a:rPr lang="en-US" err="1">
+              <a:rPr lang="en-US" dirty="0" err="1">
                 <a:solidFill>
                   <a:srgbClr val="FF0000"/>
                 </a:solidFill>
@@ -12235,7 +12079,7 @@
               <a:t>map_df</a:t>
             </a:r>
             <a:r>
-              <a:rPr lang="en-US">
+              <a:rPr lang="en-US" dirty="0">
                 <a:solidFill>
                   <a:srgbClr val="FF0000"/>
                 </a:solidFill>
@@ -12245,7 +12089,7 @@
               <a:t> = </a:t>
             </a:r>
             <a:r>
-              <a:rPr lang="en-US" err="1">
+              <a:rPr lang="en-US" dirty="0" err="1">
                 <a:solidFill>
                   <a:srgbClr val="FF0000"/>
                 </a:solidFill>
@@ -12255,18 +12099,18 @@
               <a:t>gapminder_df.query</a:t>
             </a:r>
             <a:r>
-              <a:rPr lang="en-US">
+              <a:rPr lang="en-US" dirty="0">
                 <a:solidFill>
                   <a:srgbClr val="FF0000"/>
                 </a:solidFill>
                 <a:latin typeface="Courier New" panose="02070309020205020404" pitchFamily="49" charset="0"/>
                 <a:cs typeface="Courier New" panose="02070309020205020404" pitchFamily="49" charset="0"/>
               </a:rPr>
-              <a:t>('Year == 2023')</a:t>
-            </a:r>
-          </a:p>
-          <a:p>
-            <a:endParaRPr lang="en-US">
+              <a:t>('Year == 2022')</a:t>
+            </a:r>
+          </a:p>
+          <a:p>
+            <a:endParaRPr lang="en-US" dirty="0">
               <a:solidFill>
                 <a:srgbClr val="FF0000"/>
               </a:solidFill>
@@ -12276,7 +12120,7 @@
           </a:p>
           <a:p>
             <a:r>
-              <a:rPr lang="en-US">
+              <a:rPr lang="en-US" dirty="0">
                 <a:solidFill>
                   <a:srgbClr val="FF0000"/>
                 </a:solidFill>
@@ -12286,7 +12130,7 @@
               <a:t>fig = </a:t>
             </a:r>
             <a:r>
-              <a:rPr lang="en-US" err="1">
+              <a:rPr lang="en-US" dirty="0" err="1">
                 <a:solidFill>
                   <a:srgbClr val="FF0000"/>
                 </a:solidFill>
@@ -12296,7 +12140,7 @@
               <a:t>px.scatter_geo</a:t>
             </a:r>
             <a:r>
-              <a:rPr lang="en-US">
+              <a:rPr lang="en-US" dirty="0">
                 <a:solidFill>
                   <a:srgbClr val="FF0000"/>
                 </a:solidFill>
@@ -12308,7 +12152,7 @@
           </a:p>
           <a:p>
             <a:r>
-              <a:rPr lang="en-US">
+              <a:rPr lang="en-US" dirty="0">
                 <a:solidFill>
                   <a:srgbClr val="FF0000"/>
                 </a:solidFill>
@@ -12318,7 +12162,7 @@
               <a:t>    </a:t>
             </a:r>
             <a:r>
-              <a:rPr lang="en-US" err="1">
+              <a:rPr lang="en-US" dirty="0" err="1">
                 <a:solidFill>
                   <a:srgbClr val="FF0000"/>
                 </a:solidFill>
@@ -12328,7 +12172,7 @@
               <a:t>map_df</a:t>
             </a:r>
             <a:r>
-              <a:rPr lang="en-US">
+              <a:rPr lang="en-US" dirty="0">
                 <a:solidFill>
                   <a:srgbClr val="FF0000"/>
                 </a:solidFill>
@@ -12340,7 +12184,7 @@
           </a:p>
           <a:p>
             <a:r>
-              <a:rPr lang="en-US">
+              <a:rPr lang="en-US" dirty="0">
                 <a:solidFill>
                   <a:srgbClr val="FF0000"/>
                 </a:solidFill>
@@ -12350,7 +12194,7 @@
               <a:t>    </a:t>
             </a:r>
             <a:r>
-              <a:rPr lang="en-US" err="1">
+              <a:rPr lang="en-US" dirty="0" err="1">
                 <a:solidFill>
                   <a:srgbClr val="FF0000"/>
                 </a:solidFill>
@@ -12360,7 +12204,7 @@
               <a:t>lat</a:t>
             </a:r>
             <a:r>
-              <a:rPr lang="en-US">
+              <a:rPr lang="en-US" dirty="0">
                 <a:solidFill>
                   <a:srgbClr val="FF0000"/>
                 </a:solidFill>
@@ -12372,7 +12216,7 @@
           </a:p>
           <a:p>
             <a:r>
-              <a:rPr lang="en-US">
+              <a:rPr lang="en-US" dirty="0">
                 <a:solidFill>
                   <a:srgbClr val="FF0000"/>
                 </a:solidFill>
@@ -12382,7 +12226,7 @@
               <a:t>    </a:t>
             </a:r>
             <a:r>
-              <a:rPr lang="en-US" err="1">
+              <a:rPr lang="en-US" dirty="0" err="1">
                 <a:solidFill>
                   <a:srgbClr val="FF0000"/>
                 </a:solidFill>
@@ -12392,7 +12236,7 @@
               <a:t>lon</a:t>
             </a:r>
             <a:r>
-              <a:rPr lang="en-US">
+              <a:rPr lang="en-US" dirty="0">
                 <a:solidFill>
                   <a:srgbClr val="FF0000"/>
                 </a:solidFill>
@@ -12404,7 +12248,7 @@
           </a:p>
           <a:p>
             <a:r>
-              <a:rPr lang="en-US">
+              <a:rPr lang="en-US" dirty="0">
                 <a:solidFill>
                   <a:srgbClr val="FF0000"/>
                 </a:solidFill>

--- a/files/Presentation.pptx
+++ b/files/Presentation.pptx
@@ -5,7 +5,7 @@
     <p:sldMasterId id="2147483648" r:id="rId1"/>
   </p:sldMasterIdLst>
   <p:notesMasterIdLst>
-    <p:notesMasterId r:id="rId26"/>
+    <p:notesMasterId r:id="rId27"/>
   </p:notesMasterIdLst>
   <p:sldIdLst>
     <p:sldId id="256" r:id="rId2"/>
@@ -32,6 +32,7 @@
     <p:sldId id="281" r:id="rId23"/>
     <p:sldId id="269" r:id="rId24"/>
     <p:sldId id="278" r:id="rId25"/>
+    <p:sldId id="282" r:id="rId26"/>
   </p:sldIdLst>
   <p:sldSz cx="12192000" cy="6858000"/>
   <p:notesSz cx="6858000" cy="9144000"/>
@@ -159,6 +160,7 @@
             <p14:sldId id="281"/>
             <p14:sldId id="269"/>
             <p14:sldId id="278"/>
+            <p14:sldId id="282"/>
           </p14:sldIdLst>
         </p14:section>
       </p14:sectionLst>
@@ -173,6 +175,7 @@
 <file path=ppt/revisionInfo.xml><?xml version="1.0" encoding="utf-8"?>
 <p1510:revInfo xmlns:a="http://schemas.openxmlformats.org/drawingml/2006/main" xmlns:r="http://schemas.openxmlformats.org/officeDocument/2006/relationships" xmlns:p1510="http://schemas.microsoft.com/office/powerpoint/2015/10/main">
   <p1510:revLst>
+    <p1510:client id="{773D6D81-A9F5-4DC9-ADD1-5C5B62EB63B1}" v="43" dt="2025-08-01T17:58:06.203"/>
     <p1510:client id="{7A141031-0306-418F-9899-8E1F935F761E}" v="268" dt="2025-08-01T12:51:36.234"/>
   </p1510:revLst>
 </p1510:revInfo>
@@ -1274,7 +1277,7 @@
   <pc:docChgLst>
     <pc:chgData name="Sotirios Damouras" userId="7c1f99a4-7f99-452e-ad75-41cee7f4fa00" providerId="ADAL" clId="{773D6D81-A9F5-4DC9-ADD1-5C5B62EB63B1}"/>
     <pc:docChg chg="undo custSel addSld delSld modSld sldOrd modMainMaster delSection modSection">
-      <pc:chgData name="Sotirios Damouras" userId="7c1f99a4-7f99-452e-ad75-41cee7f4fa00" providerId="ADAL" clId="{773D6D81-A9F5-4DC9-ADD1-5C5B62EB63B1}" dt="2025-07-21T19:35:53.695" v="2259" actId="20577"/>
+      <pc:chgData name="Sotirios Damouras" userId="7c1f99a4-7f99-452e-ad75-41cee7f4fa00" providerId="ADAL" clId="{773D6D81-A9F5-4DC9-ADD1-5C5B62EB63B1}" dt="2025-08-01T20:06:24.760" v="2417" actId="6549"/>
       <pc:docMkLst>
         <pc:docMk/>
       </pc:docMkLst>
@@ -1491,8 +1494,8 @@
           </ac:spMkLst>
         </pc:spChg>
       </pc:sldChg>
-      <pc:sldChg chg="modSp mod">
-        <pc:chgData name="Sotirios Damouras" userId="7c1f99a4-7f99-452e-ad75-41cee7f4fa00" providerId="ADAL" clId="{773D6D81-A9F5-4DC9-ADD1-5C5B62EB63B1}" dt="2025-07-21T16:00:54.363" v="2087" actId="1036"/>
+      <pc:sldChg chg="addSp modSp mod">
+        <pc:chgData name="Sotirios Damouras" userId="7c1f99a4-7f99-452e-ad75-41cee7f4fa00" providerId="ADAL" clId="{773D6D81-A9F5-4DC9-ADD1-5C5B62EB63B1}" dt="2025-08-01T14:56:14.698" v="2260"/>
         <pc:sldMkLst>
           <pc:docMk/>
           <pc:sldMk cId="397320391" sldId="273"/>
@@ -1505,9 +1508,17 @@
             <ac:picMk id="5" creationId="{20B4D629-BBA9-1C4B-B5B5-4FF6FA88FD2A}"/>
           </ac:picMkLst>
         </pc:picChg>
+        <pc:inkChg chg="add">
+          <ac:chgData name="Sotirios Damouras" userId="7c1f99a4-7f99-452e-ad75-41cee7f4fa00" providerId="ADAL" clId="{773D6D81-A9F5-4DC9-ADD1-5C5B62EB63B1}" dt="2025-08-01T14:56:14.698" v="2260"/>
+          <ac:inkMkLst>
+            <pc:docMk/>
+            <pc:sldMk cId="397320391" sldId="273"/>
+            <ac:inkMk id="6" creationId="{8EEDC112-0C08-7ACF-C607-EDFEF1D0E192}"/>
+          </ac:inkMkLst>
+        </pc:inkChg>
       </pc:sldChg>
       <pc:sldChg chg="addSp delSp modSp mod modAnim">
-        <pc:chgData name="Sotirios Damouras" userId="7c1f99a4-7f99-452e-ad75-41cee7f4fa00" providerId="ADAL" clId="{773D6D81-A9F5-4DC9-ADD1-5C5B62EB63B1}" dt="2025-07-21T16:02:17.450" v="2111"/>
+        <pc:chgData name="Sotirios Damouras" userId="7c1f99a4-7f99-452e-ad75-41cee7f4fa00" providerId="ADAL" clId="{773D6D81-A9F5-4DC9-ADD1-5C5B62EB63B1}" dt="2025-08-01T17:58:06.203" v="2302" actId="20577"/>
         <pc:sldMkLst>
           <pc:docMk/>
           <pc:sldMk cId="3364095585" sldId="274"/>
@@ -1529,7 +1540,7 @@
           </ac:spMkLst>
         </pc:spChg>
         <pc:spChg chg="add mod">
-          <ac:chgData name="Sotirios Damouras" userId="7c1f99a4-7f99-452e-ad75-41cee7f4fa00" providerId="ADAL" clId="{773D6D81-A9F5-4DC9-ADD1-5C5B62EB63B1}" dt="2025-07-21T16:02:09.415" v="2109" actId="1076"/>
+          <ac:chgData name="Sotirios Damouras" userId="7c1f99a4-7f99-452e-ad75-41cee7f4fa00" providerId="ADAL" clId="{773D6D81-A9F5-4DC9-ADD1-5C5B62EB63B1}" dt="2025-08-01T17:58:06.203" v="2302" actId="20577"/>
           <ac:spMkLst>
             <pc:docMk/>
             <pc:sldMk cId="3364095585" sldId="274"/>
@@ -1589,8 +1600,8 @@
           </ac:spMkLst>
         </pc:spChg>
       </pc:sldChg>
-      <pc:sldChg chg="modSp new mod">
-        <pc:chgData name="Sotirios Damouras" userId="7c1f99a4-7f99-452e-ad75-41cee7f4fa00" providerId="ADAL" clId="{773D6D81-A9F5-4DC9-ADD1-5C5B62EB63B1}" dt="2025-07-21T10:24:22.452" v="2051" actId="20577"/>
+      <pc:sldChg chg="modSp new mod modAnim">
+        <pc:chgData name="Sotirios Damouras" userId="7c1f99a4-7f99-452e-ad75-41cee7f4fa00" providerId="ADAL" clId="{773D6D81-A9F5-4DC9-ADD1-5C5B62EB63B1}" dt="2025-08-01T17:57:03.797" v="2262"/>
         <pc:sldMkLst>
           <pc:docMk/>
           <pc:sldMk cId="4218692669" sldId="279"/>
@@ -1609,6 +1620,14 @@
             <pc:docMk/>
             <pc:sldMk cId="4218692669" sldId="279"/>
             <ac:spMk id="3" creationId="{6392C0A4-FE44-1EB3-C65C-721419EF66BB}"/>
+          </ac:spMkLst>
+        </pc:spChg>
+        <pc:spChg chg="mod">
+          <ac:chgData name="Sotirios Damouras" userId="7c1f99a4-7f99-452e-ad75-41cee7f4fa00" providerId="ADAL" clId="{773D6D81-A9F5-4DC9-ADD1-5C5B62EB63B1}" dt="2025-08-01T17:57:03.797" v="2262"/>
+          <ac:spMkLst>
+            <pc:docMk/>
+            <pc:sldMk cId="4218692669" sldId="279"/>
+            <ac:spMk id="7" creationId="{6D33EC8E-E663-E933-E529-6DDA54418E54}"/>
           </ac:spMkLst>
         </pc:spChg>
       </pc:sldChg>
@@ -1641,6 +1660,37 @@
             <ac:spMk id="3" creationId="{CACA9084-A5B4-5239-821B-1D4B5EF5B826}"/>
           </ac:spMkLst>
         </pc:spChg>
+      </pc:sldChg>
+      <pc:sldChg chg="addSp modSp new mod">
+        <pc:chgData name="Sotirios Damouras" userId="7c1f99a4-7f99-452e-ad75-41cee7f4fa00" providerId="ADAL" clId="{773D6D81-A9F5-4DC9-ADD1-5C5B62EB63B1}" dt="2025-08-01T20:06:24.760" v="2417" actId="6549"/>
+        <pc:sldMkLst>
+          <pc:docMk/>
+          <pc:sldMk cId="479126000" sldId="282"/>
+        </pc:sldMkLst>
+        <pc:spChg chg="mod">
+          <ac:chgData name="Sotirios Damouras" userId="7c1f99a4-7f99-452e-ad75-41cee7f4fa00" providerId="ADAL" clId="{773D6D81-A9F5-4DC9-ADD1-5C5B62EB63B1}" dt="2025-08-01T19:36:36.182" v="2344" actId="20577"/>
+          <ac:spMkLst>
+            <pc:docMk/>
+            <pc:sldMk cId="479126000" sldId="282"/>
+            <ac:spMk id="2" creationId="{E653C8CE-06D8-17AE-6367-3BE5329AC4ED}"/>
+          </ac:spMkLst>
+        </pc:spChg>
+        <pc:spChg chg="mod">
+          <ac:chgData name="Sotirios Damouras" userId="7c1f99a4-7f99-452e-ad75-41cee7f4fa00" providerId="ADAL" clId="{773D6D81-A9F5-4DC9-ADD1-5C5B62EB63B1}" dt="2025-08-01T20:06:24.760" v="2417" actId="6549"/>
+          <ac:spMkLst>
+            <pc:docMk/>
+            <pc:sldMk cId="479126000" sldId="282"/>
+            <ac:spMk id="3" creationId="{C3C2CF2F-83AE-56D4-3F80-F29DCD994214}"/>
+          </ac:spMkLst>
+        </pc:spChg>
+        <pc:picChg chg="add mod">
+          <ac:chgData name="Sotirios Damouras" userId="7c1f99a4-7f99-452e-ad75-41cee7f4fa00" providerId="ADAL" clId="{773D6D81-A9F5-4DC9-ADD1-5C5B62EB63B1}" dt="2025-08-01T20:06:18.814" v="2413" actId="1076"/>
+          <ac:picMkLst>
+            <pc:docMk/>
+            <pc:sldMk cId="479126000" sldId="282"/>
+            <ac:picMk id="6" creationId="{3DF3705E-FC92-5B04-E040-EC9AECA4C91A}"/>
+          </ac:picMkLst>
+        </pc:picChg>
       </pc:sldChg>
       <pc:sldChg chg="addSp modSp mod ord">
         <pc:chgData name="Sotirios Damouras" userId="7c1f99a4-7f99-452e-ad75-41cee7f4fa00" providerId="ADAL" clId="{773D6D81-A9F5-4DC9-ADD1-5C5B62EB63B1}" dt="2025-07-21T19:35:53.695" v="2259" actId="20577"/>
@@ -1675,6 +1725,75 @@
     </pc:docChg>
   </pc:docChgLst>
 </pc:chgInfo>
+</file>
+
+<file path=ppt/ink/ink1.xml><?xml version="1.0" encoding="utf-8"?>
+<inkml:ink xmlns:inkml="http://www.w3.org/2003/InkML">
+  <inkml:definitions>
+    <inkml:context xml:id="ctx0">
+      <inkml:inkSource xml:id="inkSrc0">
+        <inkml:traceFormat>
+          <inkml:channel name="X" type="integer" max="30165" units="cm"/>
+          <inkml:channel name="Y" type="integer" max="18853" units="cm"/>
+          <inkml:channel name="F" type="integer" max="4095" units="dev"/>
+          <inkml:channel name="T" type="integer" max="2.14748E9" units="dev"/>
+        </inkml:traceFormat>
+        <inkml:channelProperties>
+          <inkml:channelProperty channel="X" name="resolution" value="1000.16577" units="1/cm"/>
+          <inkml:channelProperty channel="Y" name="resolution" value="1000.15918" units="1/cm"/>
+          <inkml:channelProperty channel="F" name="resolution" value="0" units="1/dev"/>
+          <inkml:channelProperty channel="T" name="resolution" value="1" units="1/dev"/>
+        </inkml:channelProperties>
+      </inkml:inkSource>
+      <inkml:timestamp xml:id="ts0" timeString="2025-08-01T14:50:16.780"/>
+    </inkml:context>
+    <inkml:brush xml:id="br0">
+      <inkml:brushProperty name="width" value="0.05292" units="cm"/>
+      <inkml:brushProperty name="height" value="0.05292" units="cm"/>
+      <inkml:brushProperty name="color" value="#FF0000"/>
+    </inkml:brush>
+  </inkml:definitions>
+  <inkml:trace contextRef="#ctx0" brushRef="#br0">7957 7048 215 0,'0'-4'236'0,"1"1"-130"0,-1 1 138 0,0-2-131 15,1 4-44-15,0 0-12 0,0-1 20 0,-1 1-5 0,0 1-12 0,0 3-30 16,0 1 32-16,0 2-41 0,-1 3 56 0,1 4-8 16,-1 1-12-16,1 4-13 0,1 5 1 15,0-2-12-15,1 10 4 0,1-1-13 0,-1 0-8 0,2 7-13 0,-4-2 8 16,0 0-8-16,2 6 5 0,-2-1-4 0,0 4-4 16,1 7-1-16,0 0-1 0,1 2 0 0,0 6-36 0,-1-9-16 0,0-3-14 15,1-2-27-15,0-10-9 0,2-4 12 0,1-3-81 16,-1-7-29-16,1-1-10 0,-1-2-61 0,1-5 128 0</inkml:trace>
+  <inkml:trace contextRef="#ctx0" brushRef="#br0" timeOffset="428.31">8183 7773 781 0,'-6'-8'204'0,"5"3"-135"15,-1 1 59-15,2-3-41 16,0 2 34-16,-1 1-45 0,1 1 42 0,0 0-22 0,0 2-28 0,0 1-17 16,0 0-6-16,0 0-9 0,-1 1-13 0,1 4-4 0,0 0 1 0,0 4-16 15,1-2 8-15,-1 3-10 0,1-1 7 0,1 1-4 0,-2 0-5 0,1 1 2 16,-1 0 0 0,0 2 3-16,0 0 8 0,0-1-2 0,0-1-3 0,0 2-9 0,0-4 1 15,-1 3-3-15,1-2 4 0,0-1 2 0,0-2-1 0,2 0-13 16,0-4 11-16,1 1-11 0,1-4 22 0,0 0-6 15,1 0-5-15,2-4-13 0,-2 2 13 0,3-5-9 0,0 1 20 0,1-1 4 0,2-2-4 0,0 1-21 16,3-4 16-16,0-1-17 0,-1 0 22 0,0 0-3 0,0 0-8 16,-1 0 3-16,1-1 8 0,1-1-2 0,-2 2 23 0,-1 3-8 15,0-2-5-15,-1 1-9 0,-1-1 8 0,-2 4-7 0,-1-1 8 16,-3 4-4-16,1 0-6 0,-1 2-12 0,1 3 10 0,-4 0-8 0,1 1 24 16,-1 1-3-16,0-1-8 0,0 6-16 0,0-1 17 0,-3 4-14 15,2 0 14-15,1 2-2 0,-1 4-14 0,0-3-4 0,0 3 14 16,1-2-10-16,0 2 9 0,0 0 2 0,-1 0-7 0,1 0-13 15,0 0 10-15,1-2-9 16,1 2 23-16,0-3-6 0,2-4-7 0,0 1-43 0,0-1-1 16,0-2-11-16,3-4-37 0,0 1-17 0,3-1-18 0,3-1-155 0,3-2-6 0,3 0-39 0,-2-2 134 0</inkml:trace>
+  <inkml:trace contextRef="#ctx0" brushRef="#br0" timeOffset="1727.94">9128 7633 1370 0,'4'-10'-75'0,"-3"5"160"0,0 3 5 0,-2 0-15 0,-2-1 12 16,-2 2 9-16,-2 1-23 0,-2 4-18 0,-2-1-17 15,0 3-18-15,-4 1-18 0,-1 4 8 0,-3 1-9 0,-3 1 12 0,2 3 6 16,-1 0-1-16,-2 4-7 0,5 2 16 0,0 0-18 0,2 0 28 16,0-2-4-16,0 0-11 0,2 0-11 0,3-5 9 0,3 2-13 15,0-1 6-15,4-3-7 0,2 0-8 0,2-1 0 16,1-3 2-1,4-1 0-15,1-1 3 0,1-1-1 0,2 0-2 0,5-3-13 0,-1 1 13 0,3-2-12 0,3-2 22 0,-3 0-3 16,3-2-5-16,2-3-4 0,1 1 3 0,3-3-1 0,1 3 4 16,-1-3-3-16,-3 1-5 0,1-3-24 0,0 3 0 0,2-2-7 0,-2 0-9 31,1 1-10-31,-2-1-6 0,0 0-13 0,-2 1-2 0,-2-2 0 0,0 1-18 0,1-1 9 0,-2 0-5 0,1-1 1 0,2-3 8 16,-2 3-7-16,-2 1 8 15,-2-1 9-15,-4 2 2 0,1 1 32 0,3 0 16 16,-5 0 1-16,-1 0 36 0,3-2-2 0,-5-1-9 0,-1 3 13 15,0 1 28-15,-3 0-9 0,-2 1 71 0,-1 0-8 0,0 0-2 0,-4 0-26 16,1-1 11-16,-4 3-15 0,-1-1-1 0,-1 3-11 0,1-1-17 16,-3 2-24-16,-2 2 10 0,1-1-13 0,0 6 8 0,0-3-7 15,1 0-7-15,-2 1-1 0,-2 0 7 0,1 2-1 0,1 0 15 16,1-1-4-16,1 1-5 0,0 2-18 0,1 0 11 0,1-1-11 0,0 2 12 16,0-2-6-16,1 0-6 0,-2 1-7 0,4 1 7 0,-1 3-1 15,2 0 11-15,2-3-3 0,-1 2-7 0,3-2-10 0,1 0 5 16,1-1-3-16,1 0 12 0,2-2-5 0,1-3-8 0,2 3 4 15,2-2 3-15,1-1 2 0,0 0 4 0,2-2 3 0,0-1-5 0,1-1-5 16,0-1 14-16,2-1-11 0,0-2 12 0,0 0 0 0,-1 0-6 16,2 0-12-16,1-1 17 0,2 0-13 0,-2-2 32 0,-1 0-6 15,0-2-8-15,-3-1-14 0,2 2 9 0,1-3-6 0,2 1 18 0,-2 0-5 16,-2-2-5-16,2 1-6 0,-3 2 6 0,0-1-4 0,0 2 9 16,-1 1-5-16,0-3-3 0,1 1-10 0,-2-5 7 0,1 4-6 15,-2 0 12-15,-3 1-4 0,2 2-5 0,-1 3-13 0,0-4 12 0,-2 4-9 16,-1 0 18-16,-1 2-3 0,-1 1-9 0,-1 1-4 0,-1 1 8 15,1 1-6-15,-1 2 10 0,0 0 3 0,0 5-4 0,0 0-8 16,-1 2 5-16,-1 1-6 0,-1 2 11 0,-1 0-4 0,1 0-3 0,-2-1-11 16,2 0 12-16,0 0-8 0,0 1 17 0,0-2 0 0,1 0-9 15,0 1-19-15,0-3 18 0,1 1-15 0,1-2 26 0,0-2-4 16,3-1-9-16,-1-2-9 0,1 1 8 0,1-2-5 0,-1-2 16 16,1-1-4-16,1 0-5 0,1 0-4 0,0-1 6 0,1-3-3 0,2 0 14 15,0 0-3-15,0 0-2 0,2-5-13 0,-1 3 8 0,2-4-5 16,-2-1 15-16,-1 0-2 0,1 1-6 0,1-3-7 0,1 0 4 15,1 1-4-15,0-2 7 0,-1 4-2 0,0 0-1 16,1-2-7-16,1-2 4 0,-3 2-2 0,0-1 8 0,-4 7-2 0,-3-2-5 0,2 1-13 16,-3 3 19-16,3-3-13 0,-2 6 19 0,-2-2-4 0,-1 3-10 15,1 0-1-15,-1 0 4 0,-1 3-2 0,0 1 7 16,-1 3 0-16,0 1-4 0,0 2-12 0,-2 3 14 0,1 1-11 0,0 0 18 0,1 0-2 16,0-2-8-16,-2 2-8 0,3-1 9 15,-1 1-7-15,1-2 12 0,0-2 1 0,3 0-6 0,0-2-12 0,0 0 11 0,2 1-11 16,-1-2 20-16,3-4-2 0,1 3-4 0,0-5-15 15,2 2 12-15,-1 0-11 0,2 0 19 0,-1-3 1 0,-1 0-6 0,0 0-10 0,0-3 9 16,0 2-7-16,0-1 16 0,-1-1-2 0,0-2-6 0,-1 2-12 16,-1-3 12-16,1 0-9 0,1-1 21 0,-3 0-5 0,1-1-10 0,0 0-12 15,-1-1 16-15,0 1-12 0,-1 1 23 0,0-1-4 0,-1-1-8 16,-2 2-16-16,1 0 14 0,0 1-10 0,-1 2 28 0,-1-1-9 16,1 2-10-16,-1 0-5 0,-1 0 5 0,0-1-1 0,-1 4 9 15,1-1-2-15,0 1-5 0,0 0-10 0,-1 1 9 0,1 3-9 16,-2 2 11-16,2-3 0 0,-1 2-3 0,1 0-14 0,-1 1 17 0,2 5-13 15,0 0 25-15,0 0-6 0,0 1-8 0,2-2-5 0,0 3 1 16,2-3-1-16,0 1 7 0,3-3 0 16,1 2-2-16,1-3-5 0,1 2 5 0,2-2-4 0,0-1 11 15,1 0-3-15,0 0-6 0,2-2-10 0,-2-1 14 0,3 1-9 0,1-2 21 0,1-2-7 0,1 0-7 0,1-2-7 16,0-2 7-16,1 1-3 16,-4-4 18-16,-2 4-4 0,1-3-5 0,0 0-11 0,3-2 5 0,1 0-3 0,-3 0 14 0,-2-1-5 15,0 0-6-15,-2-1-3 0,0-1 3 0,-3-1 1 0,-1-1 11 16,-2 1-3-16,0 0-6 0,-1 0-11 0,-1 3 8 0,-1-1-6 15,-2 0 20-15,-1 1-6 0,1-2-6 0,-1-2-12 0,-1 1 12 16,-1 0-8-16,-3 0 21 0,1 1-3 0,-2 1-7 0,1 0-16 16,-1 4 11-16,-1 0-10 0,0-1 21 0,-1 2-1 0,1 2-6 0,-1 1-18 15,-2 0 14-15,0 4-13 0,-1 1 21 0,1 0-3 0,0 4-7 0,-2 2-5 16,0 0 9-16,0 2-6 0,1 2 9 0,0 0-3 0,0 5-4 16,1 0-8-1,1 4 10-15,2-3-7 0,1 0 16 0,0-1-1 0,2 1-3 0,1 0-7 0,2 0 6 0,0 0-5 0,2-3 12 16,2-3-3-16,4 1-7 0,0-4-4 0,5 2 3 0,0-2-2 0,3 0 8 15,1-2 1-15,-2-1 1 0,5-3-13 0,-2 2 9 0,3-5-7 16,-1 3 12-16,-2-4-1 0,3 2-7 0,0-2-12 0,1 0 13 16,0-2-10-16,-3 0 20 0,2 0-2 0,-3-1-9 0,-1-1-2 0,3 1 2 15,-4-1-1 1,0-1 4-16,-1 2-3 0,-2-1-1 0,3 0-11 0,-5 0-9 0,-1 2 1 0,0-1-39 0,-2-1-9 0,0 3-10 0,-1-1-86 16,-2 1-24-16,1-1-19 0,2-1-179 0,-1 3-35 0,3 0-56 15</inkml:trace>
+  <inkml:trace contextRef="#ctx0" brushRef="#br0" timeOffset="2327.88">11965 6702 1117 0,'-7'-16'206'0,"-1"0"-113"0,0 3-41 16,-1 4-44-16,0 1 47 0,-2 3-16 0,1 1-21 0,-5 3-25 16,-1 2 17-16,-2 5-19 0,-1 2 33 0,-2 4 9 0,1 5-5 15,-2 5 24-15,-3 6 6 0,1 5-8 0,-3 6 11 16,3 2-6-16,0-1-10 0,-2 8-16 0,4 1 20 0,2 2-28 16,2 13 21-16,3 2-20 0,3 5-3 0,-1 10-6 0,3-8-1 15,1-3-7-15,0 6 9 0,5-9-5 0,2 64 30 16,-1-128 53-16,20 94-123 0,-2-53 62 0,-1-10-10 15,4-1-9-15,7-2-15 0,0-7 10 0,2 2-10 0,1-4 15 16,-1-1-2-16,0-4-9 0,2 2-1 0,0-3 2 0,0-3-2 16,3 0 3-16,-5-3-4 0,1-2-3 0,0-3-48 0,-1-1-7 0,1-4-9 15,-5 0-38-15,-1 0-24 0,-4-4-15 0,2 1-127 0,-2-3-87 16,1 3 15-16,2 0 67 0</inkml:trace>
+  <inkml:trace contextRef="#ctx0" brushRef="#br0" timeOffset="3215.31">12395 7159 955 0,'4'-15'58'0,"1"0"-9"16,0-1 10-16,1 6-19 0,-3-3 36 0,-2 3-1 0,1 5-15 0,-6-2-13 0,-3 2 20 15,0 3-34-15,-7-1 1 0,2 3 0 0,-3 2-13 0,-1 3 16 16,1 1 9-16,0 2-9 16,-4 3 13-16,2 3-4 0,-1 2-11 0,-4 5 3 0,3 2 15 0,0 2-18 15,-2 5 12-15,6 0-8 0,-1-1-10 0,0 7-6 0,3-3 3 0,0 0-6 16,3 4 3-16,5-4-9 0,0-1-7 0,3 6-5 15,2-5 0-15,0-1 1 0,3 3 4 0,2-6 2 0,3 0-1 16,3-2-12-16,2-6 14 0,1-1-15 0,2-4 21 0,-3-6-4 16,2 0-8-16,3-3-10 0,0-1 11 0,1 1-9 0,2-5 17 15,0-2 0-15,0 0-6 0,-2-3-13 0,-2 0 11 0,-1-3-9 0,1-1 10 16,1 1 0-16,-2-1-6 0,-3-3-3 0,0 0-7 0,-2-5-1 16,-2 4-23-16,-2-2-3 0,-2 0-4 0,0-2-4 0,-2 2-3 15,-2 1 2-15,0-2-11 0,-1 2-1 0,-2 2-5 0,-1-3-13 0,-2 3-5 16,0 0 1-16,-3 1-18 0,0-1-2 0,0 2-7 0,-1-1 1 15,0 2 1-15,-3 2 2 0,-2-1 9 0,2-1 20 0,1 4 7 0,-1 2 41 16,3-1 20-16,1 1-4 0,-3 1 51 0,7 0 11 0,1 1 12 16,-4 1 12-16,7 1 5 0,-4 1-2 0,3 0 13 0,4-2-8 15,-2 4-8-15,3-1-29 0,-4-2 18 0,1 4-21 0,3-3 15 16,0 1-5-16,3 1-9 0,2-2-26 16,-1 1 19-16,1-1-19 0,2-1 21 0,-1-3-3 0,0 2-10 0,1-1-11 0,1-1 11 0,-2-1-11 15,-1-1 7-15,1 0-3 0,0-3-9 0,-1 0-9 0,1 1 9 16,-2-2-7-16,1 0 12 0,0-1 0 0,0 1-5 0,-1-1-12 15,-3 2 6-15,0 1-7 0,-1-3 10 0,-3 4-2 0,2-1-1 0,-3 1-11 16,0 0 11-16,0-1-8 0,0 2 13 0,0-1 1 0,0 3-8 16,0-1-7-16,-2-2 13 0,1 3-9 0,0 0 14 15,0 0-8-15,1 0-9 0,-1 4-6 0,0 0 9 0,0 1-4 0,0 4 12 16,0-2 0-16,-1 5-5 0,1-1-14 0,1 5 16 0,0-1-12 0,-1 2 30 16,1 1-4-16,1 0-9 0,0 1-12 0,1 3 7 0,0-1-6 15,0 1 18-15,0 1-6 0,0-1-5 0,2 3-11 0,-1-5 6 16,-1 1-4-1,1-3 12-15,-1-2-3 0,0 1-5 0,2-5-1 0,-1 2 0 16,0-5 0-16,2 1 1 0,-1 0-2 0,1-4-1 0,0-1-18 0,0 0-10 16,-1-2 0-16,0-3-46 0,-1 2-18 0,0-2-15 0,0-2-86 15,0 2-43-15,-2-3-4 0,1 3-185 0,4-4 245 0,-3 1-16 16</inkml:trace>
+  <inkml:trace contextRef="#ctx0" brushRef="#br0" timeOffset="3416.75">12728 7240 1619 0,'0'0'-102'0,"1"2"177"0,0 4-20 0,1 4-38 15,-1 3 22-15,-1 4 26 0,-1 2-18 0,-3 4 31 16,-1 1-20-16,-1 3-23 16,0 2-13-16,1-1 24 0,-1-1-22 0,2 6 47 15,1-2-16-15,0 0-17 0,1 6-28 0,1-4 11 0,0 0-19 16,-1 5 16-16,1-6-6 0,0 0-9 0,2-2-7 0,-1-7 4 15,0-2-7-15,3-6 6 0,0-4-14 0,-1-6-7 0,3 0-33 16,-2-4-17-16,-1-1 12 0,3-3-56 0,-3-2-21 16,2-4-3-16,0-3-68 0,0-4-73 0,0 0 65 0,0-7-154 15,3 4 205-15,-3-5 40 0</inkml:trace>
+  <inkml:trace contextRef="#ctx0" brushRef="#br0" timeOffset="3658.6">12737 7385 392 0,'-2'-27'116'0,"1"2"216"0,1-1-182 16,3 6-13-16,2 3-25 0,3-1-6 0,1 7 21 0,1 0-35 0,2 0 30 15,-2 6-21-15,-2 2-26 0,4-2-24 16,-3 3 19-16,2 2-29 0,4 2 11 0,0 1-7 0,-1 3-16 0,3 2-18 0,-2 2 6 16,-2 2-13-16,0 5 10 0,-2-1-1 0,-1 2-7 0,0 0-5 15,-2-2 12-15,0 3-12 0,0 0 9 0,-2-2-2 16,1-2-4-16,-2 2-3 0,0-1 1 0,-2 0-1 0,-1 0 9 16,-2 1-4-16,-2-1-2 0,-2 3-5 0,0-2 5 0,-4 2-4 15,-2 2 7-15,-2-2 2 0,1-1-6 0,-1 4-13 0,-1-6 9 16,1 1-12-16,-1 1 6 0,-1-1-10 0,1-3-12 0,0-2-44 15,0 1 13-15,3-1-18 0,2-1 1 0,1-4-25 0,5-4-24 0,0 1-121 16,-1-2-53-16,3 0 4 16,1-1 98-16</inkml:trace>
+  <inkml:trace contextRef="#ctx0" brushRef="#br0" timeOffset="3896.23">13293 7190 1487 0,'-6'4'-273'0,"4"2"464"0,1 5-69 0,0 3-104 0,-1 6-14 16,0 3 25-16,-2 0-19 0,1 7 55 0,-2-5-14 0,-1 1-13 0,1 6-27 15,-3-7 11-15,0 2-17 0,1 4 47 0,3-4-7 16,1 2-5-16,-1 3-38 0,2 0 18 0,0-2-25 0,-2 5 25 16,2-2-10-16,1-4-10 0,2 2-3 0,-1-11-1 0,1-3 2 15,1-4 4-15,2-3-19 0,-1-3-10 0,1-2-55 16,-2-2-18-16,-1-3 9 0,-1 0-74 15,0 0-27-15,0-3 2 0,0 2-120 0,0-4 144 0</inkml:trace>
+  <inkml:trace contextRef="#ctx0" brushRef="#br0" timeOffset="4153.46">13132 7309 398 0,'-3'-21'107'0,"2"3"228"0,1-1-198 15,0 1-21 1,3 1-22-16,3 1-16 0,-2 5 21 0,4 0-31 0,0 3 22 0,0-1-10 0,1 3-19 15,2 0-7-15,2 2 22 0,-2 0-27 0,4-2 19 16,1 5-14-16,0 0-24 0,1 1-23 16,0 0 14-16,-1 2-19 0,3 2 15 0,2 1-5 0,-2 3-9 15,1 3-2-15,-3 1 7 0,-3 1-5 0,1 2 11 16,-3 0-5-16,-2 2-8 0,-1 0-10 0,-2 0 9 0,-1-5-7 16,-3 2 24-16,-2-3-7 0,-1 0-7 0,-4 4-2 0,-2-2 3 15,-3 0-2-15,-1-2 2 0,-1 0 0 0,-3-1-4 0,-1 0-13 16,0-3 12-16,-3 0-12 0,-1 2 5 0,1-3-3 0,-1 1-7 15,0 0-43-15,0 0 12 0,2-1-20 0,1 0-7 0,2 1-3 16,1-4-16-16,0 0-23 0,1 1-12 0,0 0-8 0,3 0-114 16,4-1-7-16,1 0-34 0</inkml:trace>
+  <inkml:trace contextRef="#ctx0" brushRef="#br0" timeOffset="4798.7">14083 7100 1175 0,'1'-10'77'0,"2"4"44"16,-2-3-25-16,1 5-3 0,-2 1-11 0,1 0-12 0,-4 3 1 15,-2 0-21-15,-4 5-32 0,-1 2-11 0,-2 3-7 0,-5 3 8 0,0 3-1 0,-1 3 8 16,-2 7 12-16,1 0-1 0,-2 3-2 0,-4 6-13 16,-1-5 13-16,-1 5-17 0,-4 1 6 0,-2-3-4 0,3 2-7 15,-5 4-2-15,1 0 1 0,2 1 0 0,-7 10 2 16,3-4-4-16,-1 4-3 0,-5 5-46 0,7-6-2 0,0-3-8 15,-2 0-34-15,6-9-3 0,-1-5-1 0,3-1-6 0,10-7-23 16,3-4 30-16,4 2-91 0,2-8-51 0,2 2-13 0</inkml:trace>
+  <inkml:trace contextRef="#ctx0" brushRef="#br0" timeOffset="5810.6">14024 7546 1311 0,'-11'4'70'0,"0"1"26"16,1 2-77-16,-2 3 5 0,-1 0 9 0,-2 2 1 0,-5 2 16 15,1 1 13-15,0-1-16 0,-3 5-18 0,3 0 5 0,-1 4-15 0,-1 3 24 0,2-3 20 16,3 0-20-16,5-1 2 0,3-3-14 15,3 0-19-15,0 1-13 0,0 0 4 0,4-5-6 0,1-1 8 0,3-2-4 16,4-3-7-16,1-1-35 0,-1-1-2 0,4-4-4 0,2-1-3 16,4 1-7-16,5-2 6 0,2-2-71 0,1-2 22 15,0-2-15-15,2-2 98 0,-3-1-19 0,0-1-3 0,5-3-19 16,-1 2 15-16,1 0-1 0,-1-3 46 0,-3 1-5 0,0 1-8 0,0-4 6 16,-1 0 0-16,0 3 5 0,-3 0 8 0,-5 2 1 0,-3 1-4 15,2-3-17-15,-2 0 22 0,2 0-19 0,-4-1 24 0,-3 3-2 16,-3 0-9-16,-4 3 11 15,0-2 0-15,-5 3 8 0,1-2 24 0,-5 3-3 0,0 1 2 0,0-2-24 0,-4 6 15 0,1-3-16 16,-3 3 6-16,0 3-8 16,5-3-13-16,-5 4-12 0,0-1 17 0,-1 4-12 0,-3 1 14 0,1-1 1 0,1 4-12 0,1-2-6 0,-1 3 26 15,2 0-20-15,1-1 31 0,1 2-2 0,1 0-14 0,1-2-11 16,0 1 11-16,-1 0-9 0,5-3 21 0,0 2-5 0,3-1-7 0,2-1-14 16,1 1 8-16,2-4-8 0,1 0 8 0,4-3 2 0,0 2-1 15,2-2-1-15,1-3 0 0,1 2 0 0,0-2 15 0,2-2-8 16,-1 1-1-16,1-3-19 0,3-1 15 0,1 1-9 15,-1-1 31-15,2-3-11 0,0-1-13 0,2 0-5 0,-3-1 8 16,-2 0-4-16,1 1 4 16,-2 1 0-16,7-1-5 0,-2 0-10 0,-1-1 8 0,-2-1-7 0,-3-1 10 0,-2 2-4 0,-2 1-4 0,0 5-11 0,-2-2 9 15,-1 3-4-15,-1 0 18 0,0-1-3 0,-2 2-7 0,-1 2-7 16,1-1 1-16,-2 1-1 0,-1 1 6 0,1 1-3 0,-1 2-2 0,0 1-9 16,0 0 13-16,0 1-6 0,0 3 10 0,0 0-1 0,-1-1-10 15,1 3-20-15,0-3 1 0,0-1-7 0,1-1-8 0,0 0-7 16,0-2-6-1,0 1-8-15,1 0-5 0,1-2 3 0,-1-1-16 0,1 1 9 0,1-2 2 0,-1 2-4 0,2-3-42 0,0 0 9 0,1 0-111 16,-1-1 72-16,2-1 49 0,0-2 69 0,-2 2-10 0,2 1 8 16,-1-2-3-16,-1 0 16 0,2 0 12 0,-1-1 9 0,-1 1 29 15,2 2-19 1,-2-1 53-16,0 1-5 0,-1 1 0 0,0 0 8 0,1 0 8 0,-2 0 2 0,-1 0 24 16,0 1-12-16,0 1-15 0,-1 3-32 15,0 0 25-15,0 0-26 0,0 4 16 0,-1-2-20 0,1 3-21 0,-1 2-5 16,1 1-6-16,0 3 6 0,2 1-15 0,-2-2 5 0,1-1 0 15,-1 1-7-15,-1-2 13 0,2 3-13 0,1-3 9 0,-1 1-2 16,0 1-7-16,0-1-5 0,1-2 7 0,-1-1-4 0,1-1 15 16,1-2-2-16,-2-2-6 0,1-1-5 0,-1-2 4 0,0 1-5 0,0-1 0 15,-2-2-1-15,1 0-2 0,0-1-12 0,0-1 9 0,-1-1-10 16,1-4-5-16,-1 3-7 0,0-4-15 0,1-1-17 0,-1-1-3 16,0-1-3-16,2-1-11 0,-1 0 4 0,0-3 3 0,-1 2 25 0,-1-3 5 15,-2 1 9-15,1-1 23 0,1-2-5 0,0 1-10 0,-1-3-23 16,-1-1 13-16,1-2-13 0,0-1 31 0,0 1 7 0,-2-1 10 0,1 0-9 15,0-3 10-15,2 0-6 0,-1-1 23 0,2 1 2 16,2 2-10-16,1 1 17 0,0 4 8 0,4 0-4 0,2 2 2 0,-1 5 2 16,2 1-4-16,-1 2 16 0,-2 4 19 0,-2 1-7 0,2 3 32 15,-2-2-5-15,0 3-11 0,3 0-16 0,-1 0 4 0,3 4-12 16,-1-1-13-16,0 2-5 0,-4-1-4 0,2 5-9 0,-1 0 3 0,-1 1-4 16,2 0-6-16,1 0-1 0,0 3-9 0,1-2-4 0,0 1 11 15,1-2-9-15,-1 2 20 0,-1-1-7 0,0-1-3 0,-2 1-10 16,-1 0 8-16,-2-2-5 0,-2 1 6 0,-1 1-2 0,0-2-7 0,0-1 0 15,-2 0 1-15,-4 4-1 0,0-5 4 0,-4 2-1 0,-2 0-1 16,0-1-27-16,-1-1 7 0,-3 1-16 0,1-4-32 0,3 0-5 16,2-2-23-16,-5 2-33 0,3 0-24 0,-4-1-5 0,3 2-125 0,6-2-5 15,1 0-17-15</inkml:trace>
+  <inkml:trace contextRef="#ctx0" brushRef="#br0" timeOffset="6030.71">15205 7189 1730 0,'30'-18'-93'0,"-10"14"168"16,1 1-13-16,2 3-32 0,1 4 23 0,-6 3 35 16,-1 3-28-16,-1 2 46 0,-2 9-40 0,-1 1-34 0,2 7-18 0,-5 1 5 15,-1 1-4-15,-2 4 8 0,-3 1-2 0,-3-1-8 0,-1 10-13 16,-1-2 12-16,-3 5-14 0,-5 9 21 0,-4-1-4 15,-4 5-9-15,-9 8-27 0,-5-8-21 0,-5 2 4 0,-10 9-109 16,0-4-48-16,-5 4-12 0,-5 14-222 16,4-10 220-16</inkml:trace>
+  <inkml:trace contextRef="#ctx0" brushRef="#br0" timeOffset="15827.12">16543 8858 468 0,'-8'-6'132'0,"0"3"166"16,2 0-161-16,0 2-30 0,2-1-14 0,0 2-6 0,2 0-24 15,0 3-26-15,1 5-29 0,0 3 2 0,-1 5-10 0,2 4 15 16,0 3 1-16,2 1-2 0,-2 9-4 0,0 1 19 16,0 4-17-16,0 9 22 0,0-3-7 0,0 1-11 0,-3 6 3 15,3-3 0-15,0 0-1 0,3 8-10 0,0-3-2 0,0 6-2 16,0 10-12-16,-2-4 8 0,1 3-8 0,-1 0 23 15,0-7-8-15,-1-6-6 0,0 6-6 0,-2-9 5 0,-1-3-3 16,-1-4 15-16,2-7-4 0,0-5-5 0,-1-1 1 0,1-6 1 16,1-3-2-16,0-7-3 0,1-4 1 0,1-4 2 0,0 1-22 15,0-1-15-15,2-3-5 0,0 1-88 0,0-5-16 16,0-1-24-16,1 0-179 0,0 0 217 0</inkml:trace>
+  <inkml:trace contextRef="#ctx0" brushRef="#br0" timeOffset="16883.68">7820 9325 394 0,'-3'-11'105'0,"0"5"114"0,2 0-94 32,0-2 4-32,0 3-29 0,0 0 45 0,1 4-21 0,-2 1-26 0,2 0-63 0,-1 0 24 0,0 2-47 0,0 5 18 15,-1 3-1-15,1 2-9 0,1 10 14 16,0 3 8-16,0 0-7 0,0 10 8 0,0-6-10 0,0 7-11 0,1 13-8 0,1-6 6 15,0 4-8-15,1 7 19 0,-3-5-7 0,1-3-6 0,0 5-23 16,-1-5 19-16,0-1-21 0,-2 10 24 0,-1-3-3 16,2-2-12-16,0 3-2 0,0-6 4 0,-1-4-4 0,-1-4 9 31,2-6-8-31,-1-7-1 0,1 0-9 0,0-7 6 0,1-3-1 0,0 0 15 0,0-6-3 0,0 2-8 0,0-5-34 0,1-1 3 31,2-3-15-31,0-2-31 0,0-1 8 0,1 0-6 0,1-3 30 0,1-1-4 0,0-5 10 0,2 0 6 0,0-1-2 0,1-2-1 0,0 0-37 31,0-2 1-31,1 0-12 0,0-2-24 0,1-1-7 0,0 1-9 16,0 0-63-16,-1 0 8 0,-2 0-22 0</inkml:trace>
+  <inkml:trace contextRef="#ctx0" brushRef="#br0" timeOffset="17169.73">8200 9984 414 0,'-1'-6'-264'0,"2"3"482"16,0 2-58-16,1 1-94 0,0-3-12 0,0 3 32 0,-1 0-34 16,0 4 46-16,2-1-18 0,-3 3-24 0,1 4-29 15,0 2 22-15,-1 2-28 0,0 5 46 0,-1-3-1 0,0 6-15 0,-1 1-24 16,0 2 24-16,0 1-35 0,0 3 33 0,-2-5-13 15,2-2-9-15,-1-2-18 0,-1-4 5 0,1-1-7 0,1-4 7 16,-1-1-2-16,3-4-10 0,-1 3-14 0,1-5 16 16,0-2-18-16,1-1-56 0,1 2-52 0,-1-2-35 0,1-1-145 15,-1 0 145-15</inkml:trace>
+  <inkml:trace contextRef="#ctx0" brushRef="#br0" timeOffset="18264.8">7739 10488 775 0,'-24'13'-150'15,"15"-4"271"-15,3-1-20 0,1-2-44 0,1-1-1 16,1 0 10-16,2-2-15 0,0-1 31 0,1-2-11 16,0 0-14-16,1 0-27 0,3-2 35 0,0-1-39 0,1-1 50 0,1 1-8 15,1-1-20-15,4-4-9 0,2-2 17 0,0 2-26 16,5-4 15-16,-3 2-13 0,1 0-14 0,1 0-20 0,-1 0 12 16,-1 1-14-16,0 0 18 0,0 2 0 0,-2 1-7 0,1-1-10 15,-1 1 12-15,-3 3-14 0,2-2 12 0,-3 3-5 0,-1 1-7 16,1 1-85-16,-4 0-63 0,-1 1 17 0,1-1-359 15,3 6 303-15,1 2-31 0</inkml:trace>
+  <inkml:trace contextRef="#ctx0" brushRef="#br0" timeOffset="18469.05">8246 9611 1419 0,'-6'-7'85'0,"1"2"10"16,2-2 20-16,3 3-20 0,0 2-17 0,0 2-48 0,0 0 8 15,0 0-25-15,1 0 0 0,0 0 0 0,0 2-9 0,1 0-9 16,1 0 13-16,-1-1-14 0,1 1 19 0,-1-1-16 0,2 2-10 16,3-2-101-16,-2 3-51 0,2-3 15 0,1 3-286 15,0-1 267-15,2-3-22 0</inkml:trace>
+  <inkml:trace contextRef="#ctx0" brushRef="#br0" timeOffset="18833.68">8459 9965 1411 0,'-2'2'-53'0,"6"-1"87"15,3-1-4-15,0 0-20 0,5 0 13 0,-3-3 26 0,1-1-20 0,1-3 43 16,1 1-18-16,2-4-17 0,0-6-25 0,1-1 17 0,-2-4-19 0,2-2 16 15,-2 0-6 1,0-5-19-16,1-8-3 0,1 2 13 0,0-6-13 0,1-1 16 0,0 3 1 0,-1-5-8 0,0 0-16 16,-3 5 13-16,-2 4-16 15,-1 1 23-15,-4 2-4 0,1 0-7 0,-4 2-14 0,-2 1 14 0,-2 6-15 0,-4 1 9 16,1 3 1-16,-2 5-4 0,-1 0-2 16,1 6 8-16,3 1-5 0,-3 6 15 0,3 2-3 0,-2 5-10 0,1 7 2 0,-1 2 1 15,-1 4 0 1,0 1 1-16,0-1 3 0,0 6 2 0,0 5-5 0,1 6 6 0,1 2-5 0,0 0 14 0,1 8-1 0,1 0-4 0,-1 5-8 15,0 5 7-15,0-5-6 0,0 1 5 0,-2-2 0 0,1 0-2 16,-1 4-11-16,-1 1 9 0,3 3-7 0,-2 1 12 0,-1 0 2 16,2-5-9-16,-2-2-9 0,0-8 11 0,1-6-11 0,0-5-6 0,-1-6-26 15,5-3-22-15,-4-5-92 16,2-2-12-16,3-3-11 0,-4-4-84 0,5-4-15 0,-2-3-40 0</inkml:trace>
+  <inkml:trace contextRef="#ctx0" brushRef="#br0" timeOffset="19247.66">8530 10007 843 0,'-4'-3'205'15,"4"3"-177"-15,0 0 47 0,3 3-21 16,5-1 15-16,-2 2-3 0,3 3 33 0,0 2-26 0,-1-3-29 0,3 3-34 0,1-2 19 0,0 0-25 0,3-1 18 16,-1-2-3-16,0-1-10 15,6-3 2-15,1 0 17 0,0-3-14 0,4-1 20 0,-3-2-6 16,-1-1-17-16,4-5-2 0,-4-1 5 0,0 3-8 0,-2-2 1 15,-4-2-2-15,2 5-4 0,-1-4-7 16,-5 3 12-16,0 0-10 0,-4-3 24 0,0 5-7 0,1 0-8 0,-1-1-12 0,-2 4 9 0,-3-3-8 0,1 4 21 31,-3-2-2-31,-4 3-6 0,3-1-14 0,-2 1 15 0,1 1-13 0,-2-2 14 0,0 1 2 0,-1 0-11 0,-2-1-4 0,1 3 10 16,-2-1-9-16,2-1 9 0,1 1-5 0,-2 2-7 0,-1 0-4 31,-2 0 9-31,-1 0-4 0,2 2 14 0,-1 1 0 0,1 0-7 0,-3 4-19 16,2-1 16-16,0 0-15 0,0 1 20 0,0 3 0 0,1-1-7 15,-2 7-5-15,0 0 10 0,0-1-6 0,0 3 10 0,3 1-2 16,2 4-4-16,1 2-2 0,1 1 10 0,2 3-5 0,2 0 19 16,0 0-3-16,5 1-6 0,-1-1-1 0,3-1 4 0,2-4-2 0,1-1 2 15,2-4-2-15,-1-3-3 0,1 2-14 0,3-4 6 0,-1-4-8 16,1-3 10-16,1-4 0 0,-1-1 0 0,2-2-8 0,2-5 3 0,-3-2-1 16,0 0 11-16,-2-2-3 0,0-1-5 0,3-2-27 0,1-2-15 15,1 2-5-15,-4-3-88 0,0 1-22 0,-2 0-22 0,1-1-188 16,-2 0 220-16</inkml:trace>
+  <inkml:trace contextRef="#ctx0" brushRef="#br0" timeOffset="19791.97">9555 10084 1382 0,'0'3'94'0,"0"0"52"15,3 1-135-15,3 1 16 0,0-1-6 16,2 0-4-16,2-4 3 0,-1 3 10 0,2-4-8 0,3-1 2 16,-3-2-1-16,0-3-12 0,1-1 3 0,1-2 22 0,0-1-20 0,3-5 30 15,-1 0-10-15,-1-1-15 0,2-1-14 0,-6 2 6 0,-1 0-10 16,-1 0 8-16,-3 2-2 0,0-1-5 0,-3 0-4 16,-2 3 2-16,0 0-4 0,-2-2 11 0,-4 4-8 0,0 0-3 15,-1 1-18-15,-2 3 11 0,-1 2-9 0,-4 1 17 16,0 3-2-16,-1 1-8 0,-1 2-1 0,4 4 9 0,1 1-7 15,0 2 15-15,0 0-2 0,4 2-5 0,0 3-4 16,0 1 3-16,0 3-1 0,1 1 8 0,0 2-2 0,-1 3-2 0,2 5-11 0,1 3 15 16,0 1-11-16,2-1 16 0,1 0 0 0,1-1-8 0,0 0-1 0,3-3 4 0,-1-3-3 0,3 0 1 15,0-4 0-15,1-2-5 0,1-2-9 0,-1-3 12 16,2-3-9-16,2-5-9 16,0 0-10-16,2-2-27 0,0-2 28 0,0-3 20 0,1-5-5 0,1-2-2 0,1 1-11 0,-2-2-27 0,1-4-20 0,-1 1 17 15,0-1-15 1,-1-4 19-16,1 0-7 0,2 0-7 0,0-3-15 0,0-1-5 15,2 1 4-15,-1-2 17 0,-4 0 20 0,1-3 13 0,-2-1 19 16,0 3 12-16,1-1-8 0,3 3 11 0,-2-2 6 0,1 3 0 16,-1-1 10-16,0 0 15 0,-3 5-5 0,0 1 45 0,0 2-3 0,-2 2-2 15,-1 3-18-15,-2 0 19 0,1 2-19 0,-2 1 11 0,1 3 0 16,-1-1-8-16,0 2-15 0,0 3 15 0,0 1-15 0,-1 1 31 16,0 3-9-16,1 1-6 0,1 4-24 0,1 0 5 0,0 4-10 0,0 2-3 15,3-1-9-15,-1 1-8 0,1-1 3 0,1 1-2 0,0 0 4 16,0-2-5-16,2 1 0 0,-2-3-5 0,1-1-12 0,-1 0 15 15,0-1-12-15,0 2 18 0,-1-4-7 0,1-1-10 0,-1-4-35 16,0-5-19-16,-2-1-2 0,0-1-83 0,-2-2-17 0,-1 0-20 0,3 0-135 16,-5-1-31-16,2 0-34 0</inkml:trace>
+  <inkml:trace contextRef="#ctx0" brushRef="#br0" timeOffset="19950.06">10313 9868 693 0,'-4'-10'143'0,"-1"5"424"0,2 0-473 0,1 3-5 15,-1-2-11-15,-1 4-14 0,-2 2 9 0,0 4-22 16,-1 2-3-16,-1 5-5 0,-1 2-18 0,-1 5-9 16,-1 3 19-16,-2 5-22 0,-2 5 19 0,0 3-8 0,-1 1-11 0,-1 7-18 15,3 1 13-15,-1-2-15 0,1 4 19 0,1-8-3 0,1-1-8 16,0 2-28-16,0-8-21 0,2 3 2 0,-1-1-159 16,4-5-102-16,2-3-31 0</inkml:trace>
+  <inkml:trace contextRef="#ctx0" brushRef="#br0" timeOffset="20730.56">10568 9861 1293 0,'1'3'109'16,"3"1"44"-16,0 7-114 0,1 6 31 0,-1 3-1 15,-1 6-7-15,1 9 3 0,-2 1 12 0,-1 3-22 0,-2 13-14 16,-1-1-5-16,-4 1-13 0,1 3-15 0,-3-8 19 15,2-3-21-15,-1 4 18 0,3-3-7 0,-2 2-13 0,1 3-9 16,-1-8 9-16,0 0-10 0,1-3 17 0,-1-10-5 0,1-3-5 16,-3-3-11-16,2-11 7 0,2-5-7 15,-2-4-4-15,3-3-21 0,-1-1-12 0,-2-2-48 0,-1-5-5 0,0-2 8 16,-1-9 10-16,3-7-9 0,-2-5 7 0,0-4-8 16,3-2-3-16,-3 1 22 0,4 2 49 0,-1 1 9 0,2 2 12 0,2-4 2 15,0 1 9-15,1-2-5 0,2-4 16 0,2 3-2 0,1-3-4 0,-2-3-2 16,2 1 6-16,-2 3-1 0,2 1 26 0,2 5-1 0,-2 3 0 15,2 2-18-15,0 4 26 0,1 3-22 0,1 2 36 0,-1 2-1 16,-1 5-5-16,1-2-26 0,-1 5 21 0,0 2-22 0,0 0 22 16,-1 1-9-16,3 3-14 0,-2 1-22 0,2 2 17 0,2 1-16 0,0 0 16 15,0 6-5-15,3-1-10 0,-2 3-6 0,1 4 5 16,-2-2-4-16,1 1 3 0,-4 2-1 0,0-2-4 0,-2 1-7 0,-1 2 12 16,-1-1-8-16,-3-1 17 0,-1 0-3 0,-1 2-7 0,-1 0-7 0,-1 0 11 15,-3-1-9-15,-1-2 9 0,-1 2 0 0,-1-3-7 0,-1 0-3 16,-2 0 2-16,-2 1-2 0,-1-2-4 0,-1 1-8 0,-2 0-7 0,1-2-16 15,0 3 14 1,1-4-10-16,0 1 12 0,3-3 4 0,0 2-10 0,0 0-6 0,5-4 12 0,-1 2-12 0,2-2 6 0,2 0-3 16,1-1-7-16,2 0 1 0,2 0 6 0,2-2-1 0,2-1 14 15,1 1 6-15,2-1-2 0,1-1-3 0,-1 0 14 0,3-5-11 0,0-1 14 16,1 1-1-16,2-2-6 0,2-4-9 0,0 1 13 0,3 0-7 16,4-3 23-16,-2 1-7 0,2-4-8 15,1-1-9-15,1-1 8 0,-1 0-6 0,-1-1 13 0,1 1-2 0,-1-1-5 0,0-1 3 16,0 2-1-16,-1 1 5 0,-1 1 10 0,-2 2-2 0,0-1 2 0,0-2-13 15,-1 0 11-15,0 2-11 16,-3 2 4-16,-3-1 1 0,-2 5-5 0,-4 0-11 0,-2 0 9 0,-2 1-6 0,-1 2 22 16,-1 4-3-16,-3-3-3 0,-1 3-11 0,-2-1 4 0,-2 3-5 0,-3 2 1 15,0-1 4-15,-1 4 0 0,-2-1-20 0,1 2 14 0,-1 3-15 0,2 0 25 16,-2 3-3-16,2-1-4 0,-1 2-9 0,-1 2 7 0,2 1-5 16,1-1 12-16,3 3-7 0,-2 1-7 0,1 1 3 0,1 1 1 15,2 0 4-15,3 2 9 0,2 3 2 0,-2-1-3 0,5 4 2 16,-2-1 8-16,4 2-6 0,2-1 8 0,-3-2-6 0,3-3-1 0,-2 0-13 15,2-4 6-15,4-6-4 0,3 0 5 0,1-6 2 0,1-4-7 0,3 3-3 16,-1-5 13-16,2-1-11 0,-1 0 21 0,0-1-4 0,1-5-8 16,2-1-10-1,0-2 8-15,0-1-7 0,2-3 5 0,-2-4 0 0,0-2-6 0,1-3-8 0,0 1 10 0,0 0-10 0,-1-3 1 16,-2 3-22-16,1 1-15 16,0-3-59-16,-3 3-28 0,2-1 5 0,-4 1-101 15,2 6-37-15,0-1-34 0</inkml:trace>
+  <inkml:trace contextRef="#ctx0" brushRef="#br0" timeOffset="21170.12">11499 9879 1248 0,'-20'0'-161'0,"8"1"299"0,6 2-27 0,-1-2-50 0,0 1-4 16,3-2 13-16,-4 1-21 0,2 2 8 0,-1 1-17 0,1 3-18 15,-2-2-14-15,2 2 6 0,2 0-8 0,-3 0 26 16,4 1 3-16,-4 1 2 0,1 1-4 0,4 1 8 0,0-1-13 15,0 2 18-15,-3 4-5 0,1-1-7 0,0 5-20 16,1 0 21-16,2 0-25 0,-1 2 22 0,-2 1-5 0,3-1-13 0,-2 4-10 16,0 0 12-16,5-1-14 0,-2-1 26 0,-2-5-6 15,7-1-7-15,-6 1-13 0,4-4 9 0,3-1-10 0,-3-2 13 16,5-2-6-16,0-1-5 0,1-2-1 0,1-4-2 0,0 0 2 16,2-3 3-16,0 0 2 0,2-1 0 0,1-2-7 0,-1-3 9 15,2-2-8-15,0 1 13 0,-3-5-3 0,1 0-7 0,0-4-10 0,2 1 7 16,2-2-6-16,0 1 13 0,-1-1-3 0,0-2-4 0,-2 2-40 15,0-4 7-15,0 3-17 0,-3 0 0 0,-2 1-4 0,0 1-4 0,-1 0 10 16,-1 2 2-16,-1 2 4 0,-1-1 7 0,-1 4-3 16,1 2-7-16,-2-2 5 0,1 0 14 0,-2 2-4 0,-2 2 28 0,-1 0-2 15,1 1-3-15,0 3-3 0,0 0 7 0,2 1-3 0,-2 0 20 16,0 1 0-16,0 0-3 0,2-1 3 0,-1 4 24 0,-1-1-14 16,1 3 33-16,1-2-4 0,1 2-8 0,3 0-22 0,1-2 15 15,2 2-16-15,2-2 9 0,0-1-2 0,-3 1-16 0,2-2-8 0,4-2 10 16,-2 0-10-16,9-2 10 0,-3-3-8 0,0 0-6 0,3-5-8 15,1 1 10-15,-3-3-6 0,0 0 7 0,-1 0 3 0,-1 1-10 0,1-2-43 16,-1 0 2-16,-2-2-19 0,0 2-55 0,-4-3-24 0,-2 0-26 16,-1-2-135-16,-2 0-67 0,-2 1-20 0</inkml:trace>
+  <inkml:trace contextRef="#ctx0" brushRef="#br0" timeOffset="22058.84">11989 9504 1153 0,'-33'-12'-551'0,"20"10"984"0,4 4-123 0,4 1-192 16,-1 4-53-16,3 6 17 0,-1 3-36 0,0 10 39 15,-2-1 0-15,3 4-10 0,-4 5-17 0,-1 1 13 0,5 4-29 16,-4 3-2-16,4 0-11 0,1-6-12 0,-3 5-15 0,4-1 9 16,-2 0-10-16,2 7 11 0,1-5-3 0,0 6-5 0,1 4-7 15,-1-2 7-15,3-6-7 0,3 4-3 0,3-12-15 16,4-2-16-16,3-2-23 0,0-11 3 0,-1-5 2 0,2-4 3 16,1-8 10-16,1-4 5 0,5-3 10 0,-3-6 15 0,2-1-7 15,4-3 7-15,-3-3 4 0,1 0-11 0,1-4 13 16,-4-4 8-16,1-1-2 0,-1-2 16 15,2-1-3-15,-2-1-6 0,-3 0-3 0,-2-2 22 0,-5 1-13 0,0 3 44 0,-2 3-6 0,-2 1-8 16,-3 0-17-16,-1 4 10 0,-3-1-10 0,-1 4 13 0,-4 2-10 16,-1 2-8-16,-2-1-11 0,-1 3 0 0,-1 4 0 0,1-1 0 0,-2 4 1 15,2 0-2-15,-1 3-21 0,-1 3 12 0,0 1-12 0,-2 4 23 16,-1 0-4-16,3 2-4 0,-2 2-10 0,0 4 5 0,-2 1-5 16,2 4 10-16,-1-1 2 0,3 5-2 0,1 0-19 0,-1 0 21 0,2 1-18 15,3 0 20-15,0-1 2 0,2-3-11 0,2 1-3 0,0-3 7 16,2 0-6-16,2-4 6 0,3-4 1 0,1 1-3 0,0-6-14 15,0 0 12-15,2-1-11 0,1-4 27 16,0-1-2-16,2-1-4 0,2-1-15 0,1-3 13 0,-2-3-11 0,1 0 20 0,-1 0-1 0,2-3-8 16,0-2-2-16,0 0 7 0,0-2-5 0,-2 2 6 0,2-5-3 15,2 1-5-15,2-4-5 0,0-3 1 0,0 4 0 0,-1-3 5 16,-4 4-2-16,-1 2-2 0,0-2-13 0,0 5 15 0,-3 0-10 0,0 0 20 16,-4 4-2-16,0-1-11 0,0 3 0 0,-2 3 2 0,1 0-2 15,-2 2 1-15,-2 2 0 0,1 0-1 0,-2 3-1 0,0 1 2 16,0 3 0-16,0 3 2 0,-1 1-2 0,1 0-4 0,-1 4-8 0,1-1 11 15,0 1-8 1,0-1 13-16,0 4-6 0,1-2-10 0,2 1-18 0,-1-1 4 0,0-2-4 0,0-1 8 0,-1-3 7 0,2-1 0 0,-1-2-8 16,0-7 19-16,2 2-15 0,-1-2 25 0,-1-2-7 0,0 0-7 15,1-1 5 1,-1-5-1-16,0 4 4 0,0-5 4 0,1 1-4 0,-1 0-4 0,0-2-5 0,1 0 2 0,1-3-1 0,0-1 9 16,0-1 0-1,-1 4-1-15,2-4-8 0,-1 3 5 0,1-1-5 0,0-1 14 0,1 2-2 0,-1 1-1 0,0-2-10 0,2 3 12 0,-2-1-8 16,2 4 20-1,0 0-3-15,-1 3-7 0,-1-1-3 0,2 2 1 0,-4 0-1 0,2 3 2 0,-1 0-2 0,-1 2-1 0,1-1-2 16,-2 2 5-16,0 2-3 0,0 2 8 0,2-1-3 0,-2 3-5 0,0 3-15 16,2 0 11-16,-2 1-9 0,2 1 21 0,1 0-5 0,1 1-6 15,1 1-9-15,-1-2 8 0,0 0-4 16,0-1 12-16,0 1-2 0,1-2-6 0,-3-2 0 0,-2 0-4 16,6-2 3-16,-5 0 4 0,0-5-2 0,4 1 2 0,-5-4-12 0,6 0 8 0,-2-4-8 0,0 3 18 15,1-2-3-15,-2-3-3 0,2 1-6 0,1-3 2 0,0-1-2 16,0 0 10-16,1-2-3 0,0-2-2 0,0 0-4 0,-5-1 2 31,3 0 0-31,0 0 3 0,-1 2 2 0,1-3-4 0,0 1-12 0,-4 0 13 0,2 1-11 0,-2 0 21 0,-2 3-1 0,0 1-6 0,0 3-11 16,1 0 8-16,-1 2-7 0,0 0 16 0,-1 2-3 0,0 2-5 0,-1 0-14 31,1 2 14-31,0 2-11 0,-1 0 19 0,1 2-2 0,0 4-8 16,0 2-4-16,0 2 6 0,0 1-5 0,0 4 8 0,0 0 1 15,2 2-5-15,1-2-7 0,1 1 5 0,1 1-5 0,2-2 8 16,-1-1 0-16,1-2-4 0,2 0-13 0,0-1 16 0,3-3-13 15,-1-1 17-15,2-4-12 0,1-1-12 0,1 0-13 0,1-3 10 0,0 1-3 16,0-6 25-16,-3-2-12 0,2 1-15 0,0-3-53 0,1 3 5 16,0-4-13-16,2 0 4 0,0 1-10 0,1-3-7 0,-3-1-70 15,0 1-29-15,1 1-3 0,0-1-91 0,3 1 25 0,-1 0 6 0</inkml:trace>
+  <inkml:trace contextRef="#ctx0" brushRef="#br0" timeOffset="22658.74">13514 10064 1 0,'12'-19'68'15,"-1"4"17"-15,-4-2 55 0,4 0-31 0,-6 4 27 0,1-2-58 16,-3 4 39-16,0-4-15 0,0 4-18 0,-2-4 4 0,-1 4-5 15,0-1 6-15,-1 3-2 0,-3 2-12 0,0 1-6 0,-1 0-26 16,-1 2 8-16,-1 0-10 0,-1 2 9 0,1 4-2 0,-1-1 0 0,-1 2-25 16,0 4 7-16,-1 1-10 0,0 2 14 0,2 1-2 0,-1 0-1 15,2 4-30-15,0 1 25 0,0-1-24 0,0 6 26 0,2 1-1 16,-1 1-8-16,3-1-5 0,-1 3 11 0,3-2-9 0,0 1 11 16,0-3 1-16,1-1-10 0,0 3-12 0,2-1 15 0,1-1-17 15,-1-2 7-15,2-4-4 0,2-5-7 0,2-3-6 0,1-2 10 0,2-4-5 16,0 2 20-16,2-3-1 0,0 0-7 0,3-3-13 0,-1-4 15 15,3 0-13-15,-1 1 22 0,-1-2-5 0,1-2-9 0,-3-2-16 0,2-3 10 16,2-2-8-16,-2 1 21 0,1 2-4 0,-2-3-8 0,2 1-6 16,-1-1 7-16,-3 1-6 0,-1 3 8 0,-3-1 1 0,-3 2-5 0,1 0-7 15,3 2 8-15,-4 1-7 0,-2 1 12 0,-1 1-1 0,-2 1-7 16,3 1-7-16,-3 1 10 0,-1 1-6 0,0 2 15 0,-3-1 0 16,-2 2-8-16,0 0-14 0,-1 3 10 0,1 0-11 0,1 1 16 15,-1 1-1-15,-1 2-4 0,4 0-9 0,-4 3 11 0,4-1-7 16,0 1 14-16,0 1-6 0,4 1-8 0,-1-2-1 0,0 2 7 0,-1 1-2 15,2 0 6-15,-1-3-3 0,3 2-3 0,2-2-6 0,1 3 7 16,2-4-4-16,5-3 12 0,-3 1-8 0,6-3-7 0,1-2 7 16,2-1-2-16,1-1 4 0,-1-2 3 0,1-3-3 0,-2 0-1 0,-1-2-1 15,1-2 2-15,0-1-1 0,2 0 1 0,0-3 1 0,1 2 1 16,-3-4-15-16,1 4 16 0,0-3-14 0,-1 2 21 0,0-1-1 16,-1 1-10-16,-1-2-3 0,2 2 2 0,-2-1-2 0,-3 3 4 0,-1 1 2 15,-1 3 0-15,1 0-6 0,1 3-2 0,1 2 0 0,-5-2 4 16,0 3 0-16,-2 0 3 0,-2 4-5 0,0 1 5 0,-1 2-5 15,2 0 7-15,-1 5-3 0,0 2-2 0,0 1-4 16,-2 5 4-16,2 0-3 0,-2 4-11 0,1 0-6 0,-1 2-15 0,-3 3 18 0,0 2 17 16,-1 0-6-16,-2 0 17 0,-1-2-4 0,-1-2-8 0,-1 5-34 15,-1-3 18-15,-1 0-16 0,-4 0 46 0,1-3-5 0,-4 0-1 0,-2 2-17 16,0-2 13-16,-3 0-7 0,3-3 18 0,-1-3 1 0,2-1-11 16,0-1-10-16,3-3 9 0,-2-3-7 0,3 1 18 0,1-9-1 15,1 2-3-15,2-4-13 0,2-4 13 0,0 1-10 0,4-7 19 16,1-6-3-16,3-1-10 0,1-6-18 0,3-3 13 0,0-3-11 0,3-1 20 15,5-3-7-15,0 3-7 0,2-2-34 0,3-1-11 0,3 1-9 16,4-2-98-16,2 3-42 0,2-4-41 0,0 1-187 0,2 0 243 16</inkml:trace>
+  <inkml:trace contextRef="#ctx0" brushRef="#br0" timeOffset="22760.1">15136 9926 943 0,'-4'6'179'0,"-1"3"587"0,-1 1-730 0,-2 0-35 0,1 0-29 0,-3 2-339 15,0-1 245 1</inkml:trace>
+  <inkml:trace contextRef="#ctx0" brushRef="#br0" timeOffset="39963.11">6939 11981 256 0,'-21'-16'23'0,"8"7"468"0,3 5-193 0,1-2 14 0,1 3-232 0,3 2 15 16,3 0-30 0,0 1-8-16,2 0-17 0,0 4-17 0,0 3-23 0,0 4-5 0,0 5 21 0,0 3-1 15,0 7 0 1,2 6-2-16,0 3 10 0,1 2-8 0,-1 8 13 0,0-4 1 0,1 2-6 0,1 8-23 0,-2-6 17 0,1 1-22 31,0 11 23-31,-1-4-6 0,-1 2-13 0,0 12-2 16,-1-7 1-16,1-3-1 0,-1 1-4 0,0-15-11 0,1-5-5 0,-1 0 1 15,0-11-12-15,0-2 17 0,-1-5-30 0,1-3-7 16,0-5-2-16,1-2-58 0,-1-1-1 0,0-5-10 0,0 1-79 16,-1-5-12-16,0-5-26 0</inkml:trace>
+  <inkml:trace contextRef="#ctx0" brushRef="#br0" timeOffset="40248.92">6883 12247 499 0,'-6'-48'160'16,"2"11"-96"-16,1 0 61 0,3-4-19 0,0 9 21 0,0 1-32 15,3 1 25-15,3 6-22 0,1 3-32 0,0 4-14 16,1 3 18-16,1 2-26 0,0 0 12 0,1 5 1 0,0-2-9 16,2 5-3-16,0-2 12 0,-1 3-20 0,5 3 10 0,1 0-6 15,-3 2-13-15,6 3-11 0,-4 1 19 16,2 5-23-16,5 0 10 0,-2 0-8 0,-2 1-11 0,-1 5 3 0,-3 1 0 15,-2 1 1-15,-2 4 3 0,-3-2-3 0,-2 4-1 0,-3 2-11 16,-3 1 13-16,0-1-12 0,-5 5 21 0,-3-4-2 0,-3 1-7 16,-3-3-12-16,-2-5 13 0,1-4-12 0,-1 0 22 15,-3-3-7-15,0 2-9 0,-3-1-10 0,1-2 8 0,1-2-4 0,4-2 11 16,1-2-3-16,2-1-6 0,2 0-5 0,0-3-2 0,1-1 1 16,1-2-6-16,2 0-7 0,1-1-4 0,2-2-40 0,2-1 9 0,2-2-14 15,1-4-8-15,2 1-12 0,5-2-18 0,1-4-49 0,3 2-21 16,3 0 0-16,2-1-95 0,2-1-15 0,-1 1-28 0</inkml:trace>
+  <inkml:trace contextRef="#ctx0" brushRef="#br0" timeOffset="40519.93">7458 12082 359 0,'7'-1'126'16,"-1"-1"185"-16,-1-1-109 0,-3 0-24 0,0 3-38 0,-1-3-24 16,-4 3 21-16,1-4-45 0,-3 1-21 0,-4 0-14 0,1 1-27 15,-5-1-26-15,3 1 13 0,-3 1-18 0,-1 1 8 0,1 0 4 16,-3 1-10-16,0 2-7 0,0 1 16 0,-1-1-13 0,2 4 13 15,1-2-6-15,1 2-11 0,1 0 1 0,2 3 10 0,2 1-3 16,1 0 11-16,2 4-2 0,0-2-10 0,4 4-5 16,1 2 10-16,1 1-8 0,1 3 4 0,3-5 6 0,0 0-3 0,2-2-15 0,3-1 11 15,0 2-13-15,2-4 23 0,1-3-2 0,0 1-4 0,3-3-15 16,0-3 13-16,-1 0-10 0,0-5 20 0,2 0-6 16,-1-4-8-16,3-2 2 0,-1-1 0 0,2-2 2 0,-2-1-1 0,-5 0 4 0,2-4-4 15,-4 0-1-15,-1-1 4 0,2-1-4 0,0 0-5 0,-1-2-6 16,-2 1-5-16,-1-3-47 0,-1 0-2 0,-3 1-10 0,1 0-17 15,-3 0-5-15,-1 3-8 0,-1 0-66 0,-1 2-19 0,0 2-10 0,0-1-75 16,0 3 153-16,2 1 0 0</inkml:trace>
+  <inkml:trace contextRef="#ctx0" brushRef="#br0" timeOffset="41058.6">7656 12037 1033 0,'1'2'86'0,"2"2"30"0,1 0 10 0,1 2-15 0,1 1-15 16,-1 3-35-16,2-1 7 0,1 4-25 0,2 6-4 16,-1 0-8-16,4 5-13 0,0 4-11 0,-1 0 9 0,0 0-12 15,0 2 12-15,0 0-10 0,1-3-4 0,0 5-3 0,-1 0 4 16,0 1 0-16,-3 2 8 0,2 1-4 0,-1 2-8 0,-1 5-5 16,2 2 9-16,-2 3-6 0,0-2 3 0,0-1 4 0,-2-6-2 0,-3-4-15 15,0-6 17-15,-1-3-15 0,0-5 21 0,1-6 2 0,-2 1-11 0,-2-3-17 16,0 2 20-16,-2-4-19 0,1 0 17 15,0-3-7-15,-1-1-14 0,-1-4-29 0,1-1 9 0,0-1-10 0,-2-1 15 0,1-3 4 16,0-4-5-16,-1 1 18 16,1-7 2-16,-1 0 1 0,0-3 2 0,1-1 4 0,0-2 5 0,2-4-9 15,1-3 1-15,0-6-3 0,4 0-10 0,-3-4-19 16,1-3-16-16,-1-5-37 0,-1-2 11 0,0 0-7 0,-2-1 46 0,-2 2 11 0,0 5 7 0,-2 1 29 0,1 1 0 16,0 1 9-16,1-1 19 0,-1 2-2 0,3 1-1 0,0 3-19 15,2 2 32-15,2 4-22 0,1 4 60 0,0 3-13 0,1 3-11 0,1 2-20 31,-1 1 21-31,3 1-15 0,0-1 24 0,0 6 1 0,1-2-17 0,1 2-8 0,4 1 19 0,-3 3-19 0,4 0 10 0,-2-1-10 16,-2 3-8-16,2-1-3 16,0 2-3-16,4 0 2 0,1 3-9 0,1 1-3 15,1-1-6-15,0 0-7 0,0 4 9 0,-2-1-7 0,-4 3 9 16,1-2-9-16,-3 2-8 0,1 2 6 0,-1 1 4 0,-4-2 2 0,-2 3 0 0,-3 0-2 0,-2 3-4 0,-3-1 7 0,-3 0-2 16,-1 1 2-1,-2 2-2-15,-3-1-3 0,-1 3-1 0,-3-2-2 0,-3 0 2 16,0-4-1-16,-3 0 1 0,0-2-2 0,0-1-2 0,-2 0-9 0,3 1 7 0,0-2-8 0,1-1 2 0,6-3-4 15,-3 0-3-15,2-3-23 0,2 0-2 0,1-2-4 0,5 1-12 0,0-2-2 0,2 0-7 32,2-2-43-32,3 0 8 0,0-2-19 0,3 0-14 0,4-5-12 15,1 2-12-15,3-2-58 0,3 1-6 0,0-2-11 0</inkml:trace>
+  <inkml:trace contextRef="#ctx0" brushRef="#br0" timeOffset="41469.94">8125 12173 69 0,'18'-14'67'0,"-2"2"7"0,1 1 73 0,-3 0-3 0,1-3-32 16,-2 5 27-16,0-1 33 0,-2 2-45 0,-1 0 22 0,-2 2-17 15,-1 1-29-15,-2 0-25 0,-1 3 10 0,-1 0-25 0,-1-1 14 16,-1 3-13-16,-1 0-12 0,0 0-26 0,0 2 13 0,0-1-15 16,0 5 1-16,-1 1-3 0,0 2-10 0,-1 1-13 0,1 1 8 15,0 3-8-15,-2 2 11 0,2 2-3 0,0 0-5 0,-1 2-7 0,2 3 7 16,0-3-4-16,1 2 7 0,1 0 2 0,2-3-6 0,-1-1-10 16,1 1 14-16,2 0-13 0,1-2 18 0,-1-5-3 0,1 1-7 0,1-6-8 15,0-1 5-15,1-3-5 0,2 1 13 0,-2-4 1 0,1 0 0 16,3 0-11-16,-4-4 5 0,2 1-4 0,1-4 16 0,-3-2-3 15,3 1-4-15,2-4-4 0,-3-1 6 0,3-3-4 0,-1-2 2 16,-1-2 6-16,4-1-1 0,0 0-18 0,-2-2 19 0,0 0-18 16,-3 1 35-16,-2-1-6 0,0 1-8 0,-4 2-9 0,0-2 9 0,0 2-8 15,-3 1 8-15,-1 2 2 0,0 1-5 0,-1 0-15 0,0 2 9 16,0 3-8-16,-1 1 17 0,-1 5-5 0,0 2-5 0,-1 2-7 16,3 1 13-16,-1 0-7 0,2 1 22 0,-1 2-7 0,1 4-11 0,-1 3-4 15,0 4 7-15,2 5-5 0,-1 4 16 0,1 2-8 0,-1 1-4 16,2 4-14-16,1 0 8 0,-1 4-3 0,1 2 21 0,-1-7-4 15,1 5-9-15,1-4-12 0,1 2 10 0,-1-2-7 0,1-2 12 0,-1-4-5 16,3 1-6-16,-1 0-9 0,3-2 10 0,0-6-5 0,0-1 13 16,2-3-2-16,-2-7-7 0,0 1-4 0,-1-1 4 0,1-5-2 15,-1 1 6-15,0-2-3 0,-1-2-3 0,2-2-34 0,0-2 4 16,0-3-13-16,1-5-34 0,-1 2-23 0,2-5-27 0,0 1-39 0,1-1-30 16,1 1 10-16,2 0-107 0,-2 2-10 0,2 0-24 0</inkml:trace>
+  <inkml:trace contextRef="#ctx0" brushRef="#br0" timeOffset="42814.87">9074 12170 671 0,'-5'3'157'0,"2"-3"399"0,1 0-441 0,2 0-30 0,0 0-37 0,3 0-22 0,-2 0 12 0,4-1-16 0,1-6 20 31,0-1-5-31,2-5-13 0,-1-1-17 0,-2-1 19 0,3-5-22 0,0-2 24 0,0-2 0 0,2 1-5 0,0-5-21 15,3-1 17 1,0 1-18-16,-1-3 25 0,-1 0-6 0,1-5-9 0,0 0-9 0,0-2 4 0,0 1-4 0,-2 0-1 0,-2 1 6 0,-4-1 0 0,-1 0-7 31,0 3 1-31,-2 1-2 0,-1 4 8 0,0 5-3 0,-4 1-3 16,1 1-2-16,-3 3 1 0,0-2 0 0,-2 6 2 0,0 1 3 0,0 5-1 0,1 5-9 0,2 0 7 16,-1 4-6-16,0 1 15 15,1 3-5-15,-2 2-6 0,-1 7-7 0,0 4 8 0,1 1-6 0,-2 5 13 16,0 2 4-16,0 5-1 0,1 6-11 0,1 6 13 0,3 6-12 15,0 4 17-15,2-3-2 0,0-1-11 0,-1 3-12 0,2-5 16 16,-1 2-14-16,2-2 18 0,0 1-4 0,1-1-9 0,3 6-11 16,0-1 12-16,1-4-9 0,1-6 19 0,1-6-7 0,3-8-9 0,4-5-30 15,0-4 11-15,3-3-15 0,2-4 5 0,1-3 10 0,1-1-1 16,-1-4 1-16,-1-1 16 0,1-2-11 0,1-2 25 0,1-1-3 16,1-4-11-16,4-1 0 0,-1-4 7 0,0-2-5 0,0 0 9 15,-4-3 1-15,4 1-3 0,0-3-6 0,-2 1 5 0,1-1-4 0,-2-2 10 16,-5 2 2-16,-2-4-2 0,0 2-9 0,-1 0 14 0,-4 1-11 15,-1 1 21-15,-3 3 4 0,-3 0-3 0,0-1-18 0,-4 1 14 16,-3 3-14-16,-1 0 17 0,-3 3-3 0,0 2-6 0,-2 1-10 16,1 0 6-16,-1 2-7 0,-2 3 6 0,1 1-2 0,-1 1-4 0,0 0-6 15,-3 3 2-15,2 2-4 0,0 0 10 0,0 4-1 0,1 3 0 16,0 1-14-16,-1 6 13 0,0 0-11 0,2 6 16 0,4-1 3 16,-3 0-4-16,1 2-10 0,-1 1 0 0,0 1-5 0,3-1 13 0,3 0-1 15,1-2 2-15,3-2-9 0,1 2 6 0,0-3-5 0,3-1 8 16,0-2-4-16,0-2-7 0,5-5 9 0,-1-2-3 0,0-3 6 15,2-2-2-15,0-2-2 0,1-2-1 0,0-1-10 0,4-1 11 16,-1-2-7-16,2-2 20 0,-2-3-1 0,-2-1-7 0,2-1-8 0,1-2 3 16,1-2-2-16,0-2 8 0,-1 1-1 0,-1-2-2 0,-3 0-14 15,0-4 12-15,0 2-9 0,-1 1 20 0,0 0-4 0,-1-3-8 0,0 1-5 16,-2-2 6-16,0-1-5 0,-2 4 7 0,-1 0 1 0,1 2-5 16,-3 3-12-16,-1 0 17 0,2 1-14 0,-4 3 18 0,0 1 0 15,0 0-9-15,-1 4-4 0,0 2 9 0,1 1-6 0,1 0 0 16,-2 2 0-16,-1 2-10 0,-2 3-4 0,2 3 15 0,-1 3-12 0,1 3 16 15,-1-1 2-15,-3 4-6 0,2 2-12 0,0 0 16 0,1 3-13 16,3-1 17-16,0-3-2 0,0 1-7 0,1 1-12 0,-1-1 2 16,3-2-6-16,2 0-9 0,1-3 6 0,1 0 0 0,4-1-2 15,-1-1 5-15,1-4-3 0,0-2 21 0,-3 0 1 0,3-3 1 0,3-2-6 16,2-1 4-16,4-1-3 0,-2-1 7 0,-2-1-2 0,0 3-3 16,1-5 0-16,0 2 7 0,0-3-4 0,-2 4-3 0,-1 0 5 15,0-1-7-15,2 1-7 0,-1-1 23 0,0-1-17 0,1 1 22 16,-1 0-6-16,-1-1-12 0,0 3-9 0,0-2 14 0,0-2-9 0,0 2 16 15,2 0 0-15,0-1-10 0,1 0-6 0,-2-2 9 0,2 1-9 16,1-2 6-16,-3 3 2 0,-3-2-4 0,2-2-13 0,-2-5 11 16,0 0-13-16,4-3-5 0,-4 2-30 0,-1 0-25 0,0-3-95 0,-1-2-17 15,-2 0-13-15,1 0-99 0,-5 0 0 0,4 2-21 0</inkml:trace>
+  <inkml:trace contextRef="#ctx0" brushRef="#br0" timeOffset="43178.35">10345 11461 498 0,'-13'-16'230'0,"7"9"-116"0,1 1 136 0,2 5-124 16,2 1 4-16,-2 1-35 0,3 6-15 16,-1 2-11-16,0 4-16 0,1 4-21 0,-1 2 15 15,1 7-22-15,1 5 17 0,1 2-3 0,2 5-7 0,-2 5-8 16,0-1-5-16,2 2 1 0,0-1 3 0,2-4-8 0,-1 0-1 0,2 2-21 16,-1-1 9-16,-1 4-5 0,2 0 20 0,-1 1-8 0,0 0-9 0,3 3-13 15,-2-7 15-15,1-3-9 0,1-7 19 0,2-7-3 0,2-3-9 0,2-9-20 16,3-4 19-16,-2-1-14 0,2-4 28 0,-4 1-1 0,2-3-11 15,0-1-13-15,0-1 17 0,-3-4-14 16,-1-4 24-16,1-1-4 0,0 0-11 0,2-4-10 0,-1-4 10 0,1 2-6 0,0-4 22 0,-1-2-8 0,0 0-8 16,-2-4-2-16,-1 0 8 0,1 0-3 0,-2 0 6 0,-3 4 1 15,0 1-10-15,-1-2 0 0,-2 2 22 0,0 2-14 0,-1 2 36 16,0 4-4-16,0 6-12 0,-1 1-9 0,0 1 11 0,-2 3-12 16,0 0 9-16,0 2-5 0,-1 2-4 0,0 3-22 0,0 0 9 0,1 5-10 15,-1 3 17-15,0 6-2 16,-1 1-5-16,-2 5-19 0,2 1 14 0,-2-1-12 0,1 2 27 0,1-2-4 0,-2-1-8 0,3 1-26 15,-1-4-8-15,1-6-6 0,1 1-40 0,0-6-5 0,0 0-9 0,1-1-48 16,1-3-21-16,0-5-2 0,0-1-68 0,0-1 7 0,0-6-6 16,0-2-70-16,5-4 175 0</inkml:trace>
+  <inkml:trace contextRef="#ctx0" brushRef="#br0" timeOffset="43305.75">10817 11846 561 0,'-8'-26'219'15,"0"-3"-50"-15,0 2-21 16,1-1-80-16,-3-2 46 0,2 2 4 0,0 2 0 0,0 7-30 0,3 8 20 0,2 3-43 0,1 4-12 0,1 3-15 15,0 1-21-15,0 1-27 0,0 5 11 0,0 1-12 0,-1 5 21 16,2 4-3-16,0 2-6 0,2 1-39 0,0 3-11 0,2 3-12 16,2-2-96-16,1 0-41 0,0 1-37 0,2-2-163 0,4 4 221 15</inkml:trace>
+  <inkml:trace contextRef="#ctx0" brushRef="#br0" timeOffset="43856.78">11327 12147 1985 0,'-7'-17'-80'0,"4"5"154"0,-2 2-21 0,1-3-27 0,-3 0-27 15,-2 1 14-15,-3-2-18 0,-4 2 27 16,-1 2-12-16,-1 0-10 0,-1 3-21 0,4 4 13 0,-3 0-10 0,2 2 22 0,0 1 1 0,-1 0-5 0,3 1-8 0,1 3 6 16,2 1-6-16,2 2 8 0,1 0-2 0,0-1-5 0,2 6-6 15,0-1 9-15,1 2-7 0,1 3 15 0,3-1 3 0,-1 2 0 0,3-1-10 16,2 0 0-16,3-2-4 0,2 0 10 0,0-3-1 15,-1-1 1-15,2-2-11 0,2 0 6 0,0-2-6 0,1-2 11 0,2-1 1 16,-1-2-4-16,1-1-3 0,-1-1 10 0,2-2-6 0,-2-1 14 0,2-5 5 16,0 1-4-16,1-3 9 0,2 1 11 15,-2 1-7-15,2-1 13 0,1-1-7 0,-2-1-9 0,1 2-4 0,-5-2 4 0,-1 2-4 16,2-1-1-16,-4 2-3 0,2 3-3 0,-2-1-8 0,-1 4 0 16,0-3-1-1,-1 3 1-15,-2 3-2 0,-2-1-2 0,-1 1-7 0,-1 1 4 16,0 1-3-16,0-1 6 0,0 5 3 0,-2 0-4 0,0 1-8 15,0 4 6-15,-2 1-6 0,2 0 14 0,0 1 1 0,-1 0-3 0,-1 0-17 16,-1 0 13-16,3-1-13 0,-3-1 19 0,5 0-5 0,-2-3-6 16,1 2-11-16,1-3 6 0,-1-1-4 0,2-4 12 0,1 1 0 15,0-2-5-15,1-2-5 0,-1 1 12 0,1-2-7 0,-2-1 9 16,3-1 1-16,-1-1-6 0,2-5-6 0,1-2 7 0,-1 1-6 0,2-2-1 16,0 0 2-16,0 0-6 0,4-3-5 0,1-1 14 0,1 2-10 15,2-2 18-15,-2 1-2 0,0 0-6 0,0 3-7 0,0-3 12 16,-1 3-7-16,0 0 14 0,0 0 0 0,0 4-7 0,0 2-10 0,1 0 10 15,-3 3-8-15,2-1 13 0,-1 2 0 0,1 3-5 0,0 0-7 16,-1 2 11-16,-4 2-8 0,1 1 22 0,-2 2-1 0,1 1-3 0,4 4-10 16,1 5 8-16,-2 1-6 0,2-1 11 0,-3 6-7 0,1 0-8 15,5 3-4-15,-6-1 2 0,1 5 0 0,-2-1 5 0,-3-2 0 16,1 0-5-16,-1 1-19 0,-2-2 20 0,2-2-16 0,-1 1 6 16,0-5-7-16,0-4-24 0,0 1-25 0,0-3-11 0,0-2-14 0,1-3-167 15,1 1-96-15,1 3-83 0</inkml:trace>
+  <inkml:trace contextRef="#ctx0" brushRef="#br0" timeOffset="49014.78">26307 9247 256 0,'-19'-26'-1'0,"9"16"-11"0,4-2-1 15,-1 4 2-15,0-2-2 0,-3-1 3 0,0 4 2 16,-3 0 21-16,1 0-2 0,1 4-10 0,0-3-28 0,-3 3 27 15,0 2-31-15,-1-1-1 0,2-2-4 0,-3 4-26 0</inkml:trace>
+  <inkml:trace contextRef="#ctx0" brushRef="#br0" timeOffset="53866.08">7018 14070 256 0,'0'-34'6'0,"1"17"139"31,-1 4-30-31,2 2 16 0,-3 0-39 0,1 1 21 0,0 2-28 16,-1 1 38-16,1 4-16 0,1-2-21 0,-2 5-21 0,1 0 18 16,-1 0-29-16,0 0 7 0,1 0-18 0,-1 4-21 0,0 0-15 0,1 4 10 0,0 2-7 0,-1 8 12 15,-2 2-1-15,2 6-9 0,-1 2-5 0,1 1 13 0,0-2-12 0,1-1 16 16,-4 3-4-16,4-1-4 0,-2 6-16 0,0 1 11 15,1 1-10-15,-1 3 14 0,2-1 1 16,1 2-13-16,0 3-10 0,3 0 15 0,0-1-15 0,-3-3 21 16,2-4-3-16,-1-5-7 0,1-4-16 0,-1-4 17 0,-1-8-12 15,-1-2 17-15,0-5 3 0,0 0-13 0,0-4-6 0,1 0 11 0,0-3-11 16,0 0 7-16,-1 0 2 0,1-1-3 0,2-1-4 0,-1-5 11 16,4-3-9-16,-2-2 14 0,1-3-2 0,-1-3-4 0,-2-1-6 15,2-3 1-15,1-2-1 0,-1 2 1 0,1-1-2 0,2 3-6 0,-4-1-3 16,5 0 13-16,-2 2-6 0,1 0 13 0,3 2 0 0,-2 2-10 15,0 2-8-15,1 0 10 0,0 3-9 0,2 1 10 0,-1 1 5 16,0 1-2-16,0 2-14 0,0 1 7 0,0 1-9 0,0 3 24 0,0 0-7 16,-1 1-1-16,1 2-7 0,2 2 1 0,-2 2 0 0,1 0 3 15,0 2-5-15,2 2-4 0,0-1 9 0,-1 2-3 0,2 1 7 16,-2 3-5-16,-1 0 4 0,3-3-4 0,-1 4-14 0,1-1 18 16,0 0-17-16,1-1 16 0,0-1 5 0,-3-2-7 0,4-2-14 0,-1-3 11 15,1-4-11-15,0 1 22 0,-2-4-1 0,2-1-6 0,2-3-16 16,0-1 14-16,0 1-10 0,-1-5 26 0,-4 3-9 0,1-5-10 0,-2 1-1 15,-2-2 5-15,0 0 0 0,-1-2 4 0,1 1 3 0,-1-3-5 16,-1-3-19-16,0 2 19 0,-1 0-17 0,0-1 27 0,-3 1-2 16,-2 2-6-16,-2-1-32 0,0-1 20 0,-3 5-21 0,-3-3 26 15,1 3-6-15,-2-1-12 0,-2 4-5 0,1-1-2 0,-1 0 1 16,0 4 4-16,-1-1-5 0,0 1-1 0,-1 3 1 0,0-1 8 0,-2 3-2 16,1 1 15-16,0 4 1 0,1 0-8 0,-1 5-5 0,0 1 16 15,0 4-13-15,1 1 17 0,0 2-1 0,0 2-10 0,0 4 8 16,-1 3 8-16,7 0-3 0,0 2 6 0,5-1 2 0,-2 2-5 0,2 0 5 15,-1-1 7-15,0-1-6 0,3-2-2 0,-1-3-3 0,2 1-7 16,3-2-10-16,1-2 13 0,2-1-10 0,2-1 8 0,3-4 4 16,1 4-11-16,4-1-7 0,-1-2 16 0,4-2-15 0,-3 0 10 0,1-2-6 15,1-3-7-15,5 2-39 0,2-4-4 0,1-1-6 0,3-3-22 16,-3-1 6-16,-1 0-5 0,1-5 13 0,-2-1 7 0,1-3-1 16,-2-4 17-16,-7-2 8 0,2-1 6 0,0-4 11 15,-1 1 15-15,3-1-5 0,-1 3 20 0,-1-1 3 0,-3-2-12 0,0 0-8 0,-2 0 24 16,-3-2-19-16,0 0 42 0,-3 2-1 0,-1 0-2 0,-1-1 9 15,-3-2 1-15,-1 4 3 0,-2 1 3 0,-2 2-3 0,-1 3-9 0,-3 0-18 16,1 1 14-16,-3 3-17 0,0 1 4 0,-3-1-7 0,-2 5-10 16,0-2-10-16,-1 1 14 0,0 3-10 15,-2 0 14-15,2 2-4 0,-2 2-13 0,-1 3-7 0,1 1 12 0,-1 0-8 0,1 4 8 16,4-1-2-16,-1 2-7 0,-2-1 2 0,6 2-1 0,-2 1 4 0,3 2 5 16,2 0-1-16,2 0-2 0,1 2-9 0,1-1 13 0,0 0-11 15,2 0 11-15,3-3-2 0,-1 0-7 0,1 0 2 16,3-3 2-16,1 3 0 0,3-4 8 0,1 4 3 0,2-3-3 0,3 2 6 15,-1 1 11-15,3 1-6 0,0-2 14 0,2 1-6 0,0-1-4 0,2 5-11 16,0-1 14-16,2 2-9 0,0 4 9 0,-1-1-4 0,-2 5-15 16,0 1-6-16,-3 2 12 0,-1 0-11 0,-1 4 7 0,-5 1 0 15,2 2-4-15,-5 1-6 0,-5 3 5 0,-3-1-5 0,-1 0 11 0,-3-2-1 16,2-3-4-16,-4-1 1 0,-5 0 4 0,3-4-3 0,-9-1 4 16,0-6-5-16,0-2 1 0,0-3-6 0,-1 1 6 0,0-3-3 15,-1-1 12-15,-2-2-2 0,0-3-10 0,-2 0-12 0,3-5 17 0,0-1-14 16,3-3 18-16,0-3-12 0,2-1-11 0,-1-3-10 0,2-4-4 15,2-3 4-15,3-2 0 0,1 0-2 16,2-1-2-16,2-5-1 0,2 0 14 0,0 0-6 16,3-5 20-16,1 1 4 0,3-2-5 0,3-5-7 0,3 1 6 0,1-2-7 0,3-2 4 0,2-1 3 0,2-3-1 15,3-4-6-15,2 1 12 0,0 0-9 0,-2 0 7 0,2 6 3 16,-2-2-4-16,2-2-15 0,-3-1 14 0,1 3-12 0,-1 1 21 16,-1 2-3-16,2 2-6 0,-1-1-13 0,0 1 15 0,-1 1-11 0,-2 6 29 15,-2 2 0-15,-2 6-4 0,-1 3 2 0,1 0 16 16,-2 2-10-16,-3 5 15 0,-1 1-4 0,-2 3-13 0,0 4-23 0,-2-2 23 15,1 3-19-15,1 4 37 0,-1 1-10 0,1 3-16 0,-1 4-4 0,3 2 8 16,1 5-4-16,-2 4 1 0,1 1-1 0,-2 6-8 0,1 0-15 16,-3 6 19-16,1-1-16 0,0-1 20 0,-1 0-3 0,2-1-10 15,-1-2-2-15,-1-2 5 16,-1-3-4-16,1-2-1 0,-3-6 0 0,4-5-3 0,-3-3-32 0,1-3 9 0,-2-1-17 0,2-5-14 0,-2 0-8 16,-2-2-12-1,4-3-45-15,-4-2-27 0,0-4-3 0,1-6-200 0,-2 1 212 0,0-6-32 0</inkml:trace>
+  <inkml:trace contextRef="#ctx0" brushRef="#br0" timeOffset="54012.07">8837 13857 1006 0,'-9'-17'149'0,"0"4"-5"0,3 4-7 0,3 3-50 16,0 3-7-16,3 3-16 0,-2 0-20 0,2 0-40 15,0 0 13-15,-1 2-23 0,1 2 9 0,0 5-6 0,1 2-12 0,2 4-48 16,-1 1 3-16,1 1-19 0,1 3-50 0,0-1-31 0,2 4-31 15,2 1-150-15,3 2 195 0</inkml:trace>
+  <inkml:trace contextRef="#ctx0" brushRef="#br0" timeOffset="54603.88">9240 14595 1296 0,'0'9'-531'16,"-3"-13"948"-16,-2-1-146 0,3-2-195 0,-2 0-29 0,2-2 3 15,-1-1-4-15,-2-1 16 0,0-1-13 0,-2-1-14 0,0 0-32 16,-2 0 14-16,0 1-19 0,-2 1 18 0,0 2-1 16,0 2-4-16,-2 1-26 0,1 3 12 0,1 0-13 0,-2 2 27 0,2 1-5 15,1 0-6-15,-1 1-8 0,1 4 5 0,1-1-3 0,-3 2 8 16,5 1-2-16,-1 2-3 0,-1 3-8 0,4 2 10 0,1 2-7 0,4 2 14 16,3 1 0-16,-1 2-3 0,3 2-3 0,-1 1 9 0,3-1-9 15,4-1 10-15,-2-3-1 0,3 0-4 0,0-3-8 0,0-3 5 0,1 0-4 16,1-5 19-16,-1 0-5 0,0-4-2 0,4-2-14 0,0-1 9 15,-2-2-6-15,3-2 17 0,-2-3-6 0,1 2-10 0,-1-4 4 16,-2 0 2-16,-1-1 2 0,-2-3 1 0,-1 2 0 0,-1 0-2 0,0-6-3 16,-2 0 5-16,1-1-6 0,-3-2 2 0,2 3 2 0,-3-1 2 15,1-1-10-15,-3 1 7 0,3-2-7 0,-3 2 4 0,0-1 0 16,1 0-6-16,0-1-3 0,1 1 8 0,2 1-4 0,1 1 4 16,-1 3 3-16,3-3-3 0,-1 0-7 0,1 3 6 15,-1 1-6-15,1-2 11 0,0 4-1 0,1 1-3 0,2-1-4 0,1 3 5 0,-2 1-3 16,1 3 14-16,1 0 3 0,-4-1 0 0,2 4-19 0,-2-1 8 15,0 1-9-15,1 1 17 0,-1 5-2 0,-1 2-5 0,0 1-18 16,-1 1 15-16,0 2-12 0,-1 2 23 0,-1 1-6 16,0 1-11-16,-1 3-4 0,0 0 9 0,-2 3-4 0,1-1 15 0,0-1-6 0,0 3-5 15,0 3-13-15,1-2 10 0,-1 0-6 0,0-1 14 0,2-1-3 16,1-2-10-16,1-1-1 0,0 0 3 0,0-5 0 0,0-1 6 0,-1-7-1 16,2 0-2-16,0-2-14 0,2-4 14 15,-1 0-8-15,0 0 18 0,-1 0-7 0,0-4-10 0,0 0-3 0,0-5 4 0,2-5-1 16,0 0-5-16,1-3 5 0,3 0-8 0,-2-2-3 0,-1 0 15 15,5-3-14-15,0-1 12 0,-3 3 5 0,2 0-2 0,-2-2-15 0,1 2 17 16,1 2-13-16,2 1 27 0,-2 4-5 0,-2 1-9 0,0-1-10 16,-1 3 13-16,-1 2-8 0,0 0 16 0,-2 5-4 0,-1-2-8 0,0 3-11 15,-3 2 9-15,0 0-7 0,0 4 14 0,-1-1-2 0,1 5-4 0,-2 0-22 16,0 2 3-16,1 2-8 0,-1 2-13 0,0 0-11 0,1 1-15 0,0 4-82 16,1 0-15-16,0 1-5 0,2-1 6 0,-1 0-22 0,-1-2 6 15</inkml:trace>
+  <inkml:trace contextRef="#ctx0" brushRef="#br0" timeOffset="54731.39">10536 14724 1368 0,'1'2'199'0,"-1"-2"39"0,0 1-136 0,2 1-66 32,0-2-12-32,2 1-7 0,-1 4-10 0,0-2-28 0,3-2 15 0,-2 3-212 0,2-2-113 0,0 3-100 0</inkml:trace>
+</inkml:ink>
 </file>
 
 <file path=ppt/notesMasters/notesMaster1.xml><?xml version="1.0" encoding="utf-8"?>
@@ -2195,6 +2314,90 @@
 </file>
 
 <file path=ppt/notesSlides/notesSlide3.xml><?xml version="1.0" encoding="utf-8"?>
+<p:notes xmlns:a="http://schemas.openxmlformats.org/drawingml/2006/main" xmlns:r="http://schemas.openxmlformats.org/officeDocument/2006/relationships" xmlns:p="http://schemas.openxmlformats.org/presentationml/2006/main">
+  <p:cSld>
+    <p:spTree>
+      <p:nvGrpSpPr>
+        <p:cNvPr id="1" name=""/>
+        <p:cNvGrpSpPr/>
+        <p:nvPr/>
+      </p:nvGrpSpPr>
+      <p:grpSpPr>
+        <a:xfrm>
+          <a:off x="0" y="0"/>
+          <a:ext cx="0" cy="0"/>
+          <a:chOff x="0" y="0"/>
+          <a:chExt cx="0" cy="0"/>
+        </a:xfrm>
+      </p:grpSpPr>
+      <p:sp>
+        <p:nvSpPr>
+          <p:cNvPr id="2" name="Slide Image Placeholder 1"/>
+          <p:cNvSpPr>
+            <a:spLocks noGrp="1" noRot="1" noChangeAspect="1"/>
+          </p:cNvSpPr>
+          <p:nvPr>
+            <p:ph type="sldImg"/>
+          </p:nvPr>
+        </p:nvSpPr>
+        <p:spPr/>
+      </p:sp>
+      <p:sp>
+        <p:nvSpPr>
+          <p:cNvPr id="3" name="Notes Placeholder 2"/>
+          <p:cNvSpPr>
+            <a:spLocks noGrp="1"/>
+          </p:cNvSpPr>
+          <p:nvPr>
+            <p:ph type="body" idx="1"/>
+          </p:nvPr>
+        </p:nvSpPr>
+        <p:spPr/>
+        <p:txBody>
+          <a:bodyPr/>
+          <a:lstStyle/>
+          <a:p>
+            <a:endParaRPr lang="en-US" dirty="0"/>
+          </a:p>
+        </p:txBody>
+      </p:sp>
+      <p:sp>
+        <p:nvSpPr>
+          <p:cNvPr id="4" name="Slide Number Placeholder 3"/>
+          <p:cNvSpPr>
+            <a:spLocks noGrp="1"/>
+          </p:cNvSpPr>
+          <p:nvPr>
+            <p:ph type="sldNum" sz="quarter" idx="5"/>
+          </p:nvPr>
+        </p:nvSpPr>
+        <p:spPr/>
+        <p:txBody>
+          <a:bodyPr/>
+          <a:lstStyle/>
+          <a:p>
+            <a:fld id="{CA0EC183-1CB1-4231-B541-9312820F43C8}" type="slidenum">
+              <a:rPr lang="en-US" smtClean="0"/>
+              <a:t>7</a:t>
+            </a:fld>
+            <a:endParaRPr lang="en-US"/>
+          </a:p>
+        </p:txBody>
+      </p:sp>
+    </p:spTree>
+    <p:extLst>
+      <p:ext uri="{BB962C8B-B14F-4D97-AF65-F5344CB8AC3E}">
+        <p14:creationId xmlns:p14="http://schemas.microsoft.com/office/powerpoint/2010/main" val="1108599838"/>
+      </p:ext>
+    </p:extLst>
+  </p:cSld>
+  <p:clrMapOvr>
+    <a:masterClrMapping/>
+  </p:clrMapOvr>
+</p:notes>
+</file>
+
+<file path=ppt/notesSlides/notesSlide4.xml><?xml version="1.0" encoding="utf-8"?>
 <p:notes xmlns:a="http://schemas.openxmlformats.org/drawingml/2006/main" xmlns:r="http://schemas.openxmlformats.org/officeDocument/2006/relationships" xmlns:p="http://schemas.openxmlformats.org/presentationml/2006/main">
   <p:cSld>
     <p:spTree>
@@ -5628,11 +5831,11 @@
           <a:lstStyle/>
           <a:p>
             <a:r>
-              <a:rPr lang="en-US" sz="2800" b="1"/>
+              <a:rPr lang="en-US" sz="2800" b="1" dirty="0"/>
               <a:t>2025 </a:t>
             </a:r>
             <a:r>
-              <a:rPr lang="en-US" sz="2800" b="1">
+              <a:rPr lang="en-US" sz="2800" b="1" dirty="0">
                 <a:solidFill>
                   <a:schemeClr val="accent6">
                     <a:lumMod val="60000"/>
@@ -5643,13 +5846,13 @@
               <a:t>Green Path </a:t>
             </a:r>
             <a:r>
-              <a:rPr lang="en-US" sz="2800" b="1"/>
+              <a:rPr lang="en-US" sz="2800" b="1" dirty="0"/>
               <a:t>Summer Camp</a:t>
             </a:r>
           </a:p>
           <a:p>
             <a:pPr algn="l"/>
-            <a:endParaRPr lang="en-US" sz="2800"/>
+            <a:endParaRPr lang="en-US" sz="2800" dirty="0"/>
           </a:p>
         </p:txBody>
       </p:sp>
@@ -8696,6 +8899,57 @@
           </a:prstGeom>
         </p:spPr>
       </p:pic>
+      <mc:AlternateContent xmlns:mc="http://schemas.openxmlformats.org/markup-compatibility/2006" xmlns:p14="http://schemas.microsoft.com/office/powerpoint/2010/main">
+        <mc:Choice Requires="p14">
+          <p:contentPart p14:bwMode="auto" r:id="rId3">
+            <p14:nvContentPartPr>
+              <p14:cNvPr id="6" name="Ink 5">
+                <a:extLst>
+                  <a:ext uri="{FF2B5EF4-FFF2-40B4-BE49-F238E27FC236}">
+                    <a16:creationId xmlns:a16="http://schemas.microsoft.com/office/drawing/2014/main" id="{8EEDC112-0C08-7ACF-C607-EDFEF1D0E192}"/>
+                  </a:ext>
+                </a:extLst>
+              </p14:cNvPr>
+              <p14:cNvContentPartPr/>
+              <p14:nvPr/>
+            </p14:nvContentPartPr>
+            <p14:xfrm>
+              <a:off x="2472840" y="2386800"/>
+              <a:ext cx="6998040" cy="3206160"/>
+            </p14:xfrm>
+          </p:contentPart>
+        </mc:Choice>
+        <mc:Fallback xmlns="">
+          <p:pic>
+            <p:nvPicPr>
+              <p:cNvPr id="6" name="Ink 5">
+                <a:extLst>
+                  <a:ext uri="{FF2B5EF4-FFF2-40B4-BE49-F238E27FC236}">
+                    <a16:creationId xmlns:a16="http://schemas.microsoft.com/office/drawing/2014/main" id="{8EEDC112-0C08-7ACF-C607-EDFEF1D0E192}"/>
+                  </a:ext>
+                </a:extLst>
+              </p:cNvPr>
+              <p:cNvPicPr/>
+              <p:nvPr/>
+            </p:nvPicPr>
+            <p:blipFill>
+              <a:blip r:embed="rId4"/>
+              <a:stretch>
+                <a:fillRect/>
+              </a:stretch>
+            </p:blipFill>
+            <p:spPr>
+              <a:xfrm>
+                <a:off x="2463480" y="2377440"/>
+                <a:ext cx="7016760" cy="3224880"/>
+              </a:xfrm>
+              <a:prstGeom prst="rect">
+                <a:avLst/>
+              </a:prstGeom>
+            </p:spPr>
+          </p:pic>
+        </mc:Fallback>
+      </mc:AlternateContent>
     </p:spTree>
     <p:extLst>
       <p:ext uri="{BB962C8B-B14F-4D97-AF65-F5344CB8AC3E}">
@@ -9526,7 +9780,7 @@
         <p:spPr>
           <a:xfrm>
             <a:off x="1127914" y="4228366"/>
-            <a:ext cx="7353295" cy="1754326"/>
+            <a:ext cx="7353295" cy="2031325"/>
           </a:xfrm>
           <a:prstGeom prst="rect">
             <a:avLst/>
@@ -9559,7 +9813,19 @@
                 <a:latin typeface="Courier New" panose="02070309020205020404" pitchFamily="49" charset="0"/>
                 <a:cs typeface="Courier New" panose="02070309020205020404" pitchFamily="49" charset="0"/>
               </a:rPr>
-              <a:t>    </a:t>
+              <a:t>    color = 'region',</a:t>
+            </a:r>
+          </a:p>
+          <a:p>
+            <a:r>
+              <a:rPr lang="en-US" dirty="0">
+                <a:solidFill>
+                  <a:srgbClr val="FF0000"/>
+                </a:solidFill>
+                <a:latin typeface="Courier New" panose="02070309020205020404" pitchFamily="49" charset="0"/>
+                <a:cs typeface="Courier New" panose="02070309020205020404" pitchFamily="49" charset="0"/>
+              </a:rPr>
+              <a:t>    </a:t>
             </a:r>
             <a:r>
               <a:rPr lang="en-US" dirty="0" err="1">
@@ -11174,25 +11440,8 @@
                 <a:latin typeface="Courier New" panose="02070309020205020404" pitchFamily="49" charset="0"/>
                 <a:cs typeface="Courier New" panose="02070309020205020404" pitchFamily="49" charset="0"/>
               </a:rPr>
-              <a:t>    title="GDP per Capita Trends </a:t>
-            </a:r>
-            <a:r>
-              <a:rPr lang="en-US">
-                <a:solidFill>
-                  <a:srgbClr val="FF0000"/>
-                </a:solidFill>
-                <a:latin typeface="Courier New" panose="02070309020205020404" pitchFamily="49" charset="0"/>
-                <a:cs typeface="Courier New" panose="02070309020205020404" pitchFamily="49" charset="0"/>
-              </a:rPr>
-              <a:t>(1800-2022)",</a:t>
-            </a:r>
-            <a:endParaRPr lang="en-US" dirty="0">
-              <a:solidFill>
-                <a:srgbClr val="FF0000"/>
-              </a:solidFill>
-              <a:latin typeface="Courier New" panose="02070309020205020404" pitchFamily="49" charset="0"/>
-              <a:cs typeface="Courier New" panose="02070309020205020404" pitchFamily="49" charset="0"/>
-            </a:endParaRPr>
+              <a:t>    title="GDP per Capita Trends (1800-2022)",</a:t>
+            </a:r>
           </a:p>
           <a:p>
             <a:r>
@@ -12857,6 +13106,178 @@
     <p:extLst>
       <p:ext uri="{BB962C8B-B14F-4D97-AF65-F5344CB8AC3E}">
         <p14:creationId xmlns:p14="http://schemas.microsoft.com/office/powerpoint/2010/main" val="564066444"/>
+      </p:ext>
+    </p:extLst>
+  </p:cSld>
+  <p:clrMapOvr>
+    <a:masterClrMapping/>
+  </p:clrMapOvr>
+</p:sld>
+</file>
+
+<file path=ppt/slides/slide25.xml><?xml version="1.0" encoding="utf-8"?>
+<p:sld xmlns:a="http://schemas.openxmlformats.org/drawingml/2006/main" xmlns:r="http://schemas.openxmlformats.org/officeDocument/2006/relationships" xmlns:p="http://schemas.openxmlformats.org/presentationml/2006/main">
+  <p:cSld>
+    <p:spTree>
+      <p:nvGrpSpPr>
+        <p:cNvPr id="1" name=""/>
+        <p:cNvGrpSpPr/>
+        <p:nvPr/>
+      </p:nvGrpSpPr>
+      <p:grpSpPr>
+        <a:xfrm>
+          <a:off x="0" y="0"/>
+          <a:ext cx="0" cy="0"/>
+          <a:chOff x="0" y="0"/>
+          <a:chExt cx="0" cy="0"/>
+        </a:xfrm>
+      </p:grpSpPr>
+      <p:sp>
+        <p:nvSpPr>
+          <p:cNvPr id="2" name="Title 1">
+            <a:extLst>
+              <a:ext uri="{FF2B5EF4-FFF2-40B4-BE49-F238E27FC236}">
+                <a16:creationId xmlns:a16="http://schemas.microsoft.com/office/drawing/2014/main" id="{E653C8CE-06D8-17AE-6367-3BE5329AC4ED}"/>
+              </a:ext>
+            </a:extLst>
+          </p:cNvPr>
+          <p:cNvSpPr>
+            <a:spLocks noGrp="1"/>
+          </p:cNvSpPr>
+          <p:nvPr>
+            <p:ph type="title"/>
+          </p:nvPr>
+        </p:nvSpPr>
+        <p:spPr/>
+        <p:txBody>
+          <a:bodyPr/>
+          <a:lstStyle/>
+          <a:p>
+            <a:r>
+              <a:rPr lang="en-US" dirty="0"/>
+              <a:t>How Did We Do?</a:t>
+            </a:r>
+          </a:p>
+        </p:txBody>
+      </p:sp>
+      <p:sp>
+        <p:nvSpPr>
+          <p:cNvPr id="3" name="Content Placeholder 2">
+            <a:extLst>
+              <a:ext uri="{FF2B5EF4-FFF2-40B4-BE49-F238E27FC236}">
+                <a16:creationId xmlns:a16="http://schemas.microsoft.com/office/drawing/2014/main" id="{C3C2CF2F-83AE-56D4-3F80-F29DCD994214}"/>
+              </a:ext>
+            </a:extLst>
+          </p:cNvPr>
+          <p:cNvSpPr>
+            <a:spLocks noGrp="1"/>
+          </p:cNvSpPr>
+          <p:nvPr>
+            <p:ph idx="1"/>
+          </p:nvPr>
+        </p:nvSpPr>
+        <p:spPr/>
+        <p:txBody>
+          <a:bodyPr>
+            <a:normAutofit/>
+          </a:bodyPr>
+          <a:lstStyle/>
+          <a:p>
+            <a:endParaRPr lang="en-US" sz="3600" dirty="0"/>
+          </a:p>
+          <a:p>
+            <a:endParaRPr lang="en-US" sz="3600" dirty="0"/>
+          </a:p>
+          <a:p>
+            <a:r>
+              <a:rPr lang="en-US" sz="3600" dirty="0"/>
+              <a:t>Please fill in this </a:t>
+            </a:r>
+            <a:br>
+              <a:rPr lang="en-US" sz="3600" dirty="0"/>
+            </a:br>
+            <a:r>
+              <a:rPr lang="en-US" sz="3600" dirty="0"/>
+              <a:t>feedback form:</a:t>
+            </a:r>
+          </a:p>
+          <a:p>
+            <a:endParaRPr lang="en-US" sz="3600" dirty="0"/>
+          </a:p>
+          <a:p>
+            <a:endParaRPr lang="en-US" sz="3600" dirty="0"/>
+          </a:p>
+          <a:p>
+            <a:pPr marL="0" indent="0">
+              <a:buNone/>
+            </a:pPr>
+            <a:endParaRPr lang="en-US" sz="3600" dirty="0"/>
+          </a:p>
+        </p:txBody>
+      </p:sp>
+      <p:sp>
+        <p:nvSpPr>
+          <p:cNvPr id="4" name="Slide Number Placeholder 3">
+            <a:extLst>
+              <a:ext uri="{FF2B5EF4-FFF2-40B4-BE49-F238E27FC236}">
+                <a16:creationId xmlns:a16="http://schemas.microsoft.com/office/drawing/2014/main" id="{29A09819-E13B-2768-D492-0B637308ED6F}"/>
+              </a:ext>
+            </a:extLst>
+          </p:cNvPr>
+          <p:cNvSpPr>
+            <a:spLocks noGrp="1"/>
+          </p:cNvSpPr>
+          <p:nvPr>
+            <p:ph type="sldNum" sz="quarter" idx="12"/>
+          </p:nvPr>
+        </p:nvSpPr>
+        <p:spPr/>
+        <p:txBody>
+          <a:bodyPr/>
+          <a:lstStyle/>
+          <a:p>
+            <a:fld id="{90A35B3F-54A6-408C-9540-13FDB04189C3}" type="slidenum">
+              <a:rPr lang="en-US" smtClean="0"/>
+              <a:t>25</a:t>
+            </a:fld>
+            <a:endParaRPr lang="en-US"/>
+          </a:p>
+        </p:txBody>
+      </p:sp>
+      <p:pic>
+        <p:nvPicPr>
+          <p:cNvPr id="6" name="Picture 5">
+            <a:extLst>
+              <a:ext uri="{FF2B5EF4-FFF2-40B4-BE49-F238E27FC236}">
+                <a16:creationId xmlns:a16="http://schemas.microsoft.com/office/drawing/2014/main" id="{3DF3705E-FC92-5B04-E040-EC9AECA4C91A}"/>
+              </a:ext>
+            </a:extLst>
+          </p:cNvPr>
+          <p:cNvPicPr>
+            <a:picLocks noChangeAspect="1"/>
+          </p:cNvPicPr>
+          <p:nvPr/>
+        </p:nvPicPr>
+        <p:blipFill>
+          <a:blip r:embed="rId2"/>
+          <a:stretch>
+            <a:fillRect/>
+          </a:stretch>
+        </p:blipFill>
+        <p:spPr>
+          <a:xfrm>
+            <a:off x="7113692" y="1690688"/>
+            <a:ext cx="3814718" cy="3853724"/>
+          </a:xfrm>
+          <a:prstGeom prst="rect">
+            <a:avLst/>
+          </a:prstGeom>
+        </p:spPr>
+      </p:pic>
+    </p:spTree>
+    <p:extLst>
+      <p:ext uri="{BB962C8B-B14F-4D97-AF65-F5344CB8AC3E}">
+        <p14:creationId xmlns:p14="http://schemas.microsoft.com/office/powerpoint/2010/main" val="479126000"/>
       </p:ext>
     </p:extLst>
   </p:cSld>
@@ -14698,7 +15119,7 @@
             </a:r>
             <a:r>
               <a:rPr lang="en-US" dirty="0">
-                <a:hlinkClick r:id="rId2"/>
+                <a:hlinkClick r:id="rId3"/>
               </a:rPr>
               <a:t>www.utsc.utoronto.ca/webapps/jupyterhub</a:t>
             </a:r>

--- a/files/Presentation.pptx
+++ b/files/Presentation.pptx
@@ -175,8 +175,7 @@
 <file path=ppt/revisionInfo.xml><?xml version="1.0" encoding="utf-8"?>
 <p1510:revInfo xmlns:a="http://schemas.openxmlformats.org/drawingml/2006/main" xmlns:r="http://schemas.openxmlformats.org/officeDocument/2006/relationships" xmlns:p1510="http://schemas.microsoft.com/office/powerpoint/2015/10/main">
   <p1510:revLst>
-    <p1510:client id="{773D6D81-A9F5-4DC9-ADD1-5C5B62EB63B1}" v="43" dt="2025-08-01T17:58:06.203"/>
-    <p1510:client id="{7A141031-0306-418F-9899-8E1F935F761E}" v="268" dt="2025-08-01T12:51:36.234"/>
+    <p1510:client id="{773D6D81-A9F5-4DC9-ADD1-5C5B62EB63B1}" v="190" dt="2025-08-04T21:42:35.118"/>
   </p1510:revLst>
 </p1510:revInfo>
 </file>
@@ -533,14 +532,6 @@
             <ac:spMk id="3" creationId="{6513EBA6-2619-9BE7-68E8-57B7E2EFE29E}"/>
           </ac:spMkLst>
         </pc:spChg>
-        <pc:picChg chg="del">
-          <ac:chgData name="Sotirios Damouras" userId="7c1f99a4-7f99-452e-ad75-41cee7f4fa00" providerId="ADAL" clId="{7A141031-0306-418F-9899-8E1F935F761E}" dt="2025-08-01T12:45:41.737" v="1548" actId="478"/>
-          <ac:picMkLst>
-            <pc:docMk/>
-            <pc:sldMk cId="1811066682" sldId="265"/>
-            <ac:picMk id="6" creationId="{D638786B-71C0-1797-62BE-13ED1036E277}"/>
-          </ac:picMkLst>
-        </pc:picChg>
         <pc:picChg chg="add mod">
           <ac:chgData name="Sotirios Damouras" userId="7c1f99a4-7f99-452e-ad75-41cee7f4fa00" providerId="ADAL" clId="{7A141031-0306-418F-9899-8E1F935F761E}" dt="2025-08-01T12:47:07.213" v="1553" actId="1076"/>
           <ac:picMkLst>
@@ -1277,7 +1268,7 @@
   <pc:docChgLst>
     <pc:chgData name="Sotirios Damouras" userId="7c1f99a4-7f99-452e-ad75-41cee7f4fa00" providerId="ADAL" clId="{773D6D81-A9F5-4DC9-ADD1-5C5B62EB63B1}"/>
     <pc:docChg chg="undo custSel addSld delSld modSld sldOrd modMainMaster delSection modSection">
-      <pc:chgData name="Sotirios Damouras" userId="7c1f99a4-7f99-452e-ad75-41cee7f4fa00" providerId="ADAL" clId="{773D6D81-A9F5-4DC9-ADD1-5C5B62EB63B1}" dt="2025-08-01T20:06:24.760" v="2417" actId="6549"/>
+      <pc:chgData name="Sotirios Damouras" userId="7c1f99a4-7f99-452e-ad75-41cee7f4fa00" providerId="ADAL" clId="{773D6D81-A9F5-4DC9-ADD1-5C5B62EB63B1}" dt="2025-08-04T21:42:51.869" v="2673" actId="20577"/>
       <pc:docMkLst>
         <pc:docMk/>
       </pc:docMkLst>
@@ -1494,12 +1485,59 @@
           </ac:spMkLst>
         </pc:spChg>
       </pc:sldChg>
-      <pc:sldChg chg="addSp modSp mod">
-        <pc:chgData name="Sotirios Damouras" userId="7c1f99a4-7f99-452e-ad75-41cee7f4fa00" providerId="ADAL" clId="{773D6D81-A9F5-4DC9-ADD1-5C5B62EB63B1}" dt="2025-08-01T14:56:14.698" v="2260"/>
+      <pc:sldChg chg="modSp modAnim">
+        <pc:chgData name="Sotirios Damouras" userId="7c1f99a4-7f99-452e-ad75-41cee7f4fa00" providerId="ADAL" clId="{773D6D81-A9F5-4DC9-ADD1-5C5B62EB63B1}" dt="2025-08-04T21:41:40.908" v="2657" actId="20577"/>
+        <pc:sldMkLst>
+          <pc:docMk/>
+          <pc:sldMk cId="943723022" sldId="271"/>
+        </pc:sldMkLst>
+        <pc:spChg chg="mod">
+          <ac:chgData name="Sotirios Damouras" userId="7c1f99a4-7f99-452e-ad75-41cee7f4fa00" providerId="ADAL" clId="{773D6D81-A9F5-4DC9-ADD1-5C5B62EB63B1}" dt="2025-08-04T21:41:40.908" v="2657" actId="20577"/>
+          <ac:spMkLst>
+            <pc:docMk/>
+            <pc:sldMk cId="943723022" sldId="271"/>
+            <ac:spMk id="3" creationId="{E2D76601-9082-BDE9-5268-53C4A6767F96}"/>
+          </ac:spMkLst>
+        </pc:spChg>
+      </pc:sldChg>
+      <pc:sldChg chg="addSp delSp modSp mod">
+        <pc:chgData name="Sotirios Damouras" userId="7c1f99a4-7f99-452e-ad75-41cee7f4fa00" providerId="ADAL" clId="{773D6D81-A9F5-4DC9-ADD1-5C5B62EB63B1}" dt="2025-08-04T21:19:50.568" v="2505" actId="20577"/>
         <pc:sldMkLst>
           <pc:docMk/>
           <pc:sldMk cId="397320391" sldId="273"/>
         </pc:sldMkLst>
+        <pc:spChg chg="add mod">
+          <ac:chgData name="Sotirios Damouras" userId="7c1f99a4-7f99-452e-ad75-41cee7f4fa00" providerId="ADAL" clId="{773D6D81-A9F5-4DC9-ADD1-5C5B62EB63B1}" dt="2025-08-04T21:19:16.785" v="2462" actId="1036"/>
+          <ac:spMkLst>
+            <pc:docMk/>
+            <pc:sldMk cId="397320391" sldId="273"/>
+            <ac:spMk id="7" creationId="{FCB024C6-640E-17FC-F358-3B27D9647A6B}"/>
+          </ac:spMkLst>
+        </pc:spChg>
+        <pc:spChg chg="add mod">
+          <ac:chgData name="Sotirios Damouras" userId="7c1f99a4-7f99-452e-ad75-41cee7f4fa00" providerId="ADAL" clId="{773D6D81-A9F5-4DC9-ADD1-5C5B62EB63B1}" dt="2025-08-04T21:19:30.256" v="2481" actId="20577"/>
+          <ac:spMkLst>
+            <pc:docMk/>
+            <pc:sldMk cId="397320391" sldId="273"/>
+            <ac:spMk id="8" creationId="{3B9B75EB-2AB5-9161-0613-948B9CD4D21B}"/>
+          </ac:spMkLst>
+        </pc:spChg>
+        <pc:spChg chg="add mod">
+          <ac:chgData name="Sotirios Damouras" userId="7c1f99a4-7f99-452e-ad75-41cee7f4fa00" providerId="ADAL" clId="{773D6D81-A9F5-4DC9-ADD1-5C5B62EB63B1}" dt="2025-08-04T21:19:38.224" v="2493" actId="20577"/>
+          <ac:spMkLst>
+            <pc:docMk/>
+            <pc:sldMk cId="397320391" sldId="273"/>
+            <ac:spMk id="9" creationId="{FEE0B1FE-A87E-0465-4272-B48C89E8C6ED}"/>
+          </ac:spMkLst>
+        </pc:spChg>
+        <pc:spChg chg="add mod">
+          <ac:chgData name="Sotirios Damouras" userId="7c1f99a4-7f99-452e-ad75-41cee7f4fa00" providerId="ADAL" clId="{773D6D81-A9F5-4DC9-ADD1-5C5B62EB63B1}" dt="2025-08-04T21:19:50.568" v="2505" actId="20577"/>
+          <ac:spMkLst>
+            <pc:docMk/>
+            <pc:sldMk cId="397320391" sldId="273"/>
+            <ac:spMk id="10" creationId="{8D637623-2F50-8321-4EB3-866089DCE52A}"/>
+          </ac:spMkLst>
+        </pc:spChg>
         <pc:picChg chg="mod">
           <ac:chgData name="Sotirios Damouras" userId="7c1f99a4-7f99-452e-ad75-41cee7f4fa00" providerId="ADAL" clId="{773D6D81-A9F5-4DC9-ADD1-5C5B62EB63B1}" dt="2025-07-21T16:00:54.363" v="2087" actId="1036"/>
           <ac:picMkLst>
@@ -1508,8 +1546,8 @@
             <ac:picMk id="5" creationId="{20B4D629-BBA9-1C4B-B5B5-4FF6FA88FD2A}"/>
           </ac:picMkLst>
         </pc:picChg>
-        <pc:inkChg chg="add">
-          <ac:chgData name="Sotirios Damouras" userId="7c1f99a4-7f99-452e-ad75-41cee7f4fa00" providerId="ADAL" clId="{773D6D81-A9F5-4DC9-ADD1-5C5B62EB63B1}" dt="2025-08-01T14:56:14.698" v="2260"/>
+        <pc:inkChg chg="add del">
+          <ac:chgData name="Sotirios Damouras" userId="7c1f99a4-7f99-452e-ad75-41cee7f4fa00" providerId="ADAL" clId="{773D6D81-A9F5-4DC9-ADD1-5C5B62EB63B1}" dt="2025-08-04T21:18:40.457" v="2431" actId="478"/>
           <ac:inkMkLst>
             <pc:docMk/>
             <pc:sldMk cId="397320391" sldId="273"/>
@@ -1517,14 +1555,14 @@
           </ac:inkMkLst>
         </pc:inkChg>
       </pc:sldChg>
-      <pc:sldChg chg="addSp delSp modSp mod modAnim">
-        <pc:chgData name="Sotirios Damouras" userId="7c1f99a4-7f99-452e-ad75-41cee7f4fa00" providerId="ADAL" clId="{773D6D81-A9F5-4DC9-ADD1-5C5B62EB63B1}" dt="2025-08-01T17:58:06.203" v="2302" actId="20577"/>
+      <pc:sldChg chg="addSp delSp modSp mod addAnim delAnim modAnim">
+        <pc:chgData name="Sotirios Damouras" userId="7c1f99a4-7f99-452e-ad75-41cee7f4fa00" providerId="ADAL" clId="{773D6D81-A9F5-4DC9-ADD1-5C5B62EB63B1}" dt="2025-08-04T21:23:16.935" v="2542" actId="20577"/>
         <pc:sldMkLst>
           <pc:docMk/>
           <pc:sldMk cId="3364095585" sldId="274"/>
         </pc:sldMkLst>
         <pc:spChg chg="mod">
-          <ac:chgData name="Sotirios Damouras" userId="7c1f99a4-7f99-452e-ad75-41cee7f4fa00" providerId="ADAL" clId="{773D6D81-A9F5-4DC9-ADD1-5C5B62EB63B1}" dt="2025-07-21T16:01:14.487" v="2097" actId="20577"/>
+          <ac:chgData name="Sotirios Damouras" userId="7c1f99a4-7f99-452e-ad75-41cee7f4fa00" providerId="ADAL" clId="{773D6D81-A9F5-4DC9-ADD1-5C5B62EB63B1}" dt="2025-08-04T21:22:26.153" v="2531"/>
           <ac:spMkLst>
             <pc:docMk/>
             <pc:sldMk cId="3364095585" sldId="274"/>
@@ -1532,15 +1570,15 @@
           </ac:spMkLst>
         </pc:spChg>
         <pc:spChg chg="add del mod">
-          <ac:chgData name="Sotirios Damouras" userId="7c1f99a4-7f99-452e-ad75-41cee7f4fa00" providerId="ADAL" clId="{773D6D81-A9F5-4DC9-ADD1-5C5B62EB63B1}" dt="2025-07-21T16:02:03.664" v="2108" actId="6549"/>
+          <ac:chgData name="Sotirios Damouras" userId="7c1f99a4-7f99-452e-ad75-41cee7f4fa00" providerId="ADAL" clId="{773D6D81-A9F5-4DC9-ADD1-5C5B62EB63B1}" dt="2025-08-04T21:22:27.931" v="2533" actId="478"/>
           <ac:spMkLst>
             <pc:docMk/>
             <pc:sldMk cId="3364095585" sldId="274"/>
             <ac:spMk id="5" creationId="{40B827CC-6139-A54B-05B2-3F0D108BA1B1}"/>
           </ac:spMkLst>
         </pc:spChg>
-        <pc:spChg chg="add mod">
-          <ac:chgData name="Sotirios Damouras" userId="7c1f99a4-7f99-452e-ad75-41cee7f4fa00" providerId="ADAL" clId="{773D6D81-A9F5-4DC9-ADD1-5C5B62EB63B1}" dt="2025-08-01T17:58:06.203" v="2302" actId="20577"/>
+        <pc:spChg chg="add del mod">
+          <ac:chgData name="Sotirios Damouras" userId="7c1f99a4-7f99-452e-ad75-41cee7f4fa00" providerId="ADAL" clId="{773D6D81-A9F5-4DC9-ADD1-5C5B62EB63B1}" dt="2025-08-04T21:23:16.935" v="2542" actId="20577"/>
           <ac:spMkLst>
             <pc:docMk/>
             <pc:sldMk cId="3364095585" sldId="274"/>
@@ -1564,13 +1602,13 @@
         </pc:sldMkLst>
       </pc:sldChg>
       <pc:sldChg chg="addSp delSp modSp mod">
-        <pc:chgData name="Sotirios Damouras" userId="7c1f99a4-7f99-452e-ad75-41cee7f4fa00" providerId="ADAL" clId="{773D6D81-A9F5-4DC9-ADD1-5C5B62EB63B1}" dt="2025-07-21T16:00:46.900" v="2085" actId="33639"/>
+        <pc:chgData name="Sotirios Damouras" userId="7c1f99a4-7f99-452e-ad75-41cee7f4fa00" providerId="ADAL" clId="{773D6D81-A9F5-4DC9-ADD1-5C5B62EB63B1}" dt="2025-08-04T21:20:53.476" v="2511" actId="20577"/>
         <pc:sldMkLst>
           <pc:docMk/>
           <pc:sldMk cId="2219270712" sldId="276"/>
         </pc:sldMkLst>
         <pc:spChg chg="mod">
-          <ac:chgData name="Sotirios Damouras" userId="7c1f99a4-7f99-452e-ad75-41cee7f4fa00" providerId="ADAL" clId="{773D6D81-A9F5-4DC9-ADD1-5C5B62EB63B1}" dt="2025-07-21T10:18:36.828" v="1861" actId="114"/>
+          <ac:chgData name="Sotirios Damouras" userId="7c1f99a4-7f99-452e-ad75-41cee7f4fa00" providerId="ADAL" clId="{773D6D81-A9F5-4DC9-ADD1-5C5B62EB63B1}" dt="2025-08-04T21:20:53.476" v="2511" actId="20577"/>
           <ac:spMkLst>
             <pc:docMk/>
             <pc:sldMk cId="2219270712" sldId="276"/>
@@ -1601,7 +1639,7 @@
         </pc:spChg>
       </pc:sldChg>
       <pc:sldChg chg="modSp new mod modAnim">
-        <pc:chgData name="Sotirios Damouras" userId="7c1f99a4-7f99-452e-ad75-41cee7f4fa00" providerId="ADAL" clId="{773D6D81-A9F5-4DC9-ADD1-5C5B62EB63B1}" dt="2025-08-01T17:57:03.797" v="2262"/>
+        <pc:chgData name="Sotirios Damouras" userId="7c1f99a4-7f99-452e-ad75-41cee7f4fa00" providerId="ADAL" clId="{773D6D81-A9F5-4DC9-ADD1-5C5B62EB63B1}" dt="2025-08-04T21:24:07.602" v="2563" actId="20577"/>
         <pc:sldMkLst>
           <pc:docMk/>
           <pc:sldMk cId="4218692669" sldId="279"/>
@@ -1623,7 +1661,15 @@
           </ac:spMkLst>
         </pc:spChg>
         <pc:spChg chg="mod">
-          <ac:chgData name="Sotirios Damouras" userId="7c1f99a4-7f99-452e-ad75-41cee7f4fa00" providerId="ADAL" clId="{773D6D81-A9F5-4DC9-ADD1-5C5B62EB63B1}" dt="2025-08-01T17:57:03.797" v="2262"/>
+          <ac:chgData name="Sotirios Damouras" userId="7c1f99a4-7f99-452e-ad75-41cee7f4fa00" providerId="ADAL" clId="{773D6D81-A9F5-4DC9-ADD1-5C5B62EB63B1}" dt="2025-08-04T21:24:07.602" v="2563" actId="20577"/>
+          <ac:spMkLst>
+            <pc:docMk/>
+            <pc:sldMk cId="4218692669" sldId="279"/>
+            <ac:spMk id="6" creationId="{E9F97643-267C-F094-99C0-F6BFE0C0BA6E}"/>
+          </ac:spMkLst>
+        </pc:spChg>
+        <pc:spChg chg="mod">
+          <ac:chgData name="Sotirios Damouras" userId="7c1f99a4-7f99-452e-ad75-41cee7f4fa00" providerId="ADAL" clId="{773D6D81-A9F5-4DC9-ADD1-5C5B62EB63B1}" dt="2025-08-04T21:24:03.774" v="2561" actId="20577"/>
           <ac:spMkLst>
             <pc:docMk/>
             <pc:sldMk cId="4218692669" sldId="279"/>
@@ -1632,7 +1678,7 @@
         </pc:spChg>
       </pc:sldChg>
       <pc:sldChg chg="modSp add mod modAnim">
-        <pc:chgData name="Sotirios Damouras" userId="7c1f99a4-7f99-452e-ad75-41cee7f4fa00" providerId="ADAL" clId="{773D6D81-A9F5-4DC9-ADD1-5C5B62EB63B1}" dt="2025-07-21T12:58:10.304" v="2079"/>
+        <pc:chgData name="Sotirios Damouras" userId="7c1f99a4-7f99-452e-ad75-41cee7f4fa00" providerId="ADAL" clId="{773D6D81-A9F5-4DC9-ADD1-5C5B62EB63B1}" dt="2025-08-04T21:42:51.869" v="2673" actId="20577"/>
         <pc:sldMkLst>
           <pc:docMk/>
           <pc:sldMk cId="3739608172" sldId="280"/>
@@ -1645,9 +1691,25 @@
             <ac:spMk id="3" creationId="{505CF95F-1C30-351D-48B9-2DA1C36123F9}"/>
           </ac:spMkLst>
         </pc:spChg>
+        <pc:spChg chg="mod">
+          <ac:chgData name="Sotirios Damouras" userId="7c1f99a4-7f99-452e-ad75-41cee7f4fa00" providerId="ADAL" clId="{773D6D81-A9F5-4DC9-ADD1-5C5B62EB63B1}" dt="2025-08-04T21:42:51.869" v="2673" actId="20577"/>
+          <ac:spMkLst>
+            <pc:docMk/>
+            <pc:sldMk cId="3739608172" sldId="280"/>
+            <ac:spMk id="6" creationId="{C6BFDE8E-26E1-C52C-4CE0-A1A17A436AC1}"/>
+          </ac:spMkLst>
+        </pc:spChg>
+        <pc:spChg chg="mod">
+          <ac:chgData name="Sotirios Damouras" userId="7c1f99a4-7f99-452e-ad75-41cee7f4fa00" providerId="ADAL" clId="{773D6D81-A9F5-4DC9-ADD1-5C5B62EB63B1}" dt="2025-08-04T21:38:42.812" v="2619" actId="1076"/>
+          <ac:spMkLst>
+            <pc:docMk/>
+            <pc:sldMk cId="3739608172" sldId="280"/>
+            <ac:spMk id="7" creationId="{D9851E66-88A6-D24F-9EFB-B4EDF1645603}"/>
+          </ac:spMkLst>
+        </pc:spChg>
       </pc:sldChg>
       <pc:sldChg chg="modSp add mod modAnim">
-        <pc:chgData name="Sotirios Damouras" userId="7c1f99a4-7f99-452e-ad75-41cee7f4fa00" providerId="ADAL" clId="{773D6D81-A9F5-4DC9-ADD1-5C5B62EB63B1}" dt="2025-07-21T12:58:06.315" v="2078"/>
+        <pc:chgData name="Sotirios Damouras" userId="7c1f99a4-7f99-452e-ad75-41cee7f4fa00" providerId="ADAL" clId="{773D6D81-A9F5-4DC9-ADD1-5C5B62EB63B1}" dt="2025-08-04T21:42:44.944" v="2669" actId="20577"/>
         <pc:sldMkLst>
           <pc:docMk/>
           <pc:sldMk cId="2286008129" sldId="281"/>
@@ -1658,6 +1720,22 @@
             <pc:docMk/>
             <pc:sldMk cId="2286008129" sldId="281"/>
             <ac:spMk id="3" creationId="{CACA9084-A5B4-5239-821B-1D4B5EF5B826}"/>
+          </ac:spMkLst>
+        </pc:spChg>
+        <pc:spChg chg="mod">
+          <ac:chgData name="Sotirios Damouras" userId="7c1f99a4-7f99-452e-ad75-41cee7f4fa00" providerId="ADAL" clId="{773D6D81-A9F5-4DC9-ADD1-5C5B62EB63B1}" dt="2025-08-04T21:42:44.944" v="2669" actId="20577"/>
+          <ac:spMkLst>
+            <pc:docMk/>
+            <pc:sldMk cId="2286008129" sldId="281"/>
+            <ac:spMk id="6" creationId="{8804A849-6974-E01D-59AC-E9421BC0D44D}"/>
+          </ac:spMkLst>
+        </pc:spChg>
+        <pc:spChg chg="mod">
+          <ac:chgData name="Sotirios Damouras" userId="7c1f99a4-7f99-452e-ad75-41cee7f4fa00" providerId="ADAL" clId="{773D6D81-A9F5-4DC9-ADD1-5C5B62EB63B1}" dt="2025-08-04T21:42:35.118" v="2665" actId="20577"/>
+          <ac:spMkLst>
+            <pc:docMk/>
+            <pc:sldMk cId="2286008129" sldId="281"/>
+            <ac:spMk id="7" creationId="{C166DCDE-C2F1-5DE1-86A2-4A297C81F1E7}"/>
           </ac:spMkLst>
         </pc:spChg>
       </pc:sldChg>
@@ -1725,75 +1803,6 @@
     </pc:docChg>
   </pc:docChgLst>
 </pc:chgInfo>
-</file>
-
-<file path=ppt/ink/ink1.xml><?xml version="1.0" encoding="utf-8"?>
-<inkml:ink xmlns:inkml="http://www.w3.org/2003/InkML">
-  <inkml:definitions>
-    <inkml:context xml:id="ctx0">
-      <inkml:inkSource xml:id="inkSrc0">
-        <inkml:traceFormat>
-          <inkml:channel name="X" type="integer" max="30165" units="cm"/>
-          <inkml:channel name="Y" type="integer" max="18853" units="cm"/>
-          <inkml:channel name="F" type="integer" max="4095" units="dev"/>
-          <inkml:channel name="T" type="integer" max="2.14748E9" units="dev"/>
-        </inkml:traceFormat>
-        <inkml:channelProperties>
-          <inkml:channelProperty channel="X" name="resolution" value="1000.16577" units="1/cm"/>
-          <inkml:channelProperty channel="Y" name="resolution" value="1000.15918" units="1/cm"/>
-          <inkml:channelProperty channel="F" name="resolution" value="0" units="1/dev"/>
-          <inkml:channelProperty channel="T" name="resolution" value="1" units="1/dev"/>
-        </inkml:channelProperties>
-      </inkml:inkSource>
-      <inkml:timestamp xml:id="ts0" timeString="2025-08-01T14:50:16.780"/>
-    </inkml:context>
-    <inkml:brush xml:id="br0">
-      <inkml:brushProperty name="width" value="0.05292" units="cm"/>
-      <inkml:brushProperty name="height" value="0.05292" units="cm"/>
-      <inkml:brushProperty name="color" value="#FF0000"/>
-    </inkml:brush>
-  </inkml:definitions>
-  <inkml:trace contextRef="#ctx0" brushRef="#br0">7957 7048 215 0,'0'-4'236'0,"1"1"-130"0,-1 1 138 0,0-2-131 15,1 4-44-15,0 0-12 0,0-1 20 0,-1 1-5 0,0 1-12 0,0 3-30 16,0 1 32-16,0 2-41 0,-1 3 56 0,1 4-8 16,-1 1-12-16,1 4-13 0,1 5 1 15,0-2-12-15,1 10 4 0,1-1-13 0,-1 0-8 0,2 7-13 0,-4-2 8 16,0 0-8-16,2 6 5 0,-2-1-4 0,0 4-4 16,1 7-1-16,0 0-1 0,1 2 0 0,0 6-36 0,-1-9-16 0,0-3-14 15,1-2-27-15,0-10-9 0,2-4 12 0,1-3-81 16,-1-7-29-16,1-1-10 0,-1-2-61 0,1-5 128 0</inkml:trace>
-  <inkml:trace contextRef="#ctx0" brushRef="#br0" timeOffset="428.31">8183 7773 781 0,'-6'-8'204'0,"5"3"-135"15,-1 1 59-15,2-3-41 16,0 2 34-16,-1 1-45 0,1 1 42 0,0 0-22 0,0 2-28 0,0 1-17 16,0 0-6-16,0 0-9 0,-1 1-13 0,1 4-4 0,0 0 1 0,0 4-16 15,1-2 8-15,-1 3-10 0,1-1 7 0,1 1-4 0,-2 0-5 0,1 1 2 16,-1 0 0 0,0 2 3-16,0 0 8 0,0-1-2 0,0-1-3 0,0 2-9 0,0-4 1 15,-1 3-3-15,1-2 4 0,0-1 2 0,0-2-1 0,2 0-13 16,0-4 11-16,1 1-11 0,1-4 22 0,0 0-6 15,1 0-5-15,2-4-13 0,-2 2 13 0,3-5-9 0,0 1 20 0,1-1 4 0,2-2-4 0,0 1-21 16,3-4 16-16,0-1-17 0,-1 0 22 0,0 0-3 0,0 0-8 16,-1 0 3-16,1-1 8 0,1-1-2 0,-2 2 23 0,-1 3-8 15,0-2-5-15,-1 1-9 0,-1-1 8 0,-2 4-7 0,-1-1 8 16,-3 4-4-16,1 0-6 0,-1 2-12 0,1 3 10 0,-4 0-8 0,1 1 24 16,-1 1-3-16,0-1-8 0,0 6-16 0,0-1 17 0,-3 4-14 15,2 0 14-15,1 2-2 0,-1 4-14 0,0-3-4 0,0 3 14 16,1-2-10-16,0 2 9 0,0 0 2 0,-1 0-7 0,1 0-13 15,0 0 10-15,1-2-9 16,1 2 23-16,0-3-6 0,2-4-7 0,0 1-43 0,0-1-1 16,0-2-11-16,3-4-37 0,0 1-17 0,3-1-18 0,3-1-155 0,3-2-6 0,3 0-39 0,-2-2 134 0</inkml:trace>
-  <inkml:trace contextRef="#ctx0" brushRef="#br0" timeOffset="1727.94">9128 7633 1370 0,'4'-10'-75'0,"-3"5"160"0,0 3 5 0,-2 0-15 0,-2-1 12 16,-2 2 9-16,-2 1-23 0,-2 4-18 0,-2-1-17 15,0 3-18-15,-4 1-18 0,-1 4 8 0,-3 1-9 0,-3 1 12 0,2 3 6 16,-1 0-1-16,-2 4-7 0,5 2 16 0,0 0-18 0,2 0 28 16,0-2-4-16,0 0-11 0,2 0-11 0,3-5 9 0,3 2-13 15,0-1 6-15,4-3-7 0,2 0-8 0,2-1 0 16,1-3 2-1,4-1 0-15,1-1 3 0,1-1-1 0,2 0-2 0,5-3-13 0,-1 1 13 0,3-2-12 0,3-2 22 0,-3 0-3 16,3-2-5-16,2-3-4 0,1 1 3 0,3-3-1 0,1 3 4 16,-1-3-3-16,-3 1-5 0,1-3-24 0,0 3 0 0,2-2-7 0,-2 0-9 31,1 1-10-31,-2-1-6 0,0 0-13 0,-2 1-2 0,-2-2 0 0,0 1-18 0,1-1 9 0,-2 0-5 0,1-1 1 0,2-3 8 16,-2 3-7-16,-2 1 8 15,-2-1 9-15,-4 2 2 0,1 1 32 0,3 0 16 16,-5 0 1-16,-1 0 36 0,3-2-2 0,-5-1-9 0,-1 3 13 15,0 1 28-15,-3 0-9 0,-2 1 71 0,-1 0-8 0,0 0-2 0,-4 0-26 16,1-1 11-16,-4 3-15 0,-1-1-1 0,-1 3-11 0,1-1-17 16,-3 2-24-16,-2 2 10 0,1-1-13 0,0 6 8 0,0-3-7 15,1 0-7-15,-2 1-1 0,-2 0 7 0,1 2-1 0,1 0 15 16,1-1-4-16,1 1-5 0,0 2-18 0,1 0 11 0,1-1-11 0,0 2 12 16,0-2-6-16,1 0-6 0,-2 1-7 0,4 1 7 0,-1 3-1 15,2 0 11-15,2-3-3 0,-1 2-7 0,3-2-10 0,1 0 5 16,1-1-3-16,1 0 12 0,2-2-5 0,1-3-8 0,2 3 4 15,2-2 3-15,1-1 2 0,0 0 4 0,2-2 3 0,0-1-5 0,1-1-5 16,0-1 14-16,2-1-11 0,0-2 12 0,0 0 0 0,-1 0-6 16,2 0-12-16,1-1 17 0,2 0-13 0,-2-2 32 0,-1 0-6 15,0-2-8-15,-3-1-14 0,2 2 9 0,1-3-6 0,2 1 18 0,-2 0-5 16,-2-2-5-16,2 1-6 0,-3 2 6 0,0-1-4 0,0 2 9 16,-1 1-5-16,0-3-3 0,1 1-10 0,-2-5 7 0,1 4-6 15,-2 0 12-15,-3 1-4 0,2 2-5 0,-1 3-13 0,0-4 12 0,-2 4-9 16,-1 0 18-16,-1 2-3 0,-1 1-9 0,-1 1-4 0,-1 1 8 15,1 1-6-15,-1 2 10 0,0 0 3 0,0 5-4 0,0 0-8 16,-1 2 5-16,-1 1-6 0,-1 2 11 0,-1 0-4 0,1 0-3 0,-2-1-11 16,2 0 12-16,0 0-8 0,0 1 17 0,0-2 0 0,1 0-9 15,0 1-19-15,0-3 18 0,1 1-15 0,1-2 26 0,0-2-4 16,3-1-9-16,-1-2-9 0,1 1 8 0,1-2-5 0,-1-2 16 16,1-1-4-16,1 0-5 0,1 0-4 0,0-1 6 0,1-3-3 0,2 0 14 15,0 0-3-15,0 0-2 0,2-5-13 0,-1 3 8 0,2-4-5 16,-2-1 15-16,-1 0-2 0,1 1-6 0,1-3-7 0,1 0 4 15,1 1-4-15,0-2 7 0,-1 4-2 0,0 0-1 16,1-2-7-16,1-2 4 0,-3 2-2 0,0-1 8 0,-4 7-2 0,-3-2-5 0,2 1-13 16,-3 3 19-16,3-3-13 0,-2 6 19 0,-2-2-4 0,-1 3-10 15,1 0-1-15,-1 0 4 0,-1 3-2 0,0 1 7 16,-1 3 0-16,0 1-4 0,0 2-12 0,-2 3 14 0,1 1-11 0,0 0 18 0,1 0-2 16,0-2-8-16,-2 2-8 0,3-1 9 15,-1 1-7-15,1-2 12 0,0-2 1 0,3 0-6 0,0-2-12 0,0 0 11 0,2 1-11 16,-1-2 20-16,3-4-2 0,1 3-4 0,0-5-15 15,2 2 12-15,-1 0-11 0,2 0 19 0,-1-3 1 0,-1 0-6 0,0 0-10 0,0-3 9 16,0 2-7-16,0-1 16 0,-1-1-2 0,0-2-6 0,-1 2-12 16,-1-3 12-16,1 0-9 0,1-1 21 0,-3 0-5 0,1-1-10 0,0 0-12 15,-1-1 16-15,0 1-12 0,-1 1 23 0,0-1-4 0,-1-1-8 16,-2 2-16-16,1 0 14 0,0 1-10 0,-1 2 28 0,-1-1-9 16,1 2-10-16,-1 0-5 0,-1 0 5 0,0-1-1 0,-1 4 9 15,1-1-2-15,0 1-5 0,0 0-10 0,-1 1 9 0,1 3-9 16,-2 2 11-16,2-3 0 0,-1 2-3 0,1 0-14 0,-1 1 17 0,2 5-13 15,0 0 25-15,0 0-6 0,0 1-8 0,2-2-5 0,0 3 1 16,2-3-1-16,0 1 7 0,3-3 0 16,1 2-2-16,1-3-5 0,1 2 5 0,2-2-4 0,0-1 11 15,1 0-3-15,0 0-6 0,2-2-10 0,-2-1 14 0,3 1-9 0,1-2 21 0,1-2-7 0,1 0-7 0,1-2-7 16,0-2 7-16,1 1-3 16,-4-4 18-16,-2 4-4 0,1-3-5 0,0 0-11 0,3-2 5 0,1 0-3 0,-3 0 14 0,-2-1-5 15,0 0-6-15,-2-1-3 0,0-1 3 0,-3-1 1 0,-1-1 11 16,-2 1-3-16,0 0-6 0,-1 0-11 0,-1 3 8 0,-1-1-6 15,-2 0 20-15,-1 1-6 0,1-2-6 0,-1-2-12 0,-1 1 12 16,-1 0-8-16,-3 0 21 0,1 1-3 0,-2 1-7 0,1 0-16 16,-1 4 11-16,-1 0-10 0,0-1 21 0,-1 2-1 0,1 2-6 0,-1 1-18 15,-2 0 14-15,0 4-13 0,-1 1 21 0,1 0-3 0,0 4-7 0,-2 2-5 16,0 0 9-16,0 2-6 0,1 2 9 0,0 0-3 0,0 5-4 16,1 0-8-1,1 4 10-15,2-3-7 0,1 0 16 0,0-1-1 0,2 1-3 0,1 0-7 0,2 0 6 0,0 0-5 0,2-3 12 16,2-3-3-16,4 1-7 0,0-4-4 0,5 2 3 0,0-2-2 0,3 0 8 15,1-2 1-15,-2-1 1 0,5-3-13 0,-2 2 9 0,3-5-7 16,-1 3 12-16,-2-4-1 0,3 2-7 0,0-2-12 0,1 0 13 16,0-2-10-16,-3 0 20 0,2 0-2 0,-3-1-9 0,-1-1-2 0,3 1 2 15,-4-1-1 1,0-1 4-16,-1 2-3 0,-2-1-1 0,3 0-11 0,-5 0-9 0,-1 2 1 0,0-1-39 0,-2-1-9 0,0 3-10 0,-1-1-86 16,-2 1-24-16,1-1-19 0,2-1-179 0,-1 3-35 0,3 0-56 15</inkml:trace>
-  <inkml:trace contextRef="#ctx0" brushRef="#br0" timeOffset="2327.88">11965 6702 1117 0,'-7'-16'206'0,"-1"0"-113"0,0 3-41 16,-1 4-44-16,0 1 47 0,-2 3-16 0,1 1-21 0,-5 3-25 16,-1 2 17-16,-2 5-19 0,-1 2 33 0,-2 4 9 0,1 5-5 15,-2 5 24-15,-3 6 6 0,1 5-8 0,-3 6 11 16,3 2-6-16,0-1-10 0,-2 8-16 0,4 1 20 0,2 2-28 16,2 13 21-16,3 2-20 0,3 5-3 0,-1 10-6 0,3-8-1 15,1-3-7-15,0 6 9 0,5-9-5 0,2 64 30 16,-1-128 53-16,20 94-123 0,-2-53 62 0,-1-10-10 15,4-1-9-15,7-2-15 0,0-7 10 0,2 2-10 0,1-4 15 16,-1-1-2-16,0-4-9 0,2 2-1 0,0-3 2 0,0-3-2 16,3 0 3-16,-5-3-4 0,1-2-3 0,0-3-48 0,-1-1-7 0,1-4-9 15,-5 0-38-15,-1 0-24 0,-4-4-15 0,2 1-127 0,-2-3-87 16,1 3 15-16,2 0 67 0</inkml:trace>
-  <inkml:trace contextRef="#ctx0" brushRef="#br0" timeOffset="3215.31">12395 7159 955 0,'4'-15'58'0,"1"0"-9"16,0-1 10-16,1 6-19 0,-3-3 36 0,-2 3-1 0,1 5-15 0,-6-2-13 0,-3 2 20 15,0 3-34-15,-7-1 1 0,2 3 0 0,-3 2-13 0,-1 3 16 16,1 1 9-16,0 2-9 16,-4 3 13-16,2 3-4 0,-1 2-11 0,-4 5 3 0,3 2 15 0,0 2-18 15,-2 5 12-15,6 0-8 0,-1-1-10 0,0 7-6 0,3-3 3 0,0 0-6 16,3 4 3-16,5-4-9 0,0-1-7 0,3 6-5 15,2-5 0-15,0-1 1 0,3 3 4 0,2-6 2 0,3 0-1 16,3-2-12-16,2-6 14 0,1-1-15 0,2-4 21 0,-3-6-4 16,2 0-8-16,3-3-10 0,0-1 11 0,1 1-9 0,2-5 17 15,0-2 0-15,0 0-6 0,-2-3-13 0,-2 0 11 0,-1-3-9 0,1-1 10 16,1 1 0-16,-2-1-6 0,-3-3-3 0,0 0-7 0,-2-5-1 16,-2 4-23-16,-2-2-3 0,-2 0-4 0,0-2-4 0,-2 2-3 15,-2 1 2-15,0-2-11 0,-1 2-1 0,-2 2-5 0,-1-3-13 0,-2 3-5 16,0 0 1-16,-3 1-18 0,0-1-2 0,0 2-7 0,-1-1 1 15,0 2 1-15,-3 2 2 0,-2-1 9 0,2-1 20 0,1 4 7 0,-1 2 41 16,3-1 20-16,1 1-4 0,-3 1 51 0,7 0 11 0,1 1 12 16,-4 1 12-16,7 1 5 0,-4 1-2 0,3 0 13 0,4-2-8 15,-2 4-8-15,3-1-29 0,-4-2 18 0,1 4-21 0,3-3 15 16,0 1-5-16,3 1-9 0,2-2-26 16,-1 1 19-16,1-1-19 0,2-1 21 0,-1-3-3 0,0 2-10 0,1-1-11 0,1-1 11 0,-2-1-11 15,-1-1 7-15,1 0-3 0,0-3-9 0,-1 0-9 0,1 1 9 16,-2-2-7-16,1 0 12 0,0-1 0 0,0 1-5 0,-1-1-12 15,-3 2 6-15,0 1-7 0,-1-3 10 0,-3 4-2 0,2-1-1 0,-3 1-11 16,0 0 11-16,0-1-8 0,0 2 13 0,0-1 1 0,0 3-8 16,0-1-7-16,-2-2 13 0,1 3-9 0,0 0 14 15,0 0-8-15,1 0-9 0,-1 4-6 0,0 0 9 0,0 1-4 0,0 4 12 16,0-2 0-16,-1 5-5 0,1-1-14 0,1 5 16 0,0-1-12 0,-1 2 30 16,1 1-4-16,1 0-9 0,0 1-12 0,1 3 7 0,0-1-6 15,0 1 18-15,0 1-6 0,0-1-5 0,2 3-11 0,-1-5 6 16,-1 1-4-1,1-3 12-15,-1-2-3 0,0 1-5 0,2-5-1 0,-1 2 0 16,0-5 0-16,2 1 1 0,-1 0-2 0,1-4-1 0,0-1-18 0,0 0-10 16,-1-2 0-16,0-3-46 0,-1 2-18 0,0-2-15 0,0-2-86 15,0 2-43-15,-2-3-4 0,1 3-185 0,4-4 245 0,-3 1-16 16</inkml:trace>
-  <inkml:trace contextRef="#ctx0" brushRef="#br0" timeOffset="3416.75">12728 7240 1619 0,'0'0'-102'0,"1"2"177"0,0 4-20 0,1 4-38 15,-1 3 22-15,-1 4 26 0,-1 2-18 0,-3 4 31 16,-1 1-20-16,-1 3-23 16,0 2-13-16,1-1 24 0,-1-1-22 0,2 6 47 15,1-2-16-15,0 0-17 0,1 6-28 0,1-4 11 0,0 0-19 16,-1 5 16-16,1-6-6 0,0 0-9 0,2-2-7 0,-1-7 4 15,0-2-7-15,3-6 6 0,0-4-14 0,-1-6-7 0,3 0-33 16,-2-4-17-16,-1-1 12 0,3-3-56 0,-3-2-21 16,2-4-3-16,0-3-68 0,0-4-73 0,0 0 65 0,0-7-154 15,3 4 205-15,-3-5 40 0</inkml:trace>
-  <inkml:trace contextRef="#ctx0" brushRef="#br0" timeOffset="3658.6">12737 7385 392 0,'-2'-27'116'0,"1"2"216"0,1-1-182 16,3 6-13-16,2 3-25 0,3-1-6 0,1 7 21 0,1 0-35 0,2 0 30 15,-2 6-21-15,-2 2-26 0,4-2-24 16,-3 3 19-16,2 2-29 0,4 2 11 0,0 1-7 0,-1 3-16 0,3 2-18 0,-2 2 6 16,-2 2-13-16,0 5 10 0,-2-1-1 0,-1 2-7 0,0 0-5 15,-2-2 12-15,0 3-12 0,0 0 9 0,-2-2-2 16,1-2-4-16,-2 2-3 0,0-1 1 0,-2 0-1 0,-1 0 9 16,-2 1-4-16,-2-1-2 0,-2 3-5 0,0-2 5 0,-4 2-4 15,-2 2 7-15,-2-2 2 0,1-1-6 0,-1 4-13 0,-1-6 9 16,1 1-12-16,-1 1 6 0,-1-1-10 0,1-3-12 0,0-2-44 15,0 1 13-15,3-1-18 0,2-1 1 0,1-4-25 0,5-4-24 0,0 1-121 16,-1-2-53-16,3 0 4 16,1-1 98-16</inkml:trace>
-  <inkml:trace contextRef="#ctx0" brushRef="#br0" timeOffset="3896.23">13293 7190 1487 0,'-6'4'-273'0,"4"2"464"0,1 5-69 0,0 3-104 0,-1 6-14 16,0 3 25-16,-2 0-19 0,1 7 55 0,-2-5-14 0,-1 1-13 0,1 6-27 15,-3-7 11-15,0 2-17 0,1 4 47 0,3-4-7 16,1 2-5-16,-1 3-38 0,2 0 18 0,0-2-25 0,-2 5 25 16,2-2-10-16,1-4-10 0,2 2-3 0,-1-11-1 0,1-3 2 15,1-4 4-15,2-3-19 0,-1-3-10 0,1-2-55 16,-2-2-18-16,-1-3 9 0,-1 0-74 15,0 0-27-15,0-3 2 0,0 2-120 0,0-4 144 0</inkml:trace>
-  <inkml:trace contextRef="#ctx0" brushRef="#br0" timeOffset="4153.46">13132 7309 398 0,'-3'-21'107'0,"2"3"228"0,1-1-198 15,0 1-21 1,3 1-22-16,3 1-16 0,-2 5 21 0,4 0-31 0,0 3 22 0,0-1-10 0,1 3-19 15,2 0-7-15,2 2 22 0,-2 0-27 0,4-2 19 16,1 5-14-16,0 0-24 0,1 1-23 16,0 0 14-16,-1 2-19 0,3 2 15 0,2 1-5 0,-2 3-9 15,1 3-2-15,-3 1 7 0,-3 1-5 0,1 2 11 16,-3 0-5-16,-2 2-8 0,-1 0-10 0,-2 0 9 0,-1-5-7 16,-3 2 24-16,-2-3-7 0,-1 0-7 0,-4 4-2 0,-2-2 3 15,-3 0-2-15,-1-2 2 0,-1 0 0 0,-3-1-4 0,-1 0-13 16,0-3 12-16,-3 0-12 0,-1 2 5 0,1-3-3 0,-1 1-7 15,0 0-43-15,0 0 12 0,2-1-20 0,1 0-7 0,2 1-3 16,1-4-16-16,0 0-23 0,1 1-12 0,0 0-8 0,3 0-114 16,4-1-7-16,1 0-34 0</inkml:trace>
-  <inkml:trace contextRef="#ctx0" brushRef="#br0" timeOffset="4798.7">14083 7100 1175 0,'1'-10'77'0,"2"4"44"16,-2-3-25-16,1 5-3 0,-2 1-11 0,1 0-12 0,-4 3 1 15,-2 0-21-15,-4 5-32 0,-1 2-11 0,-2 3-7 0,-5 3 8 0,0 3-1 0,-1 3 8 16,-2 7 12-16,1 0-1 0,-2 3-2 0,-4 6-13 16,-1-5 13-16,-1 5-17 0,-4 1 6 0,-2-3-4 0,3 2-7 15,-5 4-2-15,1 0 1 0,2 1 0 0,-7 10 2 16,3-4-4-16,-1 4-3 0,-5 5-46 0,7-6-2 0,0-3-8 15,-2 0-34-15,6-9-3 0,-1-5-1 0,3-1-6 0,10-7-23 16,3-4 30-16,4 2-91 0,2-8-51 0,2 2-13 0</inkml:trace>
-  <inkml:trace contextRef="#ctx0" brushRef="#br0" timeOffset="5810.6">14024 7546 1311 0,'-11'4'70'0,"0"1"26"16,1 2-77-16,-2 3 5 0,-1 0 9 0,-2 2 1 0,-5 2 16 15,1 1 13-15,0-1-16 0,-3 5-18 0,3 0 5 0,-1 4-15 0,-1 3 24 0,2-3 20 16,3 0-20-16,5-1 2 0,3-3-14 15,3 0-19-15,0 1-13 0,0 0 4 0,4-5-6 0,1-1 8 0,3-2-4 16,4-3-7-16,1-1-35 0,-1-1-2 0,4-4-4 0,2-1-3 16,4 1-7-16,5-2 6 0,2-2-71 0,1-2 22 15,0-2-15-15,2-2 98 0,-3-1-19 0,0-1-3 0,5-3-19 16,-1 2 15-16,1 0-1 0,-1-3 46 0,-3 1-5 0,0 1-8 0,0-4 6 16,-1 0 0-16,0 3 5 0,-3 0 8 0,-5 2 1 0,-3 1-4 15,2-3-17-15,-2 0 22 0,2 0-19 0,-4-1 24 0,-3 3-2 16,-3 0-9-16,-4 3 11 15,0-2 0-15,-5 3 8 0,1-2 24 0,-5 3-3 0,0 1 2 0,0-2-24 0,-4 6 15 0,1-3-16 16,-3 3 6-16,0 3-8 16,5-3-13-16,-5 4-12 0,0-1 17 0,-1 4-12 0,-3 1 14 0,1-1 1 0,1 4-12 0,1-2-6 0,-1 3 26 15,2 0-20-15,1-1 31 0,1 2-2 0,1 0-14 0,1-2-11 16,0 1 11-16,-1 0-9 0,5-3 21 0,0 2-5 0,3-1-7 0,2-1-14 16,1 1 8-16,2-4-8 0,1 0 8 0,4-3 2 0,0 2-1 15,2-2-1-15,1-3 0 0,1 2 0 0,0-2 15 0,2-2-8 16,-1 1-1-16,1-3-19 0,3-1 15 0,1 1-9 15,-1-1 31-15,2-3-11 0,0-1-13 0,2 0-5 0,-3-1 8 16,-2 0-4-16,1 1 4 16,-2 1 0-16,7-1-5 0,-2 0-10 0,-1-1 8 0,-2-1-7 0,-3-1 10 0,-2 2-4 0,-2 1-4 0,0 5-11 0,-2-2 9 15,-1 3-4-15,-1 0 18 0,0-1-3 0,-2 2-7 0,-1 2-7 16,1-1 1-16,-2 1-1 0,-1 1 6 0,1 1-3 0,-1 2-2 0,0 1-9 16,0 0 13-16,0 1-6 0,0 3 10 0,0 0-1 0,-1-1-10 15,1 3-20-15,0-3 1 0,0-1-7 0,1-1-8 0,0 0-7 16,0-2-6-1,0 1-8-15,1 0-5 0,1-2 3 0,-1-1-16 0,1 1 9 0,1-2 2 0,-1 2-4 0,2-3-42 0,0 0 9 0,1 0-111 16,-1-1 72-16,2-1 49 0,0-2 69 0,-2 2-10 0,2 1 8 16,-1-2-3-16,-1 0 16 0,2 0 12 0,-1-1 9 0,-1 1 29 15,2 2-19 1,-2-1 53-16,0 1-5 0,-1 1 0 0,0 0 8 0,1 0 8 0,-2 0 2 0,-1 0 24 16,0 1-12-16,0 1-15 0,-1 3-32 15,0 0 25-15,0 0-26 0,0 4 16 0,-1-2-20 0,1 3-21 0,-1 2-5 16,1 1-6-16,0 3 6 0,2 1-15 0,-2-2 5 0,1-1 0 15,-1 1-7-15,-1-2 13 0,2 3-13 0,1-3 9 0,-1 1-2 16,0 1-7-16,0-1-5 0,1-2 7 0,-1-1-4 0,1-1 15 16,1-2-2-16,-2-2-6 0,1-1-5 0,-1-2 4 0,0 1-5 0,0-1 0 15,-2-2-1-15,1 0-2 0,0-1-12 0,0-1 9 0,-1-1-10 16,1-4-5-16,-1 3-7 0,0-4-15 0,1-1-17 0,-1-1-3 16,0-1-3-16,2-1-11 0,-1 0 4 0,0-3 3 0,-1 2 25 0,-1-3 5 15,-2 1 9-15,1-1 23 0,1-2-5 0,0 1-10 0,-1-3-23 16,-1-1 13-16,1-2-13 0,0-1 31 0,0 1 7 0,-2-1 10 0,1 0-9 15,0-3 10-15,2 0-6 0,-1-1 23 0,2 1 2 16,2 2-10-16,1 1 17 0,0 4 8 0,4 0-4 0,2 2 2 0,-1 5 2 16,2 1-4-16,-1 2 16 0,-2 4 19 0,-2 1-7 0,2 3 32 15,-2-2-5-15,0 3-11 0,3 0-16 0,-1 0 4 0,3 4-12 16,-1-1-13-16,0 2-5 0,-4-1-4 0,2 5-9 0,-1 0 3 0,-1 1-4 16,2 0-6-16,1 0-1 0,0 3-9 0,1-2-4 0,0 1 11 15,1-2-9-15,-1 2 20 0,-1-1-7 0,0-1-3 0,-2 1-10 16,-1 0 8-16,-2-2-5 0,-2 1 6 0,-1 1-2 0,0-2-7 0,0-1 0 15,-2 0 1-15,-4 4-1 0,0-5 4 0,-4 2-1 0,-2 0-1 16,0-1-27-16,-1-1 7 0,-3 1-16 0,1-4-32 0,3 0-5 16,2-2-23-16,-5 2-33 0,3 0-24 0,-4-1-5 0,3 2-125 0,6-2-5 15,1 0-17-15</inkml:trace>
-  <inkml:trace contextRef="#ctx0" brushRef="#br0" timeOffset="6030.71">15205 7189 1730 0,'30'-18'-93'0,"-10"14"168"16,1 1-13-16,2 3-32 0,1 4 23 0,-6 3 35 16,-1 3-28-16,-1 2 46 0,-2 9-40 0,-1 1-34 0,2 7-18 0,-5 1 5 15,-1 1-4-15,-2 4 8 0,-3 1-2 0,-3-1-8 0,-1 10-13 16,-1-2 12-16,-3 5-14 0,-5 9 21 0,-4-1-4 15,-4 5-9-15,-9 8-27 0,-5-8-21 0,-5 2 4 0,-10 9-109 16,0-4-48-16,-5 4-12 0,-5 14-222 16,4-10 220-16</inkml:trace>
-  <inkml:trace contextRef="#ctx0" brushRef="#br0" timeOffset="15827.12">16543 8858 468 0,'-8'-6'132'0,"0"3"166"16,2 0-161-16,0 2-30 0,2-1-14 0,0 2-6 0,2 0-24 15,0 3-26-15,1 5-29 0,0 3 2 0,-1 5-10 0,2 4 15 16,0 3 1-16,2 1-2 0,-2 9-4 0,0 1 19 16,0 4-17-16,0 9 22 0,0-3-7 0,0 1-11 0,-3 6 3 15,3-3 0-15,0 0-1 0,3 8-10 0,0-3-2 0,0 6-2 16,0 10-12-16,-2-4 8 0,1 3-8 0,-1 0 23 15,0-7-8-15,-1-6-6 0,0 6-6 0,-2-9 5 0,-1-3-3 16,-1-4 15-16,2-7-4 0,0-5-5 0,-1-1 1 0,1-6 1 16,1-3-2-16,0-7-3 0,1-4 1 0,1-4 2 0,0 1-22 15,0-1-15-15,2-3-5 0,0 1-88 0,0-5-16 16,0-1-24-16,1 0-179 0,0 0 217 0</inkml:trace>
-  <inkml:trace contextRef="#ctx0" brushRef="#br0" timeOffset="16883.68">7820 9325 394 0,'-3'-11'105'0,"0"5"114"0,2 0-94 32,0-2 4-32,0 3-29 0,0 0 45 0,1 4-21 0,-2 1-26 0,2 0-63 0,-1 0 24 0,0 2-47 0,0 5 18 15,-1 3-1-15,1 2-9 0,1 10 14 16,0 3 8-16,0 0-7 0,0 10 8 0,0-6-10 0,0 7-11 0,1 13-8 0,1-6 6 15,0 4-8-15,1 7 19 0,-3-5-7 0,1-3-6 0,0 5-23 16,-1-5 19-16,0-1-21 0,-2 10 24 0,-1-3-3 16,2-2-12-16,0 3-2 0,0-6 4 0,-1-4-4 0,-1-4 9 31,2-6-8-31,-1-7-1 0,1 0-9 0,0-7 6 0,1-3-1 0,0 0 15 0,0-6-3 0,0 2-8 0,0-5-34 0,1-1 3 31,2-3-15-31,0-2-31 0,0-1 8 0,1 0-6 0,1-3 30 0,1-1-4 0,0-5 10 0,2 0 6 0,0-1-2 0,1-2-1 0,0 0-37 31,0-2 1-31,1 0-12 0,0-2-24 0,1-1-7 0,0 1-9 16,0 0-63-16,-1 0 8 0,-2 0-22 0</inkml:trace>
-  <inkml:trace contextRef="#ctx0" brushRef="#br0" timeOffset="17169.73">8200 9984 414 0,'-1'-6'-264'0,"2"3"482"16,0 2-58-16,1 1-94 0,0-3-12 0,0 3 32 0,-1 0-34 16,0 4 46-16,2-1-18 0,-3 3-24 0,1 4-29 15,0 2 22-15,-1 2-28 0,0 5 46 0,-1-3-1 0,0 6-15 0,-1 1-24 16,0 2 24-16,0 1-35 0,0 3 33 0,-2-5-13 15,2-2-9-15,-1-2-18 0,-1-4 5 0,1-1-7 0,1-4 7 16,-1-1-2-16,3-4-10 0,-1 3-14 0,1-5 16 16,0-2-18-16,1-1-56 0,1 2-52 0,-1-2-35 0,1-1-145 15,-1 0 145-15</inkml:trace>
-  <inkml:trace contextRef="#ctx0" brushRef="#br0" timeOffset="18264.8">7739 10488 775 0,'-24'13'-150'15,"15"-4"271"-15,3-1-20 0,1-2-44 0,1-1-1 16,1 0 10-16,2-2-15 0,0-1 31 0,1-2-11 16,0 0-14-16,1 0-27 0,3-2 35 0,0-1-39 0,1-1 50 0,1 1-8 15,1-1-20-15,4-4-9 0,2-2 17 0,0 2-26 16,5-4 15-16,-3 2-13 0,1 0-14 0,1 0-20 0,-1 0 12 16,-1 1-14-16,0 0 18 0,0 2 0 0,-2 1-7 0,1-1-10 15,-1 1 12-15,-3 3-14 0,2-2 12 0,-3 3-5 0,-1 1-7 16,1 1-85-16,-4 0-63 0,-1 1 17 0,1-1-359 15,3 6 303-15,1 2-31 0</inkml:trace>
-  <inkml:trace contextRef="#ctx0" brushRef="#br0" timeOffset="18469.05">8246 9611 1419 0,'-6'-7'85'0,"1"2"10"16,2-2 20-16,3 3-20 0,0 2-17 0,0 2-48 0,0 0 8 15,0 0-25-15,1 0 0 0,0 0 0 0,0 2-9 0,1 0-9 16,1 0 13-16,-1-1-14 0,1 1 19 0,-1-1-16 0,2 2-10 16,3-2-101-16,-2 3-51 0,2-3 15 0,1 3-286 15,0-1 267-15,2-3-22 0</inkml:trace>
-  <inkml:trace contextRef="#ctx0" brushRef="#br0" timeOffset="18833.68">8459 9965 1411 0,'-2'2'-53'0,"6"-1"87"15,3-1-4-15,0 0-20 0,5 0 13 0,-3-3 26 0,1-1-20 0,1-3 43 16,1 1-18-16,2-4-17 0,0-6-25 0,1-1 17 0,-2-4-19 0,2-2 16 15,-2 0-6 1,0-5-19-16,1-8-3 0,1 2 13 0,0-6-13 0,1-1 16 0,0 3 1 0,-1-5-8 0,0 0-16 16,-3 5 13-16,-2 4-16 15,-1 1 23-15,-4 2-4 0,1 0-7 0,-4 2-14 0,-2 1 14 0,-2 6-15 0,-4 1 9 16,1 3 1-16,-2 5-4 0,-1 0-2 16,1 6 8-16,3 1-5 0,-3 6 15 0,3 2-3 0,-2 5-10 0,1 7 2 0,-1 2 1 15,-1 4 0 1,0 1 1-16,0-1 3 0,0 6 2 0,0 5-5 0,1 6 6 0,1 2-5 0,0 0 14 0,1 8-1 0,1 0-4 0,-1 5-8 15,0 5 7-15,0-5-6 0,0 1 5 0,-2-2 0 0,1 0-2 16,-1 4-11-16,-1 1 9 0,3 3-7 0,-2 1 12 0,-1 0 2 16,2-5-9-16,-2-2-9 0,0-8 11 0,1-6-11 0,0-5-6 0,-1-6-26 15,5-3-22-15,-4-5-92 16,2-2-12-16,3-3-11 0,-4-4-84 0,5-4-15 0,-2-3-40 0</inkml:trace>
-  <inkml:trace contextRef="#ctx0" brushRef="#br0" timeOffset="19247.66">8530 10007 843 0,'-4'-3'205'15,"4"3"-177"-15,0 0 47 0,3 3-21 16,5-1 15-16,-2 2-3 0,3 3 33 0,0 2-26 0,-1-3-29 0,3 3-34 0,1-2 19 0,0 0-25 0,3-1 18 16,-1-2-3-16,0-1-10 15,6-3 2-15,1 0 17 0,0-3-14 0,4-1 20 0,-3-2-6 16,-1-1-17-16,4-5-2 0,-4-1 5 0,0 3-8 0,-2-2 1 15,-4-2-2-15,2 5-4 0,-1-4-7 16,-5 3 12-16,0 0-10 0,-4-3 24 0,0 5-7 0,1 0-8 0,-1-1-12 0,-2 4 9 0,-3-3-8 0,1 4 21 31,-3-2-2-31,-4 3-6 0,3-1-14 0,-2 1 15 0,1 1-13 0,-2-2 14 0,0 1 2 0,-1 0-11 0,-2-1-4 0,1 3 10 16,-2-1-9-16,2-1 9 0,1 1-5 0,-2 2-7 0,-1 0-4 31,-2 0 9-31,-1 0-4 0,2 2 14 0,-1 1 0 0,1 0-7 0,-3 4-19 16,2-1 16-16,0 0-15 0,0 1 20 0,0 3 0 0,1-1-7 15,-2 7-5-15,0 0 10 0,0-1-6 0,0 3 10 0,3 1-2 16,2 4-4-16,1 2-2 0,1 1 10 0,2 3-5 0,2 0 19 16,0 0-3-16,5 1-6 0,-1-1-1 0,3-1 4 0,2-4-2 0,1-1 2 15,2-4-2-15,-1-3-3 0,1 2-14 0,3-4 6 0,-1-4-8 16,1-3 10-16,1-4 0 0,-1-1 0 0,2-2-8 0,2-5 3 0,-3-2-1 16,0 0 11-16,-2-2-3 0,0-1-5 0,3-2-27 0,1-2-15 15,1 2-5-15,-4-3-88 0,0 1-22 0,-2 0-22 0,1-1-188 16,-2 0 220-16</inkml:trace>
-  <inkml:trace contextRef="#ctx0" brushRef="#br0" timeOffset="19791.97">9555 10084 1382 0,'0'3'94'0,"0"0"52"15,3 1-135-15,3 1 16 0,0-1-6 16,2 0-4-16,2-4 3 0,-1 3 10 0,2-4-8 0,3-1 2 16,-3-2-1-16,0-3-12 0,1-1 3 0,1-2 22 0,0-1-20 0,3-5 30 15,-1 0-10-15,-1-1-15 0,2-1-14 0,-6 2 6 0,-1 0-10 16,-1 0 8-16,-3 2-2 0,0-1-5 0,-3 0-4 16,-2 3 2-16,0 0-4 0,-2-2 11 0,-4 4-8 0,0 0-3 15,-1 1-18-15,-2 3 11 0,-1 2-9 0,-4 1 17 16,0 3-2-16,-1 1-8 0,-1 2-1 0,4 4 9 0,1 1-7 15,0 2 15-15,0 0-2 0,4 2-5 0,0 3-4 16,0 1 3-16,0 3-1 0,1 1 8 0,0 2-2 0,-1 3-2 0,2 5-11 0,1 3 15 16,0 1-11-16,2-1 16 0,1 0 0 0,1-1-8 0,0 0-1 0,3-3 4 0,-1-3-3 0,3 0 1 15,0-4 0-15,1-2-5 0,1-2-9 0,-1-3 12 16,2-3-9-16,2-5-9 16,0 0-10-16,2-2-27 0,0-2 28 0,0-3 20 0,1-5-5 0,1-2-2 0,1 1-11 0,-2-2-27 0,1-4-20 0,-1 1 17 15,0-1-15 1,-1-4 19-16,1 0-7 0,2 0-7 0,0-3-15 0,0-1-5 15,2 1 4-15,-1-2 17 0,-4 0 20 0,1-3 13 0,-2-1 19 16,0 3 12-16,1-1-8 0,3 3 11 0,-2-2 6 0,1 3 0 16,-1-1 10-16,0 0 15 0,-3 5-5 0,0 1 45 0,0 2-3 0,-2 2-2 15,-1 3-18-15,-2 0 19 0,1 2-19 0,-2 1 11 0,1 3 0 16,-1-1-8-16,0 2-15 0,0 3 15 0,0 1-15 0,-1 1 31 16,0 3-9-16,1 1-6 0,1 4-24 0,1 0 5 0,0 4-10 0,0 2-3 15,3-1-9-15,-1 1-8 0,1-1 3 0,1 1-2 0,0 0 4 16,0-2-5-16,2 1 0 0,-2-3-5 0,1-1-12 0,-1 0 15 15,0-1-12-15,0 2 18 0,-1-4-7 0,1-1-10 0,-1-4-35 16,0-5-19-16,-2-1-2 0,0-1-83 0,-2-2-17 0,-1 0-20 0,3 0-135 16,-5-1-31-16,2 0-34 0</inkml:trace>
-  <inkml:trace contextRef="#ctx0" brushRef="#br0" timeOffset="19950.06">10313 9868 693 0,'-4'-10'143'0,"-1"5"424"0,2 0-473 0,1 3-5 15,-1-2-11-15,-1 4-14 0,-2 2 9 0,0 4-22 16,-1 2-3-16,-1 5-5 0,-1 2-18 0,-1 5-9 16,-1 3 19-16,-2 5-22 0,-2 5 19 0,0 3-8 0,-1 1-11 0,-1 7-18 15,3 1 13-15,-1-2-15 0,1 4 19 0,1-8-3 0,1-1-8 16,0 2-28-16,0-8-21 0,2 3 2 0,-1-1-159 16,4-5-102-16,2-3-31 0</inkml:trace>
-  <inkml:trace contextRef="#ctx0" brushRef="#br0" timeOffset="20730.56">10568 9861 1293 0,'1'3'109'16,"3"1"44"-16,0 7-114 0,1 6 31 0,-1 3-1 15,-1 6-7-15,1 9 3 0,-2 1 12 0,-1 3-22 0,-2 13-14 16,-1-1-5-16,-4 1-13 0,1 3-15 0,-3-8 19 15,2-3-21-15,-1 4 18 0,3-3-7 0,-2 2-13 0,1 3-9 16,-1-8 9-16,0 0-10 0,1-3 17 0,-1-10-5 0,1-3-5 16,-3-3-11-16,2-11 7 0,2-5-7 15,-2-4-4-15,3-3-21 0,-1-1-12 0,-2-2-48 0,-1-5-5 0,0-2 8 16,-1-9 10-16,3-7-9 0,-2-5 7 0,0-4-8 16,3-2-3-16,-3 1 22 0,4 2 49 0,-1 1 9 0,2 2 12 0,2-4 2 15,0 1 9-15,1-2-5 0,2-4 16 0,2 3-2 0,1-3-4 0,-2-3-2 16,2 1 6-16,-2 3-1 0,2 1 26 0,2 5-1 0,-2 3 0 15,2 2-18-15,0 4 26 0,1 3-22 0,1 2 36 0,-1 2-1 16,-1 5-5-16,1-2-26 0,-1 5 21 0,0 2-22 0,0 0 22 16,-1 1-9-16,3 3-14 0,-2 1-22 0,2 2 17 0,2 1-16 0,0 0 16 15,0 6-5-15,3-1-10 0,-2 3-6 0,1 4 5 16,-2-2-4-16,1 1 3 0,-4 2-1 0,0-2-4 0,-2 1-7 0,-1 2 12 16,-1-1-8-16,-3-1 17 0,-1 0-3 0,-1 2-7 0,-1 0-7 0,-1 0 11 15,-3-1-9-15,-1-2 9 0,-1 2 0 0,-1-3-7 0,-1 0-3 16,-2 0 2-16,-2 1-2 0,-1-2-4 0,-1 1-8 0,-2 0-7 0,1-2-16 15,0 3 14 1,1-4-10-16,0 1 12 0,3-3 4 0,0 2-10 0,0 0-6 0,5-4 12 0,-1 2-12 0,2-2 6 0,2 0-3 16,1-1-7-16,2 0 1 0,2 0 6 0,2-2-1 0,2-1 14 15,1 1 6-15,2-1-2 0,1-1-3 0,-1 0 14 0,3-5-11 0,0-1 14 16,1 1-1-16,2-2-6 0,2-4-9 0,0 1 13 0,3 0-7 16,4-3 23-16,-2 1-7 0,2-4-8 15,1-1-9-15,1-1 8 0,-1 0-6 0,-1-1 13 0,1 1-2 0,-1-1-5 0,0-1 3 16,0 2-1-16,-1 1 5 0,-1 1 10 0,-2 2-2 0,0-1 2 0,0-2-13 15,-1 0 11-15,0 2-11 16,-3 2 4-16,-3-1 1 0,-2 5-5 0,-4 0-11 0,-2 0 9 0,-2 1-6 0,-1 2 22 16,-1 4-3-16,-3-3-3 0,-1 3-11 0,-2-1 4 0,-2 3-5 0,-3 2 1 15,0-1 4-15,-1 4 0 0,-2-1-20 0,1 2 14 0,-1 3-15 0,2 0 25 16,-2 3-3-16,2-1-4 0,-1 2-9 0,-1 2 7 0,2 1-5 16,1-1 12-16,3 3-7 0,-2 1-7 0,1 1 3 0,1 1 1 15,2 0 4-15,3 2 9 0,2 3 2 0,-2-1-3 0,5 4 2 16,-2-1 8-16,4 2-6 0,2-1 8 0,-3-2-6 0,3-3-1 0,-2 0-13 15,2-4 6-15,4-6-4 0,3 0 5 0,1-6 2 0,1-4-7 0,3 3-3 16,-1-5 13-16,2-1-11 0,-1 0 21 0,0-1-4 0,1-5-8 16,2-1-10-1,0-2 8-15,0-1-7 0,2-3 5 0,-2-4 0 0,0-2-6 0,1-3-8 0,0 1 10 0,0 0-10 0,-1-3 1 16,-2 3-22-16,1 1-15 16,0-3-59-16,-3 3-28 0,2-1 5 0,-4 1-101 15,2 6-37-15,0-1-34 0</inkml:trace>
-  <inkml:trace contextRef="#ctx0" brushRef="#br0" timeOffset="21170.12">11499 9879 1248 0,'-20'0'-161'0,"8"1"299"0,6 2-27 0,-1-2-50 0,0 1-4 16,3-2 13-16,-4 1-21 0,2 2 8 0,-1 1-17 0,1 3-18 15,-2-2-14-15,2 2 6 0,2 0-8 0,-3 0 26 16,4 1 3-16,-4 1 2 0,1 1-4 0,4 1 8 0,0-1-13 15,0 2 18-15,-3 4-5 0,1-1-7 0,0 5-20 16,1 0 21-16,2 0-25 0,-1 2 22 0,-2 1-5 0,3-1-13 0,-2 4-10 16,0 0 12-16,5-1-14 0,-2-1 26 0,-2-5-6 15,7-1-7-15,-6 1-13 0,4-4 9 0,3-1-10 0,-3-2 13 16,5-2-6-16,0-1-5 0,1-2-1 0,1-4-2 0,0 0 2 16,2-3 3-16,0 0 2 0,2-1 0 0,1-2-7 0,-1-3 9 15,2-2-8-15,0 1 13 0,-3-5-3 0,1 0-7 0,0-4-10 0,2 1 7 16,2-2-6-16,0 1 13 0,-1-1-3 0,0-2-4 0,-2 2-40 15,0-4 7-15,0 3-17 0,-3 0 0 0,-2 1-4 0,0 1-4 0,-1 0 10 16,-1 2 2-16,-1 2 4 0,-1-1 7 0,-1 4-3 16,1 2-7-16,-2-2 5 0,1 0 14 0,-2 2-4 0,-2 2 28 0,-1 0-2 15,1 1-3-15,0 3-3 0,0 0 7 0,2 1-3 0,-2 0 20 16,0 1 0-16,0 0-3 0,2-1 3 0,-1 4 24 0,-1-1-14 16,1 3 33-16,1-2-4 0,1 2-8 0,3 0-22 0,1-2 15 15,2 2-16-15,2-2 9 0,0-1-2 0,-3 1-16 0,2-2-8 0,4-2 10 16,-2 0-10-16,9-2 10 0,-3-3-8 0,0 0-6 0,3-5-8 15,1 1 10-15,-3-3-6 0,0 0 7 0,-1 0 3 0,-1 1-10 0,1-2-43 16,-1 0 2-16,-2-2-19 0,0 2-55 0,-4-3-24 0,-2 0-26 16,-1-2-135-16,-2 0-67 0,-2 1-20 0</inkml:trace>
-  <inkml:trace contextRef="#ctx0" brushRef="#br0" timeOffset="22058.84">11989 9504 1153 0,'-33'-12'-551'0,"20"10"984"0,4 4-123 0,4 1-192 16,-1 4-53-16,3 6 17 0,-1 3-36 0,0 10 39 15,-2-1 0-15,3 4-10 0,-4 5-17 0,-1 1 13 0,5 4-29 16,-4 3-2-16,4 0-11 0,1-6-12 0,-3 5-15 0,4-1 9 16,-2 0-10-16,2 7 11 0,1-5-3 0,0 6-5 0,1 4-7 15,-1-2 7-15,3-6-7 0,3 4-3 0,3-12-15 16,4-2-16-16,3-2-23 0,0-11 3 0,-1-5 2 0,2-4 3 16,1-8 10-16,1-4 5 0,5-3 10 0,-3-6 15 0,2-1-7 15,4-3 7-15,-3-3 4 0,1 0-11 0,1-4 13 16,-4-4 8-16,1-1-2 0,-1-2 16 15,2-1-3-15,-2-1-6 0,-3 0-3 0,-2-2 22 0,-5 1-13 0,0 3 44 0,-2 3-6 0,-2 1-8 16,-3 0-17-16,-1 4 10 0,-3-1-10 0,-1 4 13 0,-4 2-10 16,-1 2-8-16,-2-1-11 0,-1 3 0 0,-1 4 0 0,1-1 0 0,-2 4 1 15,2 0-2-15,-1 3-21 0,-1 3 12 0,0 1-12 0,-2 4 23 16,-1 0-4-16,3 2-4 0,-2 2-10 0,0 4 5 0,-2 1-5 16,2 4 10-16,-1-1 2 0,3 5-2 0,1 0-19 0,-1 0 21 0,2 1-18 15,3 0 20-15,0-1 2 0,2-3-11 0,2 1-3 0,0-3 7 16,2 0-6-16,2-4 6 0,3-4 1 0,1 1-3 0,0-6-14 15,0 0 12-15,2-1-11 0,1-4 27 16,0-1-2-16,2-1-4 0,2-1-15 0,1-3 13 0,-2-3-11 0,1 0 20 0,-1 0-1 0,2-3-8 16,0-2-2-16,0 0 7 0,0-2-5 0,-2 2 6 0,2-5-3 15,2 1-5-15,2-4-5 0,0-3 1 0,0 4 0 0,-1-3 5 16,-4 4-2-16,-1 2-2 0,0-2-13 0,0 5 15 0,-3 0-10 0,0 0 20 16,-4 4-2-16,0-1-11 0,0 3 0 0,-2 3 2 0,1 0-2 15,-2 2 1-15,-2 2 0 0,1 0-1 0,-2 3-1 0,0 1 2 16,0 3 0-16,0 3 2 0,-1 1-2 0,1 0-4 0,-1 4-8 0,1-1 11 15,0 1-8 1,0-1 13-16,0 4-6 0,1-2-10 0,2 1-18 0,-1-1 4 0,0-2-4 0,0-1 8 0,-1-3 7 0,2-1 0 0,-1-2-8 16,0-7 19-16,2 2-15 0,-1-2 25 0,-1-2-7 0,0 0-7 15,1-1 5 1,-1-5-1-16,0 4 4 0,0-5 4 0,1 1-4 0,-1 0-4 0,0-2-5 0,1 0 2 0,1-3-1 0,0-1 9 16,0-1 0-1,-1 4-1-15,2-4-8 0,-1 3 5 0,1-1-5 0,0-1 14 0,1 2-2 0,-1 1-1 0,0-2-10 0,2 3 12 0,-2-1-8 16,2 4 20-1,0 0-3-15,-1 3-7 0,-1-1-3 0,2 2 1 0,-4 0-1 0,2 3 2 0,-1 0-2 0,-1 2-1 0,1-1-2 16,-2 2 5-16,0 2-3 0,0 2 8 0,2-1-3 0,-2 3-5 0,0 3-15 16,2 0 11-16,-2 1-9 0,2 1 21 0,1 0-5 0,1 1-6 15,1 1-9-15,-1-2 8 0,0 0-4 16,0-1 12-16,0 1-2 0,1-2-6 0,-3-2 0 0,-2 0-4 16,6-2 3-16,-5 0 4 0,0-5-2 0,4 1 2 0,-5-4-12 0,6 0 8 0,-2-4-8 0,0 3 18 15,1-2-3-15,-2-3-3 0,2 1-6 0,1-3 2 0,0-1-2 16,0 0 10-16,1-2-3 0,0-2-2 0,0 0-4 0,-5-1 2 31,3 0 0-31,0 0 3 0,-1 2 2 0,1-3-4 0,0 1-12 0,-4 0 13 0,2 1-11 0,-2 0 21 0,-2 3-1 0,0 1-6 0,0 3-11 16,1 0 8-16,-1 2-7 0,0 0 16 0,-1 2-3 0,0 2-5 0,-1 0-14 31,1 2 14-31,0 2-11 0,-1 0 19 0,1 2-2 0,0 4-8 16,0 2-4-16,0 2 6 0,0 1-5 0,0 4 8 0,0 0 1 15,2 2-5-15,1-2-7 0,1 1 5 0,1 1-5 0,2-2 8 16,-1-1 0-16,1-2-4 0,2 0-13 0,0-1 16 0,3-3-13 15,-1-1 17-15,2-4-12 0,1-1-12 0,1 0-13 0,1-3 10 0,0 1-3 16,0-6 25-16,-3-2-12 0,2 1-15 0,0-3-53 0,1 3 5 16,0-4-13-16,2 0 4 0,0 1-10 0,1-3-7 0,-3-1-70 15,0 1-29-15,1 1-3 0,0-1-91 0,3 1 25 0,-1 0 6 0</inkml:trace>
-  <inkml:trace contextRef="#ctx0" brushRef="#br0" timeOffset="22658.74">13514 10064 1 0,'12'-19'68'15,"-1"4"17"-15,-4-2 55 0,4 0-31 0,-6 4 27 0,1-2-58 16,-3 4 39-16,0-4-15 0,0 4-18 0,-2-4 4 0,-1 4-5 15,0-1 6-15,-1 3-2 0,-3 2-12 0,0 1-6 0,-1 0-26 16,-1 2 8-16,-1 0-10 0,-1 2 9 0,1 4-2 0,-1-1 0 0,-1 2-25 16,0 4 7-16,-1 1-10 0,0 2 14 0,2 1-2 0,-1 0-1 15,2 4-30-15,0 1 25 0,0-1-24 0,0 6 26 0,2 1-1 16,-1 1-8-16,3-1-5 0,-1 3 11 0,3-2-9 0,0 1 11 16,0-3 1-16,1-1-10 0,0 3-12 0,2-1 15 0,1-1-17 15,-1-2 7-15,2-4-4 0,2-5-7 0,2-3-6 0,1-2 10 0,2-4-5 16,0 2 20-16,2-3-1 0,0 0-7 0,3-3-13 0,-1-4 15 15,3 0-13-15,-1 1 22 0,-1-2-5 0,1-2-9 0,-3-2-16 0,2-3 10 16,2-2-8-16,-2 1 21 0,1 2-4 0,-2-3-8 0,2 1-6 16,-1-1 7-16,-3 1-6 0,-1 3 8 0,-3-1 1 0,-3 2-5 0,1 0-7 15,3 2 8-15,-4 1-7 0,-2 1 12 0,-1 1-1 0,-2 1-7 16,3 1-7-16,-3 1 10 0,-1 1-6 0,0 2 15 0,-3-1 0 16,-2 2-8-16,0 0-14 0,-1 3 10 0,1 0-11 0,1 1 16 15,-1 1-1-15,-1 2-4 0,4 0-9 0,-4 3 11 0,4-1-7 16,0 1 14-16,0 1-6 0,4 1-8 0,-1-2-1 0,0 2 7 0,-1 1-2 15,2 0 6-15,-1-3-3 0,3 2-3 0,2-2-6 0,1 3 7 16,2-4-4-16,5-3 12 0,-3 1-8 0,6-3-7 0,1-2 7 16,2-1-2-16,1-1 4 0,-1-2 3 0,1-3-3 0,-2 0-1 0,-1-2-1 15,1-2 2-15,0-1-1 0,2 0 1 0,0-3 1 0,1 2 1 16,-3-4-15-16,1 4 16 0,0-3-14 0,-1 2 21 0,0-1-1 16,-1 1-10-16,-1-2-3 0,2 2 2 0,-2-1-2 0,-3 3 4 0,-1 1 2 15,-1 3 0-15,1 0-6 0,1 3-2 0,1 2 0 0,-5-2 4 16,0 3 0-16,-2 0 3 0,-2 4-5 0,0 1 5 0,-1 2-5 15,2 0 7-15,-1 5-3 0,0 2-2 0,0 1-4 16,-2 5 4-16,2 0-3 0,-2 4-11 0,1 0-6 0,-1 2-15 0,-3 3 18 0,0 2 17 16,-1 0-6-16,-2 0 17 0,-1-2-4 0,-1-2-8 0,-1 5-34 15,-1-3 18-15,-1 0-16 0,-4 0 46 0,1-3-5 0,-4 0-1 0,-2 2-17 16,0-2 13-16,-3 0-7 0,3-3 18 0,-1-3 1 0,2-1-11 16,0-1-10-16,3-3 9 0,-2-3-7 0,3 1 18 0,1-9-1 15,1 2-3-15,2-4-13 0,2-4 13 0,0 1-10 0,4-7 19 16,1-6-3-16,3-1-10 0,1-6-18 0,3-3 13 0,0-3-11 0,3-1 20 15,5-3-7-15,0 3-7 0,2-2-34 0,3-1-11 0,3 1-9 16,4-2-98-16,2 3-42 0,2-4-41 0,0 1-187 0,2 0 243 16</inkml:trace>
-  <inkml:trace contextRef="#ctx0" brushRef="#br0" timeOffset="22760.1">15136 9926 943 0,'-4'6'179'0,"-1"3"587"0,-1 1-730 0,-2 0-35 0,1 0-29 0,-3 2-339 15,0-1 245 1</inkml:trace>
-  <inkml:trace contextRef="#ctx0" brushRef="#br0" timeOffset="39963.11">6939 11981 256 0,'-21'-16'23'0,"8"7"468"0,3 5-193 0,1-2 14 0,1 3-232 0,3 2 15 16,3 0-30 0,0 1-8-16,2 0-17 0,0 4-17 0,0 3-23 0,0 4-5 0,0 5 21 0,0 3-1 15,0 7 0 1,2 6-2-16,0 3 10 0,1 2-8 0,-1 8 13 0,0-4 1 0,1 2-6 0,1 8-23 0,-2-6 17 0,1 1-22 31,0 11 23-31,-1-4-6 0,-1 2-13 0,0 12-2 16,-1-7 1-16,1-3-1 0,-1 1-4 0,0-15-11 0,1-5-5 0,-1 0 1 15,0-11-12-15,0-2 17 0,-1-5-30 0,1-3-7 16,0-5-2-16,1-2-58 0,-1-1-1 0,0-5-10 0,0 1-79 16,-1-5-12-16,0-5-26 0</inkml:trace>
-  <inkml:trace contextRef="#ctx0" brushRef="#br0" timeOffset="40248.92">6883 12247 499 0,'-6'-48'160'16,"2"11"-96"-16,1 0 61 0,3-4-19 0,0 9 21 0,0 1-32 15,3 1 25-15,3 6-22 0,1 3-32 0,0 4-14 16,1 3 18-16,1 2-26 0,0 0 12 0,1 5 1 0,0-2-9 16,2 5-3-16,0-2 12 0,-1 3-20 0,5 3 10 0,1 0-6 15,-3 2-13-15,6 3-11 0,-4 1 19 16,2 5-23-16,5 0 10 0,-2 0-8 0,-2 1-11 0,-1 5 3 0,-3 1 0 15,-2 1 1-15,-2 4 3 0,-3-2-3 0,-2 4-1 0,-3 2-11 16,-3 1 13-16,0-1-12 0,-5 5 21 0,-3-4-2 0,-3 1-7 16,-3-3-12-16,-2-5 13 0,1-4-12 0,-1 0 22 15,-3-3-7-15,0 2-9 0,-3-1-10 0,1-2 8 0,1-2-4 0,4-2 11 16,1-2-3-16,2-1-6 0,2 0-5 0,0-3-2 0,1-1 1 16,1-2-6-16,2 0-7 0,1-1-4 0,2-2-40 0,2-1 9 0,2-2-14 15,1-4-8-15,2 1-12 0,5-2-18 0,1-4-49 0,3 2-21 16,3 0 0-16,2-1-95 0,2-1-15 0,-1 1-28 0</inkml:trace>
-  <inkml:trace contextRef="#ctx0" brushRef="#br0" timeOffset="40519.93">7458 12082 359 0,'7'-1'126'16,"-1"-1"185"-16,-1-1-109 0,-3 0-24 0,0 3-38 0,-1-3-24 16,-4 3 21-16,1-4-45 0,-3 1-21 0,-4 0-14 0,1 1-27 15,-5-1-26-15,3 1 13 0,-3 1-18 0,-1 1 8 0,1 0 4 16,-3 1-10-16,0 2-7 0,0 1 16 0,-1-1-13 0,2 4 13 15,1-2-6-15,1 2-11 0,1 0 1 0,2 3 10 0,2 1-3 16,1 0 11-16,2 4-2 0,0-2-10 0,4 4-5 16,1 2 10-16,1 1-8 0,1 3 4 0,3-5 6 0,0 0-3 0,2-2-15 0,3-1 11 15,0 2-13-15,2-4 23 0,1-3-2 0,0 1-4 0,3-3-15 16,0-3 13-16,-1 0-10 0,0-5 20 0,2 0-6 16,-1-4-8-16,3-2 2 0,-1-1 0 0,2-2 2 0,-2-1-1 0,-5 0 4 0,2-4-4 15,-4 0-1-15,-1-1 4 0,2-1-4 0,0 0-5 0,-1-2-6 16,-2 1-5-16,-1-3-47 0,-1 0-2 0,-3 1-10 0,1 0-17 15,-3 0-5-15,-1 3-8 0,-1 0-66 0,-1 2-19 0,0 2-10 0,0-1-75 16,0 3 153-16,2 1 0 0</inkml:trace>
-  <inkml:trace contextRef="#ctx0" brushRef="#br0" timeOffset="41058.6">7656 12037 1033 0,'1'2'86'0,"2"2"30"0,1 0 10 0,1 2-15 0,1 1-15 16,-1 3-35-16,2-1 7 0,1 4-25 0,2 6-4 16,-1 0-8-16,4 5-13 0,0 4-11 0,-1 0 9 0,0 0-12 15,0 2 12-15,0 0-10 0,1-3-4 0,0 5-3 0,-1 0 4 16,0 1 0-16,-3 2 8 0,2 1-4 0,-1 2-8 0,-1 5-5 16,2 2 9-16,-2 3-6 0,0-2 3 0,0-1 4 0,-2-6-2 0,-3-4-15 15,0-6 17-15,-1-3-15 0,0-5 21 0,1-6 2 0,-2 1-11 0,-2-3-17 16,0 2 20-16,-2-4-19 0,1 0 17 15,0-3-7-15,-1-1-14 0,-1-4-29 0,1-1 9 0,0-1-10 0,-2-1 15 0,1-3 4 16,0-4-5-16,-1 1 18 16,1-7 2-16,-1 0 1 0,0-3 2 0,1-1 4 0,0-2 5 0,2-4-9 15,1-3 1-15,0-6-3 0,4 0-10 0,-3-4-19 16,1-3-16-16,-1-5-37 0,-1-2 11 0,0 0-7 0,-2-1 46 0,-2 2 11 0,0 5 7 0,-2 1 29 0,1 1 0 16,0 1 9-16,1-1 19 0,-1 2-2 0,3 1-1 0,0 3-19 15,2 2 32-15,2 4-22 0,1 4 60 0,0 3-13 0,1 3-11 0,1 2-20 31,-1 1 21-31,3 1-15 0,0-1 24 0,0 6 1 0,1-2-17 0,1 2-8 0,4 1 19 0,-3 3-19 0,4 0 10 0,-2-1-10 16,-2 3-8-16,2-1-3 16,0 2-3-16,4 0 2 0,1 3-9 0,1 1-3 15,1-1-6-15,0 0-7 0,0 4 9 0,-2-1-7 0,-4 3 9 16,1-2-9-16,-3 2-8 0,1 2 6 0,-1 1 4 0,-4-2 2 0,-2 3 0 0,-3 0-2 0,-2 3-4 0,-3-1 7 0,-3 0-2 16,-1 1 2-1,-2 2-2-15,-3-1-3 0,-1 3-1 0,-3-2-2 0,-3 0 2 16,0-4-1-16,-3 0 1 0,0-2-2 0,0-1-2 0,-2 0-9 0,3 1 7 0,0-2-8 0,1-1 2 0,6-3-4 15,-3 0-3-15,2-3-23 0,2 0-2 0,1-2-4 0,5 1-12 0,0-2-2 0,2 0-7 32,2-2-43-32,3 0 8 0,0-2-19 0,3 0-14 0,4-5-12 15,1 2-12-15,3-2-58 0,3 1-6 0,0-2-11 0</inkml:trace>
-  <inkml:trace contextRef="#ctx0" brushRef="#br0" timeOffset="41469.94">8125 12173 69 0,'18'-14'67'0,"-2"2"7"0,1 1 73 0,-3 0-3 0,1-3-32 16,-2 5 27-16,0-1 33 0,-2 2-45 0,-1 0 22 0,-2 2-17 15,-1 1-29-15,-2 0-25 0,-1 3 10 0,-1 0-25 0,-1-1 14 16,-1 3-13-16,-1 0-12 0,0 0-26 0,0 2 13 0,0-1-15 16,0 5 1-16,-1 1-3 0,0 2-10 0,-1 1-13 0,1 1 8 15,0 3-8-15,-2 2 11 0,2 2-3 0,0 0-5 0,-1 2-7 0,2 3 7 16,0-3-4-16,1 2 7 0,1 0 2 0,2-3-6 0,-1-1-10 16,1 1 14-16,2 0-13 0,1-2 18 0,-1-5-3 0,1 1-7 0,1-6-8 15,0-1 5-15,1-3-5 0,2 1 13 0,-2-4 1 0,1 0 0 16,3 0-11-16,-4-4 5 0,2 1-4 0,1-4 16 0,-3-2-3 15,3 1-4-15,2-4-4 0,-3-1 6 0,3-3-4 0,-1-2 2 16,-1-2 6-16,4-1-1 0,0 0-18 0,-2-2 19 0,0 0-18 16,-3 1 35-16,-2-1-6 0,0 1-8 0,-4 2-9 0,0-2 9 0,0 2-8 15,-3 1 8-15,-1 2 2 0,0 1-5 0,-1 0-15 0,0 2 9 16,0 3-8-16,-1 1 17 0,-1 5-5 0,0 2-5 0,-1 2-7 16,3 1 13-16,-1 0-7 0,2 1 22 0,-1 2-7 0,1 4-11 0,-1 3-4 15,0 4 7-15,2 5-5 0,-1 4 16 0,1 2-8 0,-1 1-4 16,2 4-14-16,1 0 8 0,-1 4-3 0,1 2 21 0,-1-7-4 15,1 5-9-15,1-4-12 0,1 2 10 0,-1-2-7 0,1-2 12 0,-1-4-5 16,3 1-6-16,-1 0-9 0,3-2 10 0,0-6-5 0,0-1 13 16,2-3-2-16,-2-7-7 0,0 1-4 0,-1-1 4 0,1-5-2 15,-1 1 6-15,0-2-3 0,-1-2-3 0,2-2-34 0,0-2 4 16,0-3-13-16,1-5-34 0,-1 2-23 0,2-5-27 0,0 1-39 0,1-1-30 16,1 1 10-16,2 0-107 0,-2 2-10 0,2 0-24 0</inkml:trace>
-  <inkml:trace contextRef="#ctx0" brushRef="#br0" timeOffset="42814.87">9074 12170 671 0,'-5'3'157'0,"2"-3"399"0,1 0-441 0,2 0-30 0,0 0-37 0,3 0-22 0,-2 0 12 0,4-1-16 0,1-6 20 31,0-1-5-31,2-5-13 0,-1-1-17 0,-2-1 19 0,3-5-22 0,0-2 24 0,0-2 0 0,2 1-5 0,0-5-21 15,3-1 17 1,0 1-18-16,-1-3 25 0,-1 0-6 0,1-5-9 0,0 0-9 0,0-2 4 0,0 1-4 0,-2 0-1 0,-2 1 6 0,-4-1 0 0,-1 0-7 31,0 3 1-31,-2 1-2 0,-1 4 8 0,0 5-3 0,-4 1-3 16,1 1-2-16,-3 3 1 0,0-2 0 0,-2 6 2 0,0 1 3 0,0 5-1 0,1 5-9 0,2 0 7 16,-1 4-6-16,0 1 15 15,1 3-5-15,-2 2-6 0,-1 7-7 0,0 4 8 0,1 1-6 0,-2 5 13 16,0 2 4-16,0 5-1 0,1 6-11 0,1 6 13 0,3 6-12 15,0 4 17-15,2-3-2 0,0-1-11 0,-1 3-12 0,2-5 16 16,-1 2-14-16,2-2 18 0,0 1-4 0,1-1-9 0,3 6-11 16,0-1 12-16,1-4-9 0,1-6 19 0,1-6-7 0,3-8-9 0,4-5-30 15,0-4 11-15,3-3-15 0,2-4 5 0,1-3 10 0,1-1-1 16,-1-4 1-16,-1-1 16 0,1-2-11 0,1-2 25 0,1-1-3 16,1-4-11-16,4-1 0 0,-1-4 7 0,0-2-5 0,0 0 9 15,-4-3 1-15,4 1-3 0,0-3-6 0,-2 1 5 0,1-1-4 0,-2-2 10 16,-5 2 2-16,-2-4-2 0,0 2-9 0,-1 0 14 0,-4 1-11 15,-1 1 21-15,-3 3 4 0,-3 0-3 0,0-1-18 0,-4 1 14 16,-3 3-14-16,-1 0 17 0,-3 3-3 0,0 2-6 0,-2 1-10 16,1 0 6-16,-1 2-7 0,-2 3 6 0,1 1-2 0,-1 1-4 0,0 0-6 15,-3 3 2-15,2 2-4 0,0 0 10 0,0 4-1 0,1 3 0 16,0 1-14-16,-1 6 13 0,0 0-11 0,2 6 16 0,4-1 3 16,-3 0-4-16,1 2-10 0,-1 1 0 0,0 1-5 0,3-1 13 0,3 0-1 15,1-2 2-15,3-2-9 0,1 2 6 0,0-3-5 0,3-1 8 16,0-2-4-16,0-2-7 0,5-5 9 0,-1-2-3 0,0-3 6 15,2-2-2-15,0-2-2 0,1-2-1 0,0-1-10 0,4-1 11 16,-1-2-7-16,2-2 20 0,-2-3-1 0,-2-1-7 0,2-1-8 0,1-2 3 16,1-2-2-16,0-2 8 0,-1 1-1 0,-1-2-2 0,-3 0-14 15,0-4 12-15,0 2-9 0,-1 1 20 0,0 0-4 0,-1-3-8 0,0 1-5 16,-2-2 6-16,0-1-5 0,-2 4 7 0,-1 0 1 0,1 2-5 16,-3 3-12-16,-1 0 17 0,2 1-14 0,-4 3 18 0,0 1 0 15,0 0-9-15,-1 4-4 0,0 2 9 0,1 1-6 0,1 0 0 16,-2 2 0-16,-1 2-10 0,-2 3-4 0,2 3 15 0,-1 3-12 0,1 3 16 15,-1-1 2-15,-3 4-6 0,2 2-12 0,0 0 16 0,1 3-13 16,3-1 17-16,0-3-2 0,0 1-7 0,1 1-12 0,-1-1 2 16,3-2-6-16,2 0-9 0,1-3 6 0,1 0 0 0,4-1-2 15,-1-1 5-15,1-4-3 0,0-2 21 0,-3 0 1 0,3-3 1 0,3-2-6 16,2-1 4-16,4-1-3 0,-2-1 7 0,-2-1-2 0,0 3-3 16,1-5 0-16,0 2 7 0,0-3-4 0,-2 4-3 0,-1 0 5 15,0-1-7-15,2 1-7 0,-1-1 23 0,0-1-17 0,1 1 22 16,-1 0-6-16,-1-1-12 0,0 3-9 0,0-2 14 0,0-2-9 0,0 2 16 15,2 0 0-15,0-1-10 0,1 0-6 0,-2-2 9 0,2 1-9 16,1-2 6-16,-3 3 2 0,-3-2-4 0,2-2-13 0,-2-5 11 16,0 0-13-16,4-3-5 0,-4 2-30 0,-1 0-25 0,0-3-95 0,-1-2-17 15,-2 0-13-15,1 0-99 0,-5 0 0 0,4 2-21 0</inkml:trace>
-  <inkml:trace contextRef="#ctx0" brushRef="#br0" timeOffset="43178.35">10345 11461 498 0,'-13'-16'230'0,"7"9"-116"0,1 1 136 0,2 5-124 16,2 1 4-16,-2 1-35 0,3 6-15 16,-1 2-11-16,0 4-16 0,1 4-21 0,-1 2 15 15,1 7-22-15,1 5 17 0,1 2-3 0,2 5-7 0,-2 5-8 16,0-1-5-16,2 2 1 0,0-1 3 0,2-4-8 0,-1 0-1 0,2 2-21 16,-1-1 9-16,-1 4-5 0,2 0 20 0,-1 1-8 0,0 0-9 0,3 3-13 15,-2-7 15-15,1-3-9 0,1-7 19 0,2-7-3 0,2-3-9 0,2-9-20 16,3-4 19-16,-2-1-14 0,2-4 28 0,-4 1-1 0,2-3-11 15,0-1-13-15,0-1 17 0,-3-4-14 16,-1-4 24-16,1-1-4 0,0 0-11 0,2-4-10 0,-1-4 10 0,1 2-6 0,0-4 22 0,-1-2-8 0,0 0-8 16,-2-4-2-16,-1 0 8 0,1 0-3 0,-2 0 6 0,-3 4 1 15,0 1-10-15,-1-2 0 0,-2 2 22 0,0 2-14 0,-1 2 36 16,0 4-4-16,0 6-12 0,-1 1-9 0,0 1 11 0,-2 3-12 16,0 0 9-16,0 2-5 0,-1 2-4 0,0 3-22 0,0 0 9 0,1 5-10 15,-1 3 17-15,0 6-2 16,-1 1-5-16,-2 5-19 0,2 1 14 0,-2-1-12 0,1 2 27 0,1-2-4 0,-2-1-8 0,3 1-26 15,-1-4-8-15,1-6-6 0,1 1-40 0,0-6-5 0,0 0-9 0,1-1-48 16,1-3-21-16,0-5-2 0,0-1-68 0,0-1 7 0,0-6-6 16,0-2-70-16,5-4 175 0</inkml:trace>
-  <inkml:trace contextRef="#ctx0" brushRef="#br0" timeOffset="43305.75">10817 11846 561 0,'-8'-26'219'15,"0"-3"-50"-15,0 2-21 16,1-1-80-16,-3-2 46 0,2 2 4 0,0 2 0 0,0 7-30 0,3 8 20 0,2 3-43 0,1 4-12 0,1 3-15 15,0 1-21-15,0 1-27 0,0 5 11 0,0 1-12 0,-1 5 21 16,2 4-3-16,0 2-6 0,2 1-39 0,0 3-11 0,2 3-12 16,2-2-96-16,1 0-41 0,0 1-37 0,2-2-163 0,4 4 221 15</inkml:trace>
-  <inkml:trace contextRef="#ctx0" brushRef="#br0" timeOffset="43856.78">11327 12147 1985 0,'-7'-17'-80'0,"4"5"154"0,-2 2-21 0,1-3-27 0,-3 0-27 15,-2 1 14-15,-3-2-18 0,-4 2 27 16,-1 2-12-16,-1 0-10 0,-1 3-21 0,4 4 13 0,-3 0-10 0,2 2 22 0,0 1 1 0,-1 0-5 0,3 1-8 0,1 3 6 16,2 1-6-16,2 2 8 0,1 0-2 0,0-1-5 0,2 6-6 15,0-1 9-15,1 2-7 0,1 3 15 0,3-1 3 0,-1 2 0 0,3-1-10 16,2 0 0-16,3-2-4 0,2 0 10 0,0-3-1 15,-1-1 1-15,2-2-11 0,2 0 6 0,0-2-6 0,1-2 11 0,2-1 1 16,-1-2-4-16,1-1-3 0,-1-1 10 0,2-2-6 0,-2-1 14 0,2-5 5 16,0 1-4-16,1-3 9 0,2 1 11 15,-2 1-7-15,2-1 13 0,1-1-7 0,-2-1-9 0,1 2-4 0,-5-2 4 0,-1 2-4 16,2-1-1-16,-4 2-3 0,2 3-3 0,-2-1-8 0,-1 4 0 16,0-3-1-1,-1 3 1-15,-2 3-2 0,-2-1-2 0,-1 1-7 0,-1 1 4 16,0 1-3-16,0-1 6 0,0 5 3 0,-2 0-4 0,0 1-8 15,0 4 6-15,-2 1-6 0,2 0 14 0,0 1 1 0,-1 0-3 0,-1 0-17 16,-1 0 13-16,3-1-13 0,-3-1 19 0,5 0-5 0,-2-3-6 16,1 2-11-16,1-3 6 0,-1-1-4 0,2-4 12 0,1 1 0 15,0-2-5-15,1-2-5 0,-1 1 12 0,1-2-7 0,-2-1 9 16,3-1 1-16,-1-1-6 0,2-5-6 0,1-2 7 0,-1 1-6 0,2-2-1 16,0 0 2-16,0 0-6 0,4-3-5 0,1-1 14 0,1 2-10 15,2-2 18-15,-2 1-2 0,0 0-6 0,0 3-7 0,0-3 12 16,-1 3-7-16,0 0 14 0,0 0 0 0,0 4-7 0,0 2-10 0,1 0 10 15,-3 3-8-15,2-1 13 0,-1 2 0 0,1 3-5 0,0 0-7 16,-1 2 11-16,-4 2-8 0,1 1 22 0,-2 2-1 0,1 1-3 0,4 4-10 16,1 5 8-16,-2 1-6 0,2-1 11 0,-3 6-7 0,1 0-8 15,5 3-4-15,-6-1 2 0,1 5 0 0,-2-1 5 0,-3-2 0 16,1 0-5-16,-1 1-19 0,-2-2 20 0,2-2-16 0,-1 1 6 16,0-5-7-16,0-4-24 0,0 1-25 0,0-3-11 0,0-2-14 0,1-3-167 15,1 1-96-15,1 3-83 0</inkml:trace>
-  <inkml:trace contextRef="#ctx0" brushRef="#br0" timeOffset="49014.78">26307 9247 256 0,'-19'-26'-1'0,"9"16"-11"0,4-2-1 15,-1 4 2-15,0-2-2 0,-3-1 3 0,0 4 2 16,-3 0 21-16,1 0-2 0,1 4-10 0,0-3-28 0,-3 3 27 15,0 2-31-15,-1-1-1 0,2-2-4 0,-3 4-26 0</inkml:trace>
-  <inkml:trace contextRef="#ctx0" brushRef="#br0" timeOffset="53866.08">7018 14070 256 0,'0'-34'6'0,"1"17"139"31,-1 4-30-31,2 2 16 0,-3 0-39 0,1 1 21 0,0 2-28 16,-1 1 38-16,1 4-16 0,1-2-21 0,-2 5-21 0,1 0 18 16,-1 0-29-16,0 0 7 0,1 0-18 0,-1 4-21 0,0 0-15 0,1 4 10 0,0 2-7 0,-1 8 12 15,-2 2-1-15,2 6-9 0,-1 2-5 0,1 1 13 0,0-2-12 0,1-1 16 16,-4 3-4-16,4-1-4 0,-2 6-16 0,0 1 11 15,1 1-10-15,-1 3 14 0,2-1 1 16,1 2-13-16,0 3-10 0,3 0 15 0,0-1-15 0,-3-3 21 16,2-4-3-16,-1-5-7 0,1-4-16 0,-1-4 17 0,-1-8-12 15,-1-2 17-15,0-5 3 0,0 0-13 0,0-4-6 0,1 0 11 0,0-3-11 16,0 0 7-16,-1 0 2 0,1-1-3 0,2-1-4 0,-1-5 11 16,4-3-9-16,-2-2 14 0,1-3-2 0,-1-3-4 0,-2-1-6 15,2-3 1-15,1-2-1 0,-1 2 1 0,1-1-2 0,2 3-6 0,-4-1-3 16,5 0 13-16,-2 2-6 0,1 0 13 0,3 2 0 0,-2 2-10 15,0 2-8-15,1 0 10 0,0 3-9 0,2 1 10 0,-1 1 5 16,0 1-2-16,0 2-14 0,0 1 7 0,0 1-9 0,0 3 24 0,0 0-7 16,-1 1-1-16,1 2-7 0,2 2 1 0,-2 2 0 0,1 0 3 15,0 2-5-15,2 2-4 0,0-1 9 0,-1 2-3 0,2 1 7 16,-2 3-5-16,-1 0 4 0,3-3-4 0,-1 4-14 0,1-1 18 16,0 0-17-16,1-1 16 0,0-1 5 0,-3-2-7 0,4-2-14 0,-1-3 11 15,1-4-11-15,0 1 22 0,-2-4-1 0,2-1-6 0,2-3-16 16,0-1 14-16,0 1-10 0,-1-5 26 0,-4 3-9 0,1-5-10 0,-2 1-1 15,-2-2 5-15,0 0 0 0,-1-2 4 0,1 1 3 0,-1-3-5 16,-1-3-19-16,0 2 19 0,-1 0-17 0,0-1 27 0,-3 1-2 16,-2 2-6-16,-2-1-32 0,0-1 20 0,-3 5-21 0,-3-3 26 15,1 3-6-15,-2-1-12 0,-2 4-5 0,1-1-2 0,-1 0 1 16,0 4 4-16,-1-1-5 0,0 1-1 0,-1 3 1 0,0-1 8 0,-2 3-2 16,1 1 15-16,0 4 1 0,1 0-8 0,-1 5-5 0,0 1 16 15,0 4-13-15,1 1 17 0,0 2-1 0,0 2-10 0,0 4 8 16,-1 3 8-16,7 0-3 0,0 2 6 0,5-1 2 0,-2 2-5 0,2 0 5 15,-1-1 7-15,0-1-6 0,3-2-2 0,-1-3-3 0,2 1-7 16,3-2-10-16,1-2 13 0,2-1-10 0,2-1 8 0,3-4 4 16,1 4-11-16,4-1-7 0,-1-2 16 0,4-2-15 0,-3 0 10 0,1-2-6 15,1-3-7-15,5 2-39 0,2-4-4 0,1-1-6 0,3-3-22 16,-3-1 6-16,-1 0-5 0,1-5 13 0,-2-1 7 0,1-3-1 16,-2-4 17-16,-7-2 8 0,2-1 6 0,0-4 11 15,-1 1 15-15,3-1-5 0,-1 3 20 0,-1-1 3 0,-3-2-12 0,0 0-8 0,-2 0 24 16,-3-2-19-16,0 0 42 0,-3 2-1 0,-1 0-2 0,-1-1 9 15,-3-2 1-15,-1 4 3 0,-2 1 3 0,-2 2-3 0,-1 3-9 0,-3 0-18 16,1 1 14-16,-3 3-17 0,0 1 4 0,-3-1-7 0,-2 5-10 16,0-2-10-16,-1 1 14 0,0 3-10 15,-2 0 14-15,2 2-4 0,-2 2-13 0,-1 3-7 0,1 1 12 0,-1 0-8 0,1 4 8 16,4-1-2-16,-1 2-7 0,-2-1 2 0,6 2-1 0,-2 1 4 0,3 2 5 16,2 0-1-16,2 0-2 0,1 2-9 0,1-1 13 0,0 0-11 15,2 0 11-15,3-3-2 0,-1 0-7 0,1 0 2 16,3-3 2-16,1 3 0 0,3-4 8 0,1 4 3 0,2-3-3 0,3 2 6 15,-1 1 11-15,3 1-6 0,0-2 14 0,2 1-6 0,0-1-4 0,2 5-11 16,0-1 14-16,2 2-9 0,0 4 9 0,-1-1-4 0,-2 5-15 16,0 1-6-16,-3 2 12 0,-1 0-11 0,-1 4 7 0,-5 1 0 15,2 2-4-15,-5 1-6 0,-5 3 5 0,-3-1-5 0,-1 0 11 0,-3-2-1 16,2-3-4-16,-4-1 1 0,-5 0 4 0,3-4-3 0,-9-1 4 16,0-6-5-16,0-2 1 0,0-3-6 0,-1 1 6 0,0-3-3 15,-1-1 12-15,-2-2-2 0,0-3-10 0,-2 0-12 0,3-5 17 0,0-1-14 16,3-3 18-16,0-3-12 0,2-1-11 0,-1-3-10 0,2-4-4 15,2-3 4-15,3-2 0 0,1 0-2 16,2-1-2-16,2-5-1 0,2 0 14 0,0 0-6 16,3-5 20-16,1 1 4 0,3-2-5 0,3-5-7 0,3 1 6 0,1-2-7 0,3-2 4 0,2-1 3 0,2-3-1 15,3-4-6-15,2 1 12 0,0 0-9 0,-2 0 7 0,2 6 3 16,-2-2-4-16,2-2-15 0,-3-1 14 0,1 3-12 0,-1 1 21 16,-1 2-3-16,2 2-6 0,-1-1-13 0,0 1 15 0,-1 1-11 0,-2 6 29 15,-2 2 0-15,-2 6-4 0,-1 3 2 0,1 0 16 16,-2 2-10-16,-3 5 15 0,-1 1-4 0,-2 3-13 0,0 4-23 0,-2-2 23 15,1 3-19-15,1 4 37 0,-1 1-10 0,1 3-16 0,-1 4-4 0,3 2 8 16,1 5-4-16,-2 4 1 0,1 1-1 0,-2 6-8 0,1 0-15 16,-3 6 19-16,1-1-16 0,0-1 20 0,-1 0-3 0,2-1-10 15,-1-2-2-15,-1-2 5 16,-1-3-4-16,1-2-1 0,-3-6 0 0,4-5-3 0,-3-3-32 0,1-3 9 0,-2-1-17 0,2-5-14 0,-2 0-8 16,-2-2-12-1,4-3-45-15,-4-2-27 0,0-4-3 0,1-6-200 0,-2 1 212 0,0-6-32 0</inkml:trace>
-  <inkml:trace contextRef="#ctx0" brushRef="#br0" timeOffset="54012.07">8837 13857 1006 0,'-9'-17'149'0,"0"4"-5"0,3 4-7 0,3 3-50 16,0 3-7-16,3 3-16 0,-2 0-20 0,2 0-40 15,0 0 13-15,-1 2-23 0,1 2 9 0,0 5-6 0,1 2-12 0,2 4-48 16,-1 1 3-16,1 1-19 0,1 3-50 0,0-1-31 0,2 4-31 15,2 1-150-15,3 2 195 0</inkml:trace>
-  <inkml:trace contextRef="#ctx0" brushRef="#br0" timeOffset="54603.88">9240 14595 1296 0,'0'9'-531'16,"-3"-13"948"-16,-2-1-146 0,3-2-195 0,-2 0-29 0,2-2 3 15,-1-1-4-15,-2-1 16 0,0-1-13 0,-2-1-14 0,0 0-32 16,-2 0 14-16,0 1-19 0,-2 1 18 0,0 2-1 16,0 2-4-16,-2 1-26 0,1 3 12 0,1 0-13 0,-2 2 27 0,2 1-5 15,1 0-6-15,-1 1-8 0,1 4 5 0,1-1-3 0,-3 2 8 16,5 1-2-16,-1 2-3 0,-1 3-8 0,4 2 10 0,1 2-7 0,4 2 14 16,3 1 0-16,-1 2-3 0,3 2-3 0,-1 1 9 0,3-1-9 15,4-1 10-15,-2-3-1 0,3 0-4 0,0-3-8 0,0-3 5 0,1 0-4 16,1-5 19-16,-1 0-5 0,0-4-2 0,4-2-14 0,0-1 9 15,-2-2-6-15,3-2 17 0,-2-3-6 0,1 2-10 0,-1-4 4 16,-2 0 2-16,-1-1 2 0,-2-3 1 0,-1 2 0 0,-1 0-2 0,0-6-3 16,-2 0 5-16,1-1-6 0,-3-2 2 0,2 3 2 0,-3-1 2 15,1-1-10-15,-3 1 7 0,3-2-7 0,-3 2 4 0,0-1 0 16,1 0-6-16,0-1-3 0,1 1 8 0,2 1-4 0,1 1 4 16,-1 3 3-16,3-3-3 0,-1 0-7 0,1 3 6 15,-1 1-6-15,1-2 11 0,0 4-1 0,1 1-3 0,2-1-4 0,1 3 5 0,-2 1-3 16,1 3 14-16,1 0 3 0,-4-1 0 0,2 4-19 0,-2-1 8 15,0 1-9-15,1 1 17 0,-1 5-2 0,-1 2-5 0,0 1-18 16,-1 1 15-16,0 2-12 0,-1 2 23 0,-1 1-6 16,0 1-11-16,-1 3-4 0,0 0 9 0,-2 3-4 0,1-1 15 0,0-1-6 0,0 3-5 15,0 3-13-15,1-2 10 0,-1 0-6 0,0-1 14 0,2-1-3 16,1-2-10-16,1-1-1 0,0 0 3 0,0-5 0 0,0-1 6 0,-1-7-1 16,2 0-2-16,0-2-14 0,2-4 14 15,-1 0-8-15,0 0 18 0,-1 0-7 0,0-4-10 0,0 0-3 0,0-5 4 0,2-5-1 16,0 0-5-16,1-3 5 0,3 0-8 0,-2-2-3 0,-1 0 15 15,5-3-14-15,0-1 12 0,-3 3 5 0,2 0-2 0,-2-2-15 0,1 2 17 16,1 2-13-16,2 1 27 0,-2 4-5 0,-2 1-9 0,0-1-10 16,-1 3 13-16,-1 2-8 0,0 0 16 0,-2 5-4 0,-1-2-8 0,0 3-11 15,-3 2 9-15,0 0-7 0,0 4 14 0,-1-1-2 0,1 5-4 0,-2 0-22 16,0 2 3-16,1 2-8 0,-1 2-13 0,0 0-11 0,1 1-15 0,0 4-82 16,1 0-15-16,0 1-5 0,2-1 6 0,-1 0-22 0,-1-2 6 15</inkml:trace>
-  <inkml:trace contextRef="#ctx0" brushRef="#br0" timeOffset="54731.39">10536 14724 1368 0,'1'2'199'0,"-1"-2"39"0,0 1-136 0,2 1-66 32,0-2-12-32,2 1-7 0,-1 4-10 0,0-2-28 0,3-2 15 0,-2 3-212 0,2-2-113 0,0 3-100 0</inkml:trace>
-</inkml:ink>
 </file>
 
 <file path=ppt/notesMasters/notesMaster1.xml><?xml version="1.0" encoding="utf-8"?>
@@ -7579,29 +7588,32 @@
           <a:bodyPr/>
           <a:lstStyle/>
           <a:p>
-            <a:endParaRPr lang="en-US"/>
-          </a:p>
-          <a:p>
-            <a:r>
-              <a:rPr lang="en-US"/>
+            <a:endParaRPr lang="en-US" dirty="0"/>
+          </a:p>
+          <a:p>
+            <a:r>
+              <a:rPr lang="en-US" dirty="0"/>
               <a:t>Filter data from </a:t>
             </a:r>
             <a:r>
-              <a:rPr lang="en-US" i="1"/>
+              <a:rPr lang="en-US" i="1" dirty="0"/>
               <a:t>China </a:t>
             </a:r>
             <a:r>
-              <a:rPr lang="en-US"/>
+              <a:rPr lang="en-US" dirty="0"/>
               <a:t>between </a:t>
             </a:r>
             <a:r>
-              <a:rPr lang="en-US" i="1"/>
+              <a:rPr lang="en-US" i="1" dirty="0"/>
               <a:t>1990 to 2020</a:t>
             </a:r>
-            <a:endParaRPr lang="en-US"/>
-          </a:p>
-          <a:p>
-            <a:endParaRPr lang="en-US">
+            <a:endParaRPr lang="en-US" dirty="0"/>
+          </a:p>
+          <a:p>
+            <a:pPr marL="0" indent="0">
+              <a:buNone/>
+            </a:pPr>
+            <a:endParaRPr lang="en-US" dirty="0">
               <a:solidFill>
                 <a:srgbClr val="FF0000"/>
               </a:solidFill>
@@ -7614,69 +7626,66 @@
               <a:buNone/>
             </a:pPr>
             <a:r>
-              <a:rPr lang="en-US">
+              <a:rPr lang="en-CA" dirty="0" err="1">
                 <a:solidFill>
                   <a:srgbClr val="FF0000"/>
                 </a:solidFill>
                 <a:latin typeface="Courier New" panose="02070309020205020404" pitchFamily="49" charset="0"/>
                 <a:cs typeface="Courier New" panose="02070309020205020404" pitchFamily="49" charset="0"/>
               </a:rPr>
-              <a:t> </a:t>
-            </a:r>
-            <a:r>
-              <a:rPr lang="en-US" err="1">
+              <a:t>gapminder_df.query</a:t>
+            </a:r>
+            <a:r>
+              <a:rPr lang="en-CA" dirty="0">
                 <a:solidFill>
                   <a:srgbClr val="FF0000"/>
                 </a:solidFill>
                 <a:latin typeface="Courier New" panose="02070309020205020404" pitchFamily="49" charset="0"/>
                 <a:cs typeface="Courier New" panose="02070309020205020404" pitchFamily="49" charset="0"/>
               </a:rPr>
-              <a:t>gapminder_df.query</a:t>
-            </a:r>
-            <a:r>
-              <a:rPr lang="en-US">
+              <a:t>('Year &gt;= 1990 &amp; \ </a:t>
+            </a:r>
+          </a:p>
+          <a:p>
+            <a:pPr marL="0" indent="0">
+              <a:buNone/>
+            </a:pPr>
+            <a:r>
+              <a:rPr lang="en-CA" dirty="0">
                 <a:solidFill>
                   <a:srgbClr val="FF0000"/>
                 </a:solidFill>
                 <a:latin typeface="Courier New" panose="02070309020205020404" pitchFamily="49" charset="0"/>
                 <a:cs typeface="Courier New" panose="02070309020205020404" pitchFamily="49" charset="0"/>
               </a:rPr>
-              <a:t>(‘Year &gt;= 1990 &amp; </a:t>
-            </a:r>
-          </a:p>
-          <a:p>
-            <a:pPr marL="0" indent="0">
-              <a:buNone/>
-            </a:pPr>
-            <a:r>
-              <a:rPr lang="en-US">
+              <a:t>					Year &lt;= 2020 &amp; \	</a:t>
+            </a:r>
+            <a:br>
+              <a:rPr lang="en-CA" dirty="0">
                 <a:solidFill>
                   <a:srgbClr val="FF0000"/>
                 </a:solidFill>
                 <a:latin typeface="Courier New" panose="02070309020205020404" pitchFamily="49" charset="0"/>
                 <a:cs typeface="Courier New" panose="02070309020205020404" pitchFamily="49" charset="0"/>
               </a:rPr>
-              <a:t>					Year &lt;= 2020 &amp;</a:t>
-            </a:r>
-            <a:br>
-              <a:rPr lang="en-US">
+            </a:br>
+            <a:r>
+              <a:rPr lang="en-CA" dirty="0">
                 <a:solidFill>
                   <a:srgbClr val="FF0000"/>
                 </a:solidFill>
                 <a:latin typeface="Courier New" panose="02070309020205020404" pitchFamily="49" charset="0"/>
                 <a:cs typeface="Courier New" panose="02070309020205020404" pitchFamily="49" charset="0"/>
               </a:rPr>
-            </a:br>
-            <a:r>
-              <a:rPr lang="en-US">
-                <a:solidFill>
-                  <a:srgbClr val="FF0000"/>
-                </a:solidFill>
-                <a:latin typeface="Courier New" panose="02070309020205020404" pitchFamily="49" charset="0"/>
-                <a:cs typeface="Courier New" panose="02070309020205020404" pitchFamily="49" charset="0"/>
-              </a:rPr>
-              <a:t>					Country == “China” ’)</a:t>
-            </a:r>
+              <a:t>					Country == "China" ')</a:t>
+            </a:r>
+            <a:endParaRPr lang="en-US" dirty="0">
+              <a:solidFill>
+                <a:srgbClr val="FF0000"/>
+              </a:solidFill>
+              <a:latin typeface="Courier New" panose="02070309020205020404" pitchFamily="49" charset="0"/>
+              <a:cs typeface="Courier New" panose="02070309020205020404" pitchFamily="49" charset="0"/>
+            </a:endParaRPr>
           </a:p>
         </p:txBody>
       </p:sp>
@@ -7705,7 +7714,7 @@
               <a:rPr lang="en-US" smtClean="0"/>
               <a:t>12</a:t>
             </a:fld>
-            <a:endParaRPr lang="en-US"/>
+            <a:endParaRPr lang="en-US" dirty="0"/>
           </a:p>
         </p:txBody>
       </p:sp>
@@ -7770,15 +7779,33 @@
                                   </p:childTnLst>
                                 </p:cTn>
                               </p:par>
+                            </p:childTnLst>
+                          </p:cTn>
+                        </p:par>
+                      </p:childTnLst>
+                    </p:cTn>
+                  </p:par>
+                  <p:par>
+                    <p:cTn id="7" fill="hold">
+                      <p:stCondLst>
+                        <p:cond delay="indefinite"/>
+                      </p:stCondLst>
+                      <p:childTnLst>
+                        <p:par>
+                          <p:cTn id="8" fill="hold">
+                            <p:stCondLst>
+                              <p:cond delay="0"/>
+                            </p:stCondLst>
+                            <p:childTnLst>
                               <p:par>
-                                <p:cTn id="7" presetID="1" presetClass="entr" presetSubtype="0" fill="hold" nodeType="withEffect">
+                                <p:cTn id="9" presetID="1" presetClass="entr" presetSubtype="0" fill="hold" nodeType="clickEffect">
                                   <p:stCondLst>
                                     <p:cond delay="0"/>
                                   </p:stCondLst>
                                   <p:childTnLst>
                                     <p:set>
                                       <p:cBhvr>
-                                        <p:cTn id="8" dur="1" fill="hold">
+                                        <p:cTn id="10" dur="1" fill="hold">
                                           <p:stCondLst>
                                             <p:cond delay="0"/>
                                           </p:stCondLst>
@@ -8776,15 +8803,15 @@
           <a:lstStyle/>
           <a:p>
             <a:r>
-              <a:rPr lang="en-US"/>
+              <a:rPr lang="en-US" dirty="0"/>
               <a:t>Identify aesthetics of </a:t>
             </a:r>
             <a:r>
-              <a:rPr lang="en-US" err="1"/>
+              <a:rPr lang="en-US" dirty="0" err="1"/>
               <a:t>Gapminder</a:t>
             </a:r>
             <a:r>
-              <a:rPr lang="en-US"/>
+              <a:rPr lang="en-US" dirty="0"/>
               <a:t> world poster  </a:t>
             </a:r>
           </a:p>
@@ -8795,7 +8822,7 @@
               </a:lnSpc>
             </a:pPr>
             <a:r>
-              <a:rPr lang="en-US"/>
+              <a:rPr lang="en-US" dirty="0"/>
               <a:t>x-coord:</a:t>
             </a:r>
           </a:p>
@@ -8806,7 +8833,7 @@
               </a:lnSpc>
             </a:pPr>
             <a:r>
-              <a:rPr lang="en-US"/>
+              <a:rPr lang="en-US" dirty="0"/>
               <a:t>y-coord: </a:t>
             </a:r>
           </a:p>
@@ -8817,7 +8844,7 @@
               </a:lnSpc>
             </a:pPr>
             <a:r>
-              <a:rPr lang="en-US"/>
+              <a:rPr lang="en-US" dirty="0"/>
               <a:t>size:</a:t>
             </a:r>
           </a:p>
@@ -8828,7 +8855,7 @@
               </a:lnSpc>
             </a:pPr>
             <a:r>
-              <a:rPr lang="en-US"/>
+              <a:rPr lang="en-US" dirty="0"/>
               <a:t>color:</a:t>
             </a:r>
           </a:p>
@@ -8899,57 +8926,162 @@
           </a:prstGeom>
         </p:spPr>
       </p:pic>
-      <mc:AlternateContent xmlns:mc="http://schemas.openxmlformats.org/markup-compatibility/2006" xmlns:p14="http://schemas.microsoft.com/office/powerpoint/2010/main">
-        <mc:Choice Requires="p14">
-          <p:contentPart p14:bwMode="auto" r:id="rId3">
-            <p14:nvContentPartPr>
-              <p14:cNvPr id="6" name="Ink 5">
-                <a:extLst>
-                  <a:ext uri="{FF2B5EF4-FFF2-40B4-BE49-F238E27FC236}">
-                    <a16:creationId xmlns:a16="http://schemas.microsoft.com/office/drawing/2014/main" id="{8EEDC112-0C08-7ACF-C607-EDFEF1D0E192}"/>
-                  </a:ext>
-                </a:extLst>
-              </p14:cNvPr>
-              <p14:cNvContentPartPr/>
-              <p14:nvPr/>
-            </p14:nvContentPartPr>
-            <p14:xfrm>
-              <a:off x="2472840" y="2386800"/>
-              <a:ext cx="6998040" cy="3206160"/>
-            </p14:xfrm>
-          </p:contentPart>
-        </mc:Choice>
-        <mc:Fallback xmlns="">
-          <p:pic>
-            <p:nvPicPr>
-              <p:cNvPr id="6" name="Ink 5">
-                <a:extLst>
-                  <a:ext uri="{FF2B5EF4-FFF2-40B4-BE49-F238E27FC236}">
-                    <a16:creationId xmlns:a16="http://schemas.microsoft.com/office/drawing/2014/main" id="{8EEDC112-0C08-7ACF-C607-EDFEF1D0E192}"/>
-                  </a:ext>
-                </a:extLst>
-              </p:cNvPr>
-              <p:cNvPicPr/>
-              <p:nvPr/>
-            </p:nvPicPr>
-            <p:blipFill>
-              <a:blip r:embed="rId4"/>
-              <a:stretch>
-                <a:fillRect/>
-              </a:stretch>
-            </p:blipFill>
-            <p:spPr>
-              <a:xfrm>
-                <a:off x="2463480" y="2377440"/>
-                <a:ext cx="7016760" cy="3224880"/>
-              </a:xfrm>
-              <a:prstGeom prst="rect">
-                <a:avLst/>
-              </a:prstGeom>
-            </p:spPr>
-          </p:pic>
-        </mc:Fallback>
-      </mc:AlternateContent>
+      <p:sp>
+        <p:nvSpPr>
+          <p:cNvPr id="7" name="TextBox 6">
+            <a:extLst>
+              <a:ext uri="{FF2B5EF4-FFF2-40B4-BE49-F238E27FC236}">
+                <a16:creationId xmlns:a16="http://schemas.microsoft.com/office/drawing/2014/main" id="{FCB024C6-640E-17FC-F358-3B27D9647A6B}"/>
+              </a:ext>
+            </a:extLst>
+          </p:cNvPr>
+          <p:cNvSpPr txBox="1"/>
+          <p:nvPr/>
+        </p:nvSpPr>
+        <p:spPr>
+          <a:xfrm>
+            <a:off x="2827866" y="2556934"/>
+            <a:ext cx="2599814" cy="461665"/>
+          </a:xfrm>
+          <a:prstGeom prst="rect">
+            <a:avLst/>
+          </a:prstGeom>
+          <a:noFill/>
+        </p:spPr>
+        <p:txBody>
+          <a:bodyPr wrap="none" rtlCol="0">
+            <a:spAutoFit/>
+          </a:bodyPr>
+          <a:lstStyle/>
+          <a:p>
+            <a:r>
+              <a:rPr lang="en-US" sz="2400" dirty="0">
+                <a:solidFill>
+                  <a:srgbClr val="FF0000"/>
+                </a:solidFill>
+              </a:rPr>
+              <a:t>Income (GDP/cap)</a:t>
+            </a:r>
+          </a:p>
+        </p:txBody>
+      </p:sp>
+      <p:sp>
+        <p:nvSpPr>
+          <p:cNvPr id="8" name="TextBox 7">
+            <a:extLst>
+              <a:ext uri="{FF2B5EF4-FFF2-40B4-BE49-F238E27FC236}">
+                <a16:creationId xmlns:a16="http://schemas.microsoft.com/office/drawing/2014/main" id="{3B9B75EB-2AB5-9161-0613-948B9CD4D21B}"/>
+              </a:ext>
+            </a:extLst>
+          </p:cNvPr>
+          <p:cNvSpPr txBox="1"/>
+          <p:nvPr/>
+        </p:nvSpPr>
+        <p:spPr>
+          <a:xfrm>
+            <a:off x="2827866" y="3360803"/>
+            <a:ext cx="2262671" cy="461665"/>
+          </a:xfrm>
+          <a:prstGeom prst="rect">
+            <a:avLst/>
+          </a:prstGeom>
+          <a:noFill/>
+        </p:spPr>
+        <p:txBody>
+          <a:bodyPr wrap="none" rtlCol="0">
+            <a:spAutoFit/>
+          </a:bodyPr>
+          <a:lstStyle/>
+          <a:p>
+            <a:r>
+              <a:rPr lang="en-US" sz="2400" dirty="0">
+                <a:solidFill>
+                  <a:srgbClr val="FF0000"/>
+                </a:solidFill>
+              </a:rPr>
+              <a:t>Life Expectancy</a:t>
+            </a:r>
+          </a:p>
+        </p:txBody>
+      </p:sp>
+      <p:sp>
+        <p:nvSpPr>
+          <p:cNvPr id="9" name="TextBox 8">
+            <a:extLst>
+              <a:ext uri="{FF2B5EF4-FFF2-40B4-BE49-F238E27FC236}">
+                <a16:creationId xmlns:a16="http://schemas.microsoft.com/office/drawing/2014/main" id="{FEE0B1FE-A87E-0465-4272-B48C89E8C6ED}"/>
+              </a:ext>
+            </a:extLst>
+          </p:cNvPr>
+          <p:cNvSpPr txBox="1"/>
+          <p:nvPr/>
+        </p:nvSpPr>
+        <p:spPr>
+          <a:xfrm>
+            <a:off x="2353733" y="4136115"/>
+            <a:ext cx="1619546" cy="461665"/>
+          </a:xfrm>
+          <a:prstGeom prst="rect">
+            <a:avLst/>
+          </a:prstGeom>
+          <a:noFill/>
+        </p:spPr>
+        <p:txBody>
+          <a:bodyPr wrap="none" rtlCol="0">
+            <a:spAutoFit/>
+          </a:bodyPr>
+          <a:lstStyle/>
+          <a:p>
+            <a:r>
+              <a:rPr lang="en-US" sz="2400" dirty="0">
+                <a:solidFill>
+                  <a:srgbClr val="FF0000"/>
+                </a:solidFill>
+              </a:rPr>
+              <a:t>Population</a:t>
+            </a:r>
+          </a:p>
+        </p:txBody>
+      </p:sp>
+      <p:sp>
+        <p:nvSpPr>
+          <p:cNvPr id="10" name="TextBox 9">
+            <a:extLst>
+              <a:ext uri="{FF2B5EF4-FFF2-40B4-BE49-F238E27FC236}">
+                <a16:creationId xmlns:a16="http://schemas.microsoft.com/office/drawing/2014/main" id="{8D637623-2F50-8321-4EB3-866089DCE52A}"/>
+              </a:ext>
+            </a:extLst>
+          </p:cNvPr>
+          <p:cNvSpPr txBox="1"/>
+          <p:nvPr/>
+        </p:nvSpPr>
+        <p:spPr>
+          <a:xfrm>
+            <a:off x="2418208" y="4911427"/>
+            <a:ext cx="1095172" cy="461665"/>
+          </a:xfrm>
+          <a:prstGeom prst="rect">
+            <a:avLst/>
+          </a:prstGeom>
+          <a:noFill/>
+        </p:spPr>
+        <p:txBody>
+          <a:bodyPr wrap="none" rtlCol="0">
+            <a:spAutoFit/>
+          </a:bodyPr>
+          <a:lstStyle/>
+          <a:p>
+            <a:r>
+              <a:rPr lang="en-US" sz="2400" dirty="0">
+                <a:solidFill>
+                  <a:srgbClr val="FF0000"/>
+                </a:solidFill>
+              </a:rPr>
+              <a:t>Region</a:t>
+            </a:r>
+          </a:p>
+        </p:txBody>
+      </p:sp>
     </p:spTree>
     <p:extLst>
       <p:ext uri="{BB962C8B-B14F-4D97-AF65-F5344CB8AC3E}">
@@ -9340,7 +9472,27 @@
                 <a:latin typeface="Courier New" panose="02070309020205020404" pitchFamily="49" charset="0"/>
                 <a:cs typeface="Courier New" panose="02070309020205020404" pitchFamily="49" charset="0"/>
               </a:rPr>
-              <a:t>    gwp_2019,</a:t>
+              <a:t>    </a:t>
+            </a:r>
+            <a:r>
+              <a:rPr lang="en-US" dirty="0" err="1">
+                <a:solidFill>
+                  <a:srgbClr val="FF0000"/>
+                </a:solidFill>
+                <a:latin typeface="Courier New" panose="02070309020205020404" pitchFamily="49" charset="0"/>
+                <a:cs typeface="Courier New" panose="02070309020205020404" pitchFamily="49" charset="0"/>
+              </a:rPr>
+              <a:t>data_frame</a:t>
+            </a:r>
+            <a:r>
+              <a:rPr lang="en-US" dirty="0">
+                <a:solidFill>
+                  <a:srgbClr val="FF0000"/>
+                </a:solidFill>
+                <a:latin typeface="Courier New" panose="02070309020205020404" pitchFamily="49" charset="0"/>
+                <a:cs typeface="Courier New" panose="02070309020205020404" pitchFamily="49" charset="0"/>
+              </a:rPr>
+              <a:t> = gwp_2019,</a:t>
             </a:r>
           </a:p>
           <a:p>
@@ -9780,7 +9932,7 @@
         <p:spPr>
           <a:xfrm>
             <a:off x="1127914" y="4228366"/>
-            <a:ext cx="7353295" cy="2031325"/>
+            <a:ext cx="7491153" cy="2031325"/>
           </a:xfrm>
           <a:prstGeom prst="rect">
             <a:avLst/>
@@ -9813,7 +9965,7 @@
                 <a:latin typeface="Courier New" panose="02070309020205020404" pitchFamily="49" charset="0"/>
                 <a:cs typeface="Courier New" panose="02070309020205020404" pitchFamily="49" charset="0"/>
               </a:rPr>
-              <a:t>    color = 'region',</a:t>
+              <a:t>    color='Region',</a:t>
             </a:r>
           </a:p>
           <a:p>
@@ -9857,7 +10009,7 @@
                 <a:latin typeface="Courier New" panose="02070309020205020404" pitchFamily="49" charset="0"/>
                 <a:cs typeface="Courier New" panose="02070309020205020404" pitchFamily="49" charset="0"/>
               </a:rPr>
-              <a:t>    </a:t>
+              <a:t>    </a:t>
             </a:r>
             <a:r>
               <a:rPr lang="en-US" dirty="0" err="1">
@@ -9892,24 +10044,15 @@
               <a:t>    </a:t>
             </a:r>
             <a:r>
-              <a:rPr lang="en-CA" dirty="0">
+              <a:rPr lang="en-US" dirty="0" err="1">
                 <a:solidFill>
                   <a:srgbClr val="FF0000"/>
                 </a:solidFill>
                 <a:latin typeface="Courier New" panose="02070309020205020404" pitchFamily="49" charset="0"/>
                 <a:cs typeface="Courier New" panose="02070309020205020404" pitchFamily="49" charset="0"/>
               </a:rPr>
-              <a:t>title='Life Expectancy vs GDP per Capita (2019)'</a:t>
-            </a:r>
-            <a:endParaRPr lang="en-US" dirty="0">
-              <a:solidFill>
-                <a:srgbClr val="FF0000"/>
-              </a:solidFill>
-              <a:latin typeface="Courier New" panose="02070309020205020404" pitchFamily="49" charset="0"/>
-              <a:cs typeface="Courier New" panose="02070309020205020404" pitchFamily="49" charset="0"/>
-            </a:endParaRPr>
-          </a:p>
-          <a:p>
+              <a:t>hover_name</a:t>
+            </a:r>
             <a:r>
               <a:rPr lang="en-US" dirty="0">
                 <a:solidFill>
@@ -9918,10 +10061,32 @@
                 <a:latin typeface="Courier New" panose="02070309020205020404" pitchFamily="49" charset="0"/>
                 <a:cs typeface="Courier New" panose="02070309020205020404" pitchFamily="49" charset="0"/>
               </a:rPr>
-              <a:t>    )</a:t>
-            </a:r>
-          </a:p>
-          <a:p>
+              <a:t> = "Country",</a:t>
+            </a:r>
+          </a:p>
+          <a:p>
+            <a:r>
+              <a:rPr lang="en-US" dirty="0">
+                <a:solidFill>
+                  <a:srgbClr val="FF0000"/>
+                </a:solidFill>
+                <a:latin typeface="Courier New" panose="02070309020205020404" pitchFamily="49" charset="0"/>
+                <a:cs typeface="Courier New" panose="02070309020205020404" pitchFamily="49" charset="0"/>
+              </a:rPr>
+              <a:t>    title='Life Expectancy vs GDP per Capita (2019)',</a:t>
+            </a:r>
+          </a:p>
+          <a:p>
+            <a:r>
+              <a:rPr lang="en-US" dirty="0">
+                <a:solidFill>
+                  <a:srgbClr val="FF0000"/>
+                </a:solidFill>
+                <a:latin typeface="Courier New" panose="02070309020205020404" pitchFamily="49" charset="0"/>
+                <a:cs typeface="Courier New" panose="02070309020205020404" pitchFamily="49" charset="0"/>
+              </a:rPr>
+              <a:t>)</a:t>
+            </a:r>
             <a:r>
               <a:rPr lang="en-US" dirty="0" err="1">
                 <a:solidFill>
@@ -11258,7 +11423,7 @@
                 <a:latin typeface="Courier New" panose="02070309020205020404" pitchFamily="49" charset="0"/>
                 <a:cs typeface="Courier New" panose="02070309020205020404" pitchFamily="49" charset="0"/>
               </a:rPr>
-              <a:t>( "Year &gt;= 1800 &amp; Year &lt;= 2022 &amp; " \</a:t>
+              <a:t>( "Year &gt;= 1800 &amp; Year &lt;= 2023 &amp; " \</a:t>
             </a:r>
           </a:p>
           <a:p>
@@ -11299,7 +11464,7 @@
         <p:spPr>
           <a:xfrm>
             <a:off x="1218078" y="3771027"/>
-            <a:ext cx="6526146" cy="2585323"/>
+            <a:ext cx="3768980" cy="2585323"/>
           </a:xfrm>
           <a:prstGeom prst="rect">
             <a:avLst/>
@@ -11440,10 +11605,18 @@
                 <a:latin typeface="Courier New" panose="02070309020205020404" pitchFamily="49" charset="0"/>
                 <a:cs typeface="Courier New" panose="02070309020205020404" pitchFamily="49" charset="0"/>
               </a:rPr>
-              <a:t>    title="GDP per Capita Trends (1800-2022)",</a:t>
-            </a:r>
-          </a:p>
-          <a:p>
+              <a:t>    </a:t>
+            </a:r>
+            <a:r>
+              <a:rPr lang="en-US" dirty="0" err="1">
+                <a:solidFill>
+                  <a:srgbClr val="FF0000"/>
+                </a:solidFill>
+                <a:latin typeface="Courier New" panose="02070309020205020404" pitchFamily="49" charset="0"/>
+                <a:cs typeface="Courier New" panose="02070309020205020404" pitchFamily="49" charset="0"/>
+              </a:rPr>
+              <a:t>log_y</a:t>
+            </a:r>
             <a:r>
               <a:rPr lang="en-US" dirty="0">
                 <a:solidFill>
@@ -11452,6 +11625,18 @@
                 <a:latin typeface="Courier New" panose="02070309020205020404" pitchFamily="49" charset="0"/>
                 <a:cs typeface="Courier New" panose="02070309020205020404" pitchFamily="49" charset="0"/>
               </a:rPr>
+              <a:t>=True,</a:t>
+            </a:r>
+          </a:p>
+          <a:p>
+            <a:r>
+              <a:rPr lang="en-US" dirty="0">
+                <a:solidFill>
+                  <a:srgbClr val="FF0000"/>
+                </a:solidFill>
+                <a:latin typeface="Courier New" panose="02070309020205020404" pitchFamily="49" charset="0"/>
+                <a:cs typeface="Courier New" panose="02070309020205020404" pitchFamily="49" charset="0"/>
+              </a:rPr>
               <a:t>    </a:t>
             </a:r>
             <a:r>
@@ -11462,7 +11647,7 @@
                 <a:latin typeface="Courier New" panose="02070309020205020404" pitchFamily="49" charset="0"/>
                 <a:cs typeface="Courier New" panose="02070309020205020404" pitchFamily="49" charset="0"/>
               </a:rPr>
-              <a:t>log_y</a:t>
+              <a:t>hover_name</a:t>
             </a:r>
             <a:r>
               <a:rPr lang="en-US" dirty="0">
@@ -11472,7 +11657,7 @@
                 <a:latin typeface="Courier New" panose="02070309020205020404" pitchFamily="49" charset="0"/>
                 <a:cs typeface="Courier New" panose="02070309020205020404" pitchFamily="49" charset="0"/>
               </a:rPr>
-              <a:t>=True</a:t>
+              <a:t> = 'Country'</a:t>
             </a:r>
           </a:p>
           <a:p>
@@ -11775,7 +11960,7 @@
         </p:nvSpPr>
         <p:spPr>
           <a:xfrm>
-            <a:off x="1037208" y="3127335"/>
+            <a:off x="1003342" y="2854888"/>
             <a:ext cx="8042586" cy="646331"/>
           </a:xfrm>
           <a:prstGeom prst="rect">
@@ -11827,10 +12012,18 @@
                 <a:latin typeface="Courier New" panose="02070309020205020404" pitchFamily="49" charset="0"/>
                 <a:cs typeface="Courier New" panose="02070309020205020404" pitchFamily="49" charset="0"/>
               </a:rPr>
-              <a:t>('Year == 2019’) \</a:t>
-            </a:r>
-          </a:p>
-          <a:p>
+              <a:t>('Year </a:t>
+            </a:r>
+            <a:r>
+              <a:rPr lang="en-US">
+                <a:solidFill>
+                  <a:srgbClr val="FF0000"/>
+                </a:solidFill>
+                <a:latin typeface="Courier New" panose="02070309020205020404" pitchFamily="49" charset="0"/>
+                <a:cs typeface="Courier New" panose="02070309020205020404" pitchFamily="49" charset="0"/>
+              </a:rPr>
+              <a:t>== 2023’) </a:t>
+            </a:r>
             <a:r>
               <a:rPr lang="en-US" dirty="0">
                 <a:solidFill>
@@ -11839,6 +12032,18 @@
                 <a:latin typeface="Courier New" panose="02070309020205020404" pitchFamily="49" charset="0"/>
                 <a:cs typeface="Courier New" panose="02070309020205020404" pitchFamily="49" charset="0"/>
               </a:rPr>
+              <a:t>\</a:t>
+            </a:r>
+          </a:p>
+          <a:p>
+            <a:r>
+              <a:rPr lang="en-US" dirty="0">
+                <a:solidFill>
+                  <a:srgbClr val="FF0000"/>
+                </a:solidFill>
+                <a:latin typeface="Courier New" panose="02070309020205020404" pitchFamily="49" charset="0"/>
+                <a:cs typeface="Courier New" panose="02070309020205020404" pitchFamily="49" charset="0"/>
+              </a:rPr>
               <a:t>  .</a:t>
             </a:r>
             <a:r>
@@ -11878,8 +12083,8 @@
         </p:nvSpPr>
         <p:spPr>
           <a:xfrm>
-            <a:off x="1037208" y="3948534"/>
-            <a:ext cx="4733988" cy="2308324"/>
+            <a:off x="935804" y="3505715"/>
+            <a:ext cx="8731878" cy="3139321"/>
           </a:xfrm>
           <a:prstGeom prst="rect">
             <a:avLst/>
@@ -11893,7 +12098,7 @@
           <a:lstStyle/>
           <a:p>
             <a:r>
-              <a:rPr lang="en-US">
+              <a:rPr lang="en-US" dirty="0">
                 <a:solidFill>
                   <a:srgbClr val="FF0000"/>
                 </a:solidFill>
@@ -11903,7 +12108,7 @@
               <a:t>fig = </a:t>
             </a:r>
             <a:r>
-              <a:rPr lang="en-US" err="1">
+              <a:rPr lang="en-US" dirty="0" err="1">
                 <a:solidFill>
                   <a:srgbClr val="FF0000"/>
                 </a:solidFill>
@@ -11913,7 +12118,7 @@
               <a:t>px.bar</a:t>
             </a:r>
             <a:r>
-              <a:rPr lang="en-US">
+              <a:rPr lang="en-US" dirty="0">
                 <a:solidFill>
                   <a:srgbClr val="FF0000"/>
                 </a:solidFill>
@@ -11925,7 +12130,7 @@
           </a:p>
           <a:p>
             <a:r>
-              <a:rPr lang="en-US">
+              <a:rPr lang="en-US" dirty="0">
                 <a:solidFill>
                   <a:srgbClr val="FF0000"/>
                 </a:solidFill>
@@ -11935,7 +12140,7 @@
               <a:t>    </a:t>
             </a:r>
             <a:r>
-              <a:rPr lang="en-US" err="1">
+              <a:rPr lang="en-US" dirty="0" err="1">
                 <a:solidFill>
                   <a:srgbClr val="FF0000"/>
                 </a:solidFill>
@@ -11945,7 +12150,7 @@
               <a:t>pop_rank</a:t>
             </a:r>
             <a:r>
-              <a:rPr lang="en-US">
+              <a:rPr lang="en-US" dirty="0">
                 <a:solidFill>
                   <a:srgbClr val="FF0000"/>
                 </a:solidFill>
@@ -11957,7 +12162,7 @@
           </a:p>
           <a:p>
             <a:r>
-              <a:rPr lang="en-US">
+              <a:rPr lang="en-US" dirty="0">
                 <a:solidFill>
                   <a:srgbClr val="FF0000"/>
                 </a:solidFill>
@@ -11969,7 +12174,7 @@
           </a:p>
           <a:p>
             <a:r>
-              <a:rPr lang="en-US">
+              <a:rPr lang="en-US" dirty="0">
                 <a:solidFill>
                   <a:srgbClr val="FF0000"/>
                 </a:solidFill>
@@ -11981,53 +12186,179 @@
           </a:p>
           <a:p>
             <a:r>
-              <a:rPr lang="en-US">
+              <a:rPr lang="en-US" dirty="0">
                 <a:solidFill>
                   <a:srgbClr val="FF0000"/>
                 </a:solidFill>
                 <a:latin typeface="Courier New" panose="02070309020205020404" pitchFamily="49" charset="0"/>
                 <a:cs typeface="Courier New" panose="02070309020205020404" pitchFamily="49" charset="0"/>
               </a:rPr>
-              <a:t>    orientation='h',</a:t>
-            </a:r>
-          </a:p>
-          <a:p>
-            <a:r>
-              <a:rPr lang="en-US">
+              <a:t>    orientation='h’,</a:t>
+            </a:r>
+          </a:p>
+          <a:p>
+            <a:r>
+              <a:rPr lang="en-US" dirty="0">
                 <a:solidFill>
                   <a:srgbClr val="FF0000"/>
                 </a:solidFill>
                 <a:latin typeface="Courier New" panose="02070309020205020404" pitchFamily="49" charset="0"/>
                 <a:cs typeface="Courier New" panose="02070309020205020404" pitchFamily="49" charset="0"/>
               </a:rPr>
-              <a:t>    title='Population Size Rank',</a:t>
-            </a:r>
-          </a:p>
-          <a:p>
-            <a:r>
-              <a:rPr lang="en-US">
+              <a:t>    color='Region',  </a:t>
+            </a:r>
+          </a:p>
+          <a:p>
+            <a:r>
+              <a:rPr lang="en-US" dirty="0">
                 <a:solidFill>
                   <a:srgbClr val="FF0000"/>
                 </a:solidFill>
                 <a:latin typeface="Courier New" panose="02070309020205020404" pitchFamily="49" charset="0"/>
                 <a:cs typeface="Courier New" panose="02070309020205020404" pitchFamily="49" charset="0"/>
               </a:rPr>
-              <a:t>    color='Country')</a:t>
-            </a:r>
-          </a:p>
-          <a:p>
-            <a:r>
-              <a:rPr lang="en-US" err="1">
+              <a:t>    </a:t>
+            </a:r>
+            <a:r>
+              <a:rPr lang="en-US" dirty="0" err="1">
                 <a:solidFill>
                   <a:srgbClr val="FF0000"/>
                 </a:solidFill>
                 <a:latin typeface="Courier New" panose="02070309020205020404" pitchFamily="49" charset="0"/>
                 <a:cs typeface="Courier New" panose="02070309020205020404" pitchFamily="49" charset="0"/>
               </a:rPr>
+              <a:t>text_auto</a:t>
+            </a:r>
+            <a:r>
+              <a:rPr lang="en-US" dirty="0">
+                <a:solidFill>
+                  <a:srgbClr val="FF0000"/>
+                </a:solidFill>
+                <a:latin typeface="Courier New" panose="02070309020205020404" pitchFamily="49" charset="0"/>
+                <a:cs typeface="Courier New" panose="02070309020205020404" pitchFamily="49" charset="0"/>
+              </a:rPr>
+              <a:t> = True,</a:t>
+            </a:r>
+          </a:p>
+          <a:p>
+            <a:r>
+              <a:rPr lang="en-US" dirty="0">
+                <a:solidFill>
+                  <a:srgbClr val="FF0000"/>
+                </a:solidFill>
+                <a:latin typeface="Courier New" panose="02070309020205020404" pitchFamily="49" charset="0"/>
+                <a:cs typeface="Courier New" panose="02070309020205020404" pitchFamily="49" charset="0"/>
+              </a:rPr>
+              <a:t>    </a:t>
+            </a:r>
+            <a:r>
+              <a:rPr lang="en-US" dirty="0" err="1">
+                <a:solidFill>
+                  <a:srgbClr val="FF0000"/>
+                </a:solidFill>
+                <a:latin typeface="Courier New" panose="02070309020205020404" pitchFamily="49" charset="0"/>
+                <a:cs typeface="Courier New" panose="02070309020205020404" pitchFamily="49" charset="0"/>
+              </a:rPr>
+              <a:t>hover_name</a:t>
+            </a:r>
+            <a:r>
+              <a:rPr lang="en-US" dirty="0">
+                <a:solidFill>
+                  <a:srgbClr val="FF0000"/>
+                </a:solidFill>
+                <a:latin typeface="Courier New" panose="02070309020205020404" pitchFamily="49" charset="0"/>
+                <a:cs typeface="Courier New" panose="02070309020205020404" pitchFamily="49" charset="0"/>
+              </a:rPr>
+              <a:t> = 'Country'</a:t>
+            </a:r>
+          </a:p>
+          <a:p>
+            <a:r>
+              <a:rPr lang="en-US" dirty="0">
+                <a:solidFill>
+                  <a:srgbClr val="FF0000"/>
+                </a:solidFill>
+                <a:latin typeface="Courier New" panose="02070309020205020404" pitchFamily="49" charset="0"/>
+                <a:cs typeface="Courier New" panose="02070309020205020404" pitchFamily="49" charset="0"/>
+              </a:rPr>
+              <a:t>)</a:t>
+            </a:r>
+          </a:p>
+          <a:p>
+            <a:r>
+              <a:rPr lang="en-US" dirty="0" err="1">
+                <a:solidFill>
+                  <a:srgbClr val="FF0000"/>
+                </a:solidFill>
+                <a:latin typeface="Courier New" panose="02070309020205020404" pitchFamily="49" charset="0"/>
+                <a:cs typeface="Courier New" panose="02070309020205020404" pitchFamily="49" charset="0"/>
+              </a:rPr>
+              <a:t>fig.update_layout</a:t>
+            </a:r>
+            <a:r>
+              <a:rPr lang="en-US" dirty="0">
+                <a:solidFill>
+                  <a:srgbClr val="FF0000"/>
+                </a:solidFill>
+                <a:latin typeface="Courier New" panose="02070309020205020404" pitchFamily="49" charset="0"/>
+                <a:cs typeface="Courier New" panose="02070309020205020404" pitchFamily="49" charset="0"/>
+              </a:rPr>
+              <a:t>(</a:t>
+            </a:r>
+            <a:r>
+              <a:rPr lang="en-US" dirty="0" err="1">
+                <a:solidFill>
+                  <a:srgbClr val="FF0000"/>
+                </a:solidFill>
+                <a:latin typeface="Courier New" panose="02070309020205020404" pitchFamily="49" charset="0"/>
+                <a:cs typeface="Courier New" panose="02070309020205020404" pitchFamily="49" charset="0"/>
+              </a:rPr>
+              <a:t>yaxis</a:t>
+            </a:r>
+            <a:r>
+              <a:rPr lang="en-US" dirty="0">
+                <a:solidFill>
+                  <a:srgbClr val="FF0000"/>
+                </a:solidFill>
+                <a:latin typeface="Courier New" panose="02070309020205020404" pitchFamily="49" charset="0"/>
+                <a:cs typeface="Courier New" panose="02070309020205020404" pitchFamily="49" charset="0"/>
+              </a:rPr>
+              <a:t>={'</a:t>
+            </a:r>
+            <a:r>
+              <a:rPr lang="en-US" dirty="0" err="1">
+                <a:solidFill>
+                  <a:srgbClr val="FF0000"/>
+                </a:solidFill>
+                <a:latin typeface="Courier New" panose="02070309020205020404" pitchFamily="49" charset="0"/>
+                <a:cs typeface="Courier New" panose="02070309020205020404" pitchFamily="49" charset="0"/>
+              </a:rPr>
+              <a:t>categoryorder</a:t>
+            </a:r>
+            <a:r>
+              <a:rPr lang="en-US" dirty="0">
+                <a:solidFill>
+                  <a:srgbClr val="FF0000"/>
+                </a:solidFill>
+                <a:latin typeface="Courier New" panose="02070309020205020404" pitchFamily="49" charset="0"/>
+                <a:cs typeface="Courier New" panose="02070309020205020404" pitchFamily="49" charset="0"/>
+              </a:rPr>
+              <a:t>': 'total ascending’}) </a:t>
+            </a:r>
+          </a:p>
+          <a:p>
+            <a:r>
+              <a:rPr lang="en-US" dirty="0" err="1">
+                <a:solidFill>
+                  <a:srgbClr val="FF0000"/>
+                </a:solidFill>
+                <a:latin typeface="Courier New" panose="02070309020205020404" pitchFamily="49" charset="0"/>
+                <a:cs typeface="Courier New" panose="02070309020205020404" pitchFamily="49" charset="0"/>
+              </a:rPr>
               <a:t>fig.show</a:t>
             </a:r>
             <a:r>
-              <a:rPr lang="en-US">
+              <a:rPr lang="en-US" dirty="0">
                 <a:solidFill>
                   <a:srgbClr val="FF0000"/>
                 </a:solidFill>
@@ -12355,7 +12686,7 @@
                 <a:latin typeface="Courier New" panose="02070309020205020404" pitchFamily="49" charset="0"/>
                 <a:cs typeface="Courier New" panose="02070309020205020404" pitchFamily="49" charset="0"/>
               </a:rPr>
-              <a:t>('Year == 2022')</a:t>
+              <a:t>('Year == 2023')</a:t>
             </a:r>
           </a:p>
           <a:p>
@@ -12538,31 +12869,31 @@
           <a:lstStyle/>
           <a:p>
             <a:r>
-              <a:rPr lang="en-US">
+              <a:rPr lang="en-US" dirty="0">
                 <a:solidFill>
                   <a:srgbClr val="FF0000"/>
                 </a:solidFill>
                 <a:latin typeface="Courier New" panose="02070309020205020404" pitchFamily="49" charset="0"/>
                 <a:cs typeface="Courier New" panose="02070309020205020404" pitchFamily="49" charset="0"/>
               </a:rPr>
-              <a:t>    size='Population',         </a:t>
-            </a:r>
-          </a:p>
-          <a:p>
-            <a:r>
-              <a:rPr lang="en-US">
+              <a:t>    size='Population',           </a:t>
+            </a:r>
+          </a:p>
+          <a:p>
+            <a:r>
+              <a:rPr lang="en-US" dirty="0">
                 <a:solidFill>
                   <a:srgbClr val="FF0000"/>
                 </a:solidFill>
                 <a:latin typeface="Courier New" panose="02070309020205020404" pitchFamily="49" charset="0"/>
                 <a:cs typeface="Courier New" panose="02070309020205020404" pitchFamily="49" charset="0"/>
               </a:rPr>
-              <a:t>    color='region',            </a:t>
-            </a:r>
-          </a:p>
-          <a:p>
-            <a:r>
-              <a:rPr lang="en-US">
+              <a:t>    color='Region',              </a:t>
+            </a:r>
+          </a:p>
+          <a:p>
+            <a:r>
+              <a:rPr lang="en-US" dirty="0">
                 <a:solidFill>
                   <a:srgbClr val="FF0000"/>
                 </a:solidFill>
@@ -12572,73 +12903,73 @@
               <a:t>    </a:t>
             </a:r>
             <a:r>
-              <a:rPr lang="en-US" err="1">
+              <a:rPr lang="en-US" dirty="0" err="1">
                 <a:solidFill>
                   <a:srgbClr val="FF0000"/>
                 </a:solidFill>
                 <a:latin typeface="Courier New" panose="02070309020205020404" pitchFamily="49" charset="0"/>
                 <a:cs typeface="Courier New" panose="02070309020205020404" pitchFamily="49" charset="0"/>
               </a:rPr>
-              <a:t>hover_name</a:t>
-            </a:r>
-            <a:r>
-              <a:rPr lang="en-US">
+              <a:t>size_max</a:t>
+            </a:r>
+            <a:r>
+              <a:rPr lang="en-US" dirty="0">
                 <a:solidFill>
                   <a:srgbClr val="FF0000"/>
                 </a:solidFill>
                 <a:latin typeface="Courier New" panose="02070309020205020404" pitchFamily="49" charset="0"/>
                 <a:cs typeface="Courier New" panose="02070309020205020404" pitchFamily="49" charset="0"/>
               </a:rPr>
-              <a:t>='Country',      </a:t>
-            </a:r>
-          </a:p>
-          <a:p>
-            <a:r>
-              <a:rPr lang="en-US">
+              <a:t> = 50,</a:t>
+            </a:r>
+          </a:p>
+          <a:p>
+            <a:r>
+              <a:rPr lang="en-US" dirty="0">
                 <a:solidFill>
                   <a:srgbClr val="FF0000"/>
                 </a:solidFill>
                 <a:latin typeface="Courier New" panose="02070309020205020404" pitchFamily="49" charset="0"/>
                 <a:cs typeface="Courier New" panose="02070309020205020404" pitchFamily="49" charset="0"/>
               </a:rPr>
-              <a:t>    scope='world',             </a:t>
-            </a:r>
-          </a:p>
-          <a:p>
-            <a:r>
-              <a:rPr lang="en-US">
+              <a:t>    </a:t>
+            </a:r>
+            <a:r>
+              <a:rPr lang="en-US" dirty="0" err="1">
                 <a:solidFill>
                   <a:srgbClr val="FF0000"/>
                 </a:solidFill>
                 <a:latin typeface="Courier New" panose="02070309020205020404" pitchFamily="49" charset="0"/>
                 <a:cs typeface="Courier New" panose="02070309020205020404" pitchFamily="49" charset="0"/>
               </a:rPr>
-              <a:t>    </a:t>
-            </a:r>
-            <a:r>
-              <a:rPr lang="en-US" err="1">
+              <a:t>hover_name</a:t>
+            </a:r>
+            <a:r>
+              <a:rPr lang="en-US" dirty="0">
                 <a:solidFill>
                   <a:srgbClr val="FF0000"/>
                 </a:solidFill>
                 <a:latin typeface="Courier New" panose="02070309020205020404" pitchFamily="49" charset="0"/>
                 <a:cs typeface="Courier New" panose="02070309020205020404" pitchFamily="49" charset="0"/>
               </a:rPr>
-              <a:t>size_max</a:t>
-            </a:r>
-            <a:r>
-              <a:rPr lang="en-US">
+              <a:t>='Country',</a:t>
+            </a:r>
+          </a:p>
+          <a:p>
+            <a:r>
+              <a:rPr lang="en-US" dirty="0">
                 <a:solidFill>
                   <a:srgbClr val="FF0000"/>
                 </a:solidFill>
                 <a:latin typeface="Courier New" panose="02070309020205020404" pitchFamily="49" charset="0"/>
                 <a:cs typeface="Courier New" panose="02070309020205020404" pitchFamily="49" charset="0"/>
               </a:rPr>
-              <a:t> = 50</a:t>
-            </a:r>
-          </a:p>
-          <a:p>
-            <a:r>
-              <a:rPr lang="en-US">
+              <a:t>    scope='world',               </a:t>
+            </a:r>
+          </a:p>
+          <a:p>
+            <a:r>
+              <a:rPr lang="en-US" dirty="0">
                 <a:solidFill>
                   <a:srgbClr val="FF0000"/>
                 </a:solidFill>
@@ -12650,7 +12981,7 @@
           </a:p>
           <a:p>
             <a:r>
-              <a:rPr lang="en-US" err="1">
+              <a:rPr lang="en-US" dirty="0" err="1">
                 <a:solidFill>
                   <a:srgbClr val="FF0000"/>
                 </a:solidFill>
@@ -12660,7 +12991,7 @@
               <a:t>fig.show</a:t>
             </a:r>
             <a:r>
-              <a:rPr lang="en-US">
+              <a:rPr lang="en-US" dirty="0">
                 <a:solidFill>
                   <a:srgbClr val="FF0000"/>
                 </a:solidFill>
